--- a/FinalSubmission/msc_final_presentation.pptx
+++ b/FinalSubmission/msc_final_presentation.pptx
@@ -5,7 +5,7 @@
     <p:sldMasterId id="2147483818" r:id="rId1"/>
   </p:sldMasterIdLst>
   <p:handoutMasterIdLst>
-    <p:handoutMasterId r:id="rId31"/>
+    <p:handoutMasterId r:id="rId32"/>
   </p:handoutMasterIdLst>
   <p:sldIdLst>
     <p:sldId id="256" r:id="rId2"/>
@@ -36,7 +36,8 @@
     <p:sldId id="293" r:id="rId27"/>
     <p:sldId id="292" r:id="rId28"/>
     <p:sldId id="290" r:id="rId29"/>
-    <p:sldId id="291" r:id="rId30"/>
+    <p:sldId id="294" r:id="rId30"/>
+    <p:sldId id="291" r:id="rId31"/>
   </p:sldIdLst>
   <p:sldSz cx="9144000" cy="6858000" type="screen4x3"/>
   <p:notesSz cx="9866313" cy="6735763"/>
@@ -925,7 +926,7 @@
           </a:ln>
           <a:extLst>
             <a:ext uri="{91240B29-F687-4f45-9708-019B960494DF}">
-              <a14:hiddenLine xmlns:a14="http://schemas.microsoft.com/office/drawing/2010/main" xmlns="" w="9525">
+              <a14:hiddenLine xmlns="" xmlns:a14="http://schemas.microsoft.com/office/drawing/2010/main" w="9525">
                 <a:solidFill>
                   <a:srgbClr val="000000"/>
                 </a:solidFill>
@@ -980,7 +981,7 @@
           </a:ln>
           <a:extLst>
             <a:ext uri="{91240B29-F687-4f45-9708-019B960494DF}">
-              <a14:hiddenLine xmlns:a14="http://schemas.microsoft.com/office/drawing/2010/main" xmlns="" w="9525">
+              <a14:hiddenLine xmlns="" xmlns:a14="http://schemas.microsoft.com/office/drawing/2010/main" w="9525">
                 <a:solidFill>
                   <a:srgbClr val="000000"/>
                 </a:solidFill>
@@ -11615,7 +11616,11 @@
           <a:p>
             <a:r>
               <a:rPr lang="en-US" dirty="0" smtClean="0"/>
-              <a:t>References</a:t>
+              <a:t>References - </a:t>
+            </a:r>
+            <a:r>
+              <a:rPr lang="en-US" dirty="0" err="1" smtClean="0"/>
+              <a:t>Cont</a:t>
             </a:r>
             <a:endParaRPr lang="en-US" dirty="0"/>
           </a:p>
@@ -11645,59 +11650,175 @@
           <a:p>
             <a:r>
               <a:rPr lang="en-US" dirty="0"/>
-              <a:t>"Economic and social infrastructure - Central Bank of Sri Lanka - ANNUAL REPORT 2012," 2013. [Online]. Available: http://www.cbsl.gov.lk/pics_n_docs/10_pub/_docs/efr/annual_report/AR2012/English/7_Chapter_03.pdf. [Accessed 22 11 2015</a:t>
-            </a:r>
-            <a:r>
-              <a:rPr lang="en-US" dirty="0" smtClean="0"/>
-              <a:t>].</a:t>
-            </a:r>
-            <a:endParaRPr lang="en-US" dirty="0"/>
-          </a:p>
-          <a:p>
-            <a:r>
-              <a:rPr lang="en-US" dirty="0"/>
-              <a:t>"Statistics, Ministry of Internal Transport," Ministry of Transport &amp; Civil Aviation Sri Lanka, 28 10 2015. [Online]. Available: http://www.transport.gov.lk/web/index.php?option=com_content&amp;view=article&amp;id=141&amp;Itemid=113&amp;lang=en. [Accessed 22 11 2015</a:t>
-            </a:r>
-            <a:r>
-              <a:rPr lang="en-US" dirty="0" smtClean="0"/>
-              <a:t>].</a:t>
-            </a:r>
-            <a:endParaRPr lang="en-US" dirty="0"/>
-          </a:p>
-          <a:p>
-            <a:r>
-              <a:rPr lang="en-US" dirty="0"/>
-              <a:t>"Search Train," 2011. [Online]. Available: http://eservices.railway.gov.lk/schedule</a:t>
-            </a:r>
-            <a:r>
-              <a:rPr lang="en-US" dirty="0" smtClean="0"/>
-              <a:t>.</a:t>
-            </a:r>
-            <a:endParaRPr lang="en-US" dirty="0"/>
-          </a:p>
-          <a:p>
-            <a:r>
-              <a:rPr lang="en-US" dirty="0"/>
-              <a:t>B. N. </a:t>
+              <a:t>[1]	A. </a:t>
             </a:r>
             <a:r>
               <a:rPr lang="en-US" dirty="0" err="1"/>
-              <a:t>Gamage</a:t>
-            </a:r>
-            <a:r>
-              <a:rPr lang="en-US" dirty="0"/>
-              <a:t>, "Google Play - Sri Lanka Train Schedule," ICTA Sri Lanka, 03 April 2014. [Online]. Available: https://play.google.com/store/apps/details?id=lk.icta.mobile.apps.railway. [Accessed 22 11 2015</a:t>
-            </a:r>
-            <a:r>
-              <a:rPr lang="en-US" dirty="0" smtClean="0"/>
-              <a:t>].</a:t>
-            </a:r>
-            <a:endParaRPr lang="en-US" dirty="0"/>
-          </a:p>
-          <a:p>
-            <a:r>
-              <a:rPr lang="en-US" dirty="0"/>
-              <a:t>A. </a:t>
+              <a:t>Kumarage</a:t>
+            </a:r>
+            <a:r>
+              <a:rPr lang="en-US" dirty="0"/>
+              <a:t>, “Urban traffic congestion. the problem and its solutions,” 2002.</a:t>
+            </a:r>
+          </a:p>
+          <a:p>
+            <a:r>
+              <a:rPr lang="en-US" dirty="0"/>
+              <a:t>[2]	A. B. </a:t>
+            </a:r>
+            <a:r>
+              <a:rPr lang="en-US" dirty="0" err="1"/>
+              <a:t>Jayasinghe</a:t>
+            </a:r>
+            <a:r>
+              <a:rPr lang="en-US" dirty="0"/>
+              <a:t> and N. </a:t>
+            </a:r>
+            <a:r>
+              <a:rPr lang="en-US" dirty="0" err="1"/>
+              <a:t>Pathiranage</a:t>
+            </a:r>
+            <a:r>
+              <a:rPr lang="en-US" dirty="0"/>
+              <a:t>, “Centrality measures’ as a tool to identify the </a:t>
+            </a:r>
+            <a:r>
+              <a:rPr lang="en-US" dirty="0" err="1"/>
+              <a:t>transist</a:t>
+            </a:r>
+            <a:r>
+              <a:rPr lang="en-US" dirty="0"/>
+              <a:t> demand at railway stations: the case of railway network, Sri Lanka,” 2015.</a:t>
+            </a:r>
+          </a:p>
+          <a:p>
+            <a:r>
+              <a:rPr lang="en-US" dirty="0"/>
+              <a:t>[3]	“Economic and social infrastructure - Central Bank of Sri Lanka - ANNUAL REPORT 2012,” CENTRAL BANK OF SRI LANKA, ANNUAL REPORT 2012, Mar. 2013.</a:t>
+            </a:r>
+          </a:p>
+          <a:p>
+            <a:r>
+              <a:rPr lang="en-US" dirty="0"/>
+              <a:t>[4]	“Statistics, Ministry of Internal Transport,” </a:t>
+            </a:r>
+            <a:r>
+              <a:rPr lang="en-US" i="1" dirty="0"/>
+              <a:t>Ministry of Transport and Civil Aviation - Sri Lanka</a:t>
+            </a:r>
+            <a:r>
+              <a:rPr lang="en-US" dirty="0"/>
+              <a:t>, 28-Oct-2015. [Online]. Available: http://www.transport.gov.lk/web/index.php?option=com_content&amp;view=article&amp;id=141&amp;Itemid=113&amp;lang=en. [Accessed: 13-Mar-2016].</a:t>
+            </a:r>
+          </a:p>
+          <a:p>
+            <a:r>
+              <a:rPr lang="en-US" dirty="0"/>
+              <a:t>[5]	G. Bradley, International Association for Development of the Information Society, and Albert-</a:t>
+            </a:r>
+            <a:r>
+              <a:rPr lang="en-US" dirty="0" err="1"/>
+              <a:t>Ludwigs</a:t>
+            </a:r>
+            <a:r>
+              <a:rPr lang="en-US" dirty="0"/>
+              <a:t>-</a:t>
+            </a:r>
+            <a:r>
+              <a:rPr lang="en-US" dirty="0" err="1"/>
+              <a:t>Universität</a:t>
+            </a:r>
+            <a:r>
+              <a:rPr lang="en-US" dirty="0"/>
+              <a:t> Freiburg, Eds., </a:t>
+            </a:r>
+            <a:r>
+              <a:rPr lang="en-US" i="1" dirty="0"/>
+              <a:t>Proceedings of the IADIS International Conference ICT, Society and Human Beings 2010: part of the IADIS Multi Conference on Computer Science and Information Systems 2010 ; Freiburg, Germany, July 29 - 31, 2010</a:t>
+            </a:r>
+            <a:r>
+              <a:rPr lang="en-US" dirty="0"/>
+              <a:t>. </a:t>
+            </a:r>
+            <a:r>
+              <a:rPr lang="en-US" dirty="0" err="1"/>
+              <a:t>Lisboa</a:t>
+            </a:r>
+            <a:r>
+              <a:rPr lang="en-US" dirty="0"/>
+              <a:t>: IADIS Press, 2010.</a:t>
+            </a:r>
+          </a:p>
+          <a:p>
+            <a:r>
+              <a:rPr lang="en-US" dirty="0"/>
+              <a:t>[6]	S. </a:t>
+            </a:r>
+            <a:r>
+              <a:rPr lang="en-US" dirty="0" err="1"/>
+              <a:t>Rainford</a:t>
+            </a:r>
+            <a:r>
+              <a:rPr lang="en-US" dirty="0"/>
+              <a:t>, “e-Sri Lanka: An integrated approach to e-government case study,” </a:t>
+            </a:r>
+            <a:r>
+              <a:rPr lang="en-US" i="1" dirty="0"/>
+              <a:t>Reg. Dev. Dialogue</a:t>
+            </a:r>
+            <a:r>
+              <a:rPr lang="en-US" dirty="0"/>
+              <a:t>, vol. 27, no. 2, pp. 209–218, 2006.</a:t>
+            </a:r>
+          </a:p>
+          <a:p>
+            <a:r>
+              <a:rPr lang="en-US" dirty="0"/>
+              <a:t>[7]	ICTA, “Sri Lanka Railways - Train Schedule,” </a:t>
+            </a:r>
+            <a:r>
+              <a:rPr lang="en-US" i="1" dirty="0"/>
+              <a:t>Sri Lanka Railways</a:t>
+            </a:r>
+            <a:r>
+              <a:rPr lang="en-US" dirty="0"/>
+              <a:t>, 2011. [Online]. Available: http://eservices.railway.gov.lk/schedule. [Accessed: 13-Mar-2016].</a:t>
+            </a:r>
+          </a:p>
+          <a:p>
+            <a:r>
+              <a:rPr lang="en-US" dirty="0"/>
+              <a:t>[8]	G. </a:t>
+            </a:r>
+            <a:r>
+              <a:rPr lang="en-US" dirty="0" err="1"/>
+              <a:t>Bhashitha</a:t>
+            </a:r>
+            <a:r>
+              <a:rPr lang="en-US" dirty="0"/>
+              <a:t> </a:t>
+            </a:r>
+            <a:r>
+              <a:rPr lang="en-US" dirty="0" err="1"/>
+              <a:t>Nadun</a:t>
+            </a:r>
+            <a:r>
+              <a:rPr lang="en-US" dirty="0"/>
+              <a:t>, “Sri Lanka Train Schedule - Android Apps on Google Play,” </a:t>
+            </a:r>
+            <a:r>
+              <a:rPr lang="en-US" i="1" dirty="0"/>
+              <a:t>Google Play</a:t>
+            </a:r>
+            <a:r>
+              <a:rPr lang="en-US" dirty="0"/>
+              <a:t>, 04-Mar-2014. [Online]. Available: https://play.google.com/store/apps/details?id=lk.icta.mobile.apps.railway. [Accessed: 13-Mar-2016].</a:t>
+            </a:r>
+          </a:p>
+          <a:p>
+            <a:r>
+              <a:rPr lang="en-US" dirty="0"/>
+              <a:t>[9]	</a:t>
             </a:r>
             <a:r>
               <a:rPr lang="en-US" dirty="0" err="1"/>
@@ -11705,140 +11826,21 @@
             </a:r>
             <a:r>
               <a:rPr lang="en-US" dirty="0"/>
-              <a:t>, "Google Play - Train Schedules of Sri Lanka," </a:t>
-            </a:r>
-            <a:r>
-              <a:rPr lang="en-US" dirty="0" err="1"/>
-              <a:t>Asela</a:t>
-            </a:r>
-            <a:r>
-              <a:rPr lang="en-US" dirty="0"/>
-              <a:t> </a:t>
-            </a:r>
-            <a:r>
-              <a:rPr lang="en-US" dirty="0" err="1"/>
-              <a:t>Leelaratne</a:t>
-            </a:r>
-            <a:r>
-              <a:rPr lang="en-US" dirty="0"/>
-              <a:t>, 14 October 2014. [Online]. Available: https://play.google.com/store/apps/details?id=com.aselalee.trainschedule. [Accessed 22 11 2015</a:t>
+              <a:t>, “Train Schedules of Sri Lanka - Android Apps on Google Play,” </a:t>
+            </a:r>
+            <a:r>
+              <a:rPr lang="en-US" i="1" dirty="0"/>
+              <a:t>Google Play</a:t>
+            </a:r>
+            <a:r>
+              <a:rPr lang="en-US" dirty="0"/>
+              <a:t>, 14-Oct-2014. [Online]. Available: https://play.google.com/store/apps/details?id=com.aselalee.trainschedule. [Accessed: 13-Mar-2016</a:t>
             </a:r>
             <a:r>
               <a:rPr lang="en-US" dirty="0" smtClean="0"/>
               <a:t>].</a:t>
             </a:r>
             <a:endParaRPr lang="en-US" dirty="0"/>
-          </a:p>
-          <a:p>
-            <a:r>
-              <a:rPr lang="en-US" dirty="0"/>
-              <a:t>"Google Play - Train Guide - Sri Lanka," K Mobiles, 30 August 2015. [Online]. Available: https://play.google.com/store/apps/details?id=k.dw.timetable. [Accessed 22 11 2015</a:t>
-            </a:r>
-            <a:r>
-              <a:rPr lang="en-US" dirty="0" smtClean="0"/>
-              <a:t>].</a:t>
-            </a:r>
-            <a:endParaRPr lang="en-US" dirty="0"/>
-          </a:p>
-          <a:p>
-            <a:r>
-              <a:rPr lang="en-US" dirty="0"/>
-              <a:t>"Sri Lanka Railways," [Online]. Available: http://www.slrail.info/. [Accessed 22 11 2015</a:t>
-            </a:r>
-            <a:r>
-              <a:rPr lang="en-US" dirty="0" smtClean="0"/>
-              <a:t>].</a:t>
-            </a:r>
-            <a:endParaRPr lang="en-US" dirty="0"/>
-          </a:p>
-          <a:p>
-            <a:r>
-              <a:rPr lang="en-US" dirty="0"/>
-              <a:t>D. </a:t>
-            </a:r>
-            <a:r>
-              <a:rPr lang="en-US" dirty="0" err="1"/>
-              <a:t>Jayakody</a:t>
-            </a:r>
-            <a:r>
-              <a:rPr lang="en-US" dirty="0"/>
-              <a:t>, M. </a:t>
-            </a:r>
-            <a:r>
-              <a:rPr lang="en-US" dirty="0" err="1"/>
-              <a:t>Gunawardana</a:t>
-            </a:r>
-            <a:r>
-              <a:rPr lang="en-US" dirty="0"/>
-              <a:t>, N. W. </a:t>
-            </a:r>
-            <a:r>
-              <a:rPr lang="en-US" dirty="0" err="1"/>
-              <a:t>Surendra</a:t>
-            </a:r>
-            <a:r>
-              <a:rPr lang="en-US" dirty="0"/>
-              <a:t>, D. G. </a:t>
-            </a:r>
-            <a:r>
-              <a:rPr lang="en-US" dirty="0" err="1"/>
-              <a:t>Jayasekara</a:t>
-            </a:r>
-            <a:r>
-              <a:rPr lang="en-US" dirty="0"/>
-              <a:t> and C. </a:t>
-            </a:r>
-            <a:r>
-              <a:rPr lang="en-US" dirty="0" err="1"/>
-              <a:t>Upendra</a:t>
-            </a:r>
-            <a:r>
-              <a:rPr lang="en-US" dirty="0"/>
-              <a:t>, "GPS/GSM based train tracking system – utilizing mobile networks to support public transportation.," </a:t>
-            </a:r>
-            <a:r>
-              <a:rPr lang="en-US" dirty="0" err="1"/>
-              <a:t>Phanindhra</a:t>
-            </a:r>
-            <a:r>
-              <a:rPr lang="en-US" dirty="0"/>
-              <a:t> </a:t>
-            </a:r>
-            <a:r>
-              <a:rPr lang="en-US" dirty="0" err="1"/>
-              <a:t>Nath</a:t>
-            </a:r>
-            <a:r>
-              <a:rPr lang="en-US" dirty="0"/>
-              <a:t>, 2011</a:t>
-            </a:r>
-            <a:r>
-              <a:rPr lang="en-US" dirty="0" smtClean="0"/>
-              <a:t>.</a:t>
-            </a:r>
-            <a:endParaRPr lang="en-US" dirty="0"/>
-          </a:p>
-          <a:p>
-            <a:r>
-              <a:rPr lang="en-US" dirty="0"/>
-              <a:t>N. </a:t>
-            </a:r>
-            <a:r>
-              <a:rPr lang="en-US" dirty="0" err="1"/>
-              <a:t>Gunasekara</a:t>
-            </a:r>
-            <a:r>
-              <a:rPr lang="en-US" dirty="0"/>
-              <a:t>, "GPS based tracking system for trains in Sri Lanka," University of </a:t>
-            </a:r>
-            <a:r>
-              <a:rPr lang="en-US" dirty="0" err="1"/>
-              <a:t>Moratuwa</a:t>
-            </a:r>
-            <a:r>
-              <a:rPr lang="en-US" dirty="0"/>
-              <a:t>, Colombo, 2006.</a:t>
-            </a:r>
           </a:p>
         </p:txBody>
       </p:sp>
@@ -11884,8 +11886,8 @@
         </p:nvSpPr>
         <p:spPr>
           <a:xfrm>
-            <a:off x="740833" y="2146300"/>
-            <a:ext cx="8136467" cy="2489199"/>
+            <a:off x="982133" y="0"/>
+            <a:ext cx="7704667" cy="723899"/>
           </a:xfrm>
         </p:spPr>
         <p:txBody>
@@ -11894,8 +11896,252 @@
           <a:p>
             <a:r>
               <a:rPr lang="en-US" dirty="0" smtClean="0"/>
-              <a:t>Thank you!</a:t>
-            </a:r>
+              <a:t>References</a:t>
+            </a:r>
+            <a:endParaRPr lang="en-US" dirty="0"/>
+          </a:p>
+        </p:txBody>
+      </p:sp>
+      <p:sp>
+        <p:nvSpPr>
+          <p:cNvPr id="3" name="Content Placeholder 2"/>
+          <p:cNvSpPr>
+            <a:spLocks noGrp="1"/>
+          </p:cNvSpPr>
+          <p:nvPr>
+            <p:ph idx="1"/>
+          </p:nvPr>
+        </p:nvSpPr>
+        <p:spPr>
+          <a:xfrm>
+            <a:off x="982133" y="723899"/>
+            <a:ext cx="8060267" cy="6019801"/>
+          </a:xfrm>
+        </p:spPr>
+        <p:txBody>
+          <a:bodyPr>
+            <a:normAutofit fontScale="70000" lnSpcReduction="20000"/>
+          </a:bodyPr>
+          <a:lstStyle/>
+          <a:p>
+            <a:r>
+              <a:rPr lang="en-US" dirty="0" smtClean="0"/>
+              <a:t>[</a:t>
+            </a:r>
+            <a:r>
+              <a:rPr lang="en-US" dirty="0"/>
+              <a:t>10]	K. Mobiles, “Train Guide - Sri Lanka,” </a:t>
+            </a:r>
+            <a:r>
+              <a:rPr lang="en-US" i="1" dirty="0"/>
+              <a:t>Google Play</a:t>
+            </a:r>
+            <a:r>
+              <a:rPr lang="en-US" dirty="0"/>
+              <a:t>, 30-Jul-2014. [Online]. Available: https://play.google.com/store/apps/details?id=k.dw.timetable. [Accessed: 13-Mar-2016].</a:t>
+            </a:r>
+          </a:p>
+          <a:p>
+            <a:r>
+              <a:rPr lang="en-US" dirty="0"/>
+              <a:t>[11]	“Railway Traffic Optimisation System,” </a:t>
+            </a:r>
+            <a:r>
+              <a:rPr lang="en-US" i="1" dirty="0"/>
+              <a:t>Sri Lanka Railways</a:t>
+            </a:r>
+            <a:r>
+              <a:rPr lang="en-US" dirty="0"/>
+              <a:t>, 01-Aug-2014. [Online]. Available: www.slrail.info/tracking/timetable.php. [Accessed: 22-Nov-2015].</a:t>
+            </a:r>
+          </a:p>
+          <a:p>
+            <a:r>
+              <a:rPr lang="en-US" dirty="0"/>
+              <a:t>[12]	</a:t>
+            </a:r>
+            <a:r>
+              <a:rPr lang="en-US" dirty="0" err="1"/>
+              <a:t>Prasanna</a:t>
+            </a:r>
+            <a:r>
+              <a:rPr lang="en-US" dirty="0"/>
+              <a:t>, “How to search where the train is in Sri </a:t>
+            </a:r>
+            <a:r>
+              <a:rPr lang="en-US" dirty="0" err="1"/>
+              <a:t>lanka</a:t>
+            </a:r>
+            <a:r>
+              <a:rPr lang="en-US" dirty="0"/>
+              <a:t> (system to keep track of trains),” </a:t>
+            </a:r>
+            <a:r>
+              <a:rPr lang="en-US" i="1" dirty="0"/>
+              <a:t>Synergy Y</a:t>
+            </a:r>
+            <a:r>
+              <a:rPr lang="en-US" dirty="0"/>
+              <a:t>, 17-Jul-2014.</a:t>
+            </a:r>
+          </a:p>
+          <a:p>
+            <a:r>
+              <a:rPr lang="en-US" dirty="0"/>
+              <a:t>[13]	D. </a:t>
+            </a:r>
+            <a:r>
+              <a:rPr lang="en-US" dirty="0" err="1"/>
+              <a:t>Jayakody</a:t>
+            </a:r>
+            <a:r>
+              <a:rPr lang="en-US" dirty="0"/>
+              <a:t>, M. </a:t>
+            </a:r>
+            <a:r>
+              <a:rPr lang="en-US" dirty="0" err="1"/>
+              <a:t>Gunawardana</a:t>
+            </a:r>
+            <a:r>
+              <a:rPr lang="en-US" dirty="0"/>
+              <a:t>, N. W. </a:t>
+            </a:r>
+            <a:r>
+              <a:rPr lang="en-US" dirty="0" err="1"/>
+              <a:t>Surendra</a:t>
+            </a:r>
+            <a:r>
+              <a:rPr lang="en-US" dirty="0"/>
+              <a:t>, D. G. </a:t>
+            </a:r>
+            <a:r>
+              <a:rPr lang="en-US" dirty="0" err="1"/>
+              <a:t>Jayasekara</a:t>
+            </a:r>
+            <a:r>
+              <a:rPr lang="en-US" dirty="0"/>
+              <a:t>, C. </a:t>
+            </a:r>
+            <a:r>
+              <a:rPr lang="en-US" dirty="0" err="1"/>
+              <a:t>Upendra</a:t>
+            </a:r>
+            <a:r>
+              <a:rPr lang="en-US" dirty="0"/>
+              <a:t>, and R. De Silva, “GPS/GSM based train tracking system – utilizing mobile networks to support public transportation,” 2011.</a:t>
+            </a:r>
+          </a:p>
+          <a:p>
+            <a:r>
+              <a:rPr lang="en-US" dirty="0"/>
+              <a:t>[14]	N. S. </a:t>
+            </a:r>
+            <a:r>
+              <a:rPr lang="en-US" dirty="0" err="1"/>
+              <a:t>Gunasekara</a:t>
+            </a:r>
+            <a:r>
+              <a:rPr lang="en-US" dirty="0"/>
+              <a:t>, “GPS based tracking system for trains in Sri Lanka.” 07-Jan-2006.</a:t>
+            </a:r>
+          </a:p>
+          <a:p>
+            <a:r>
+              <a:rPr lang="en-US" dirty="0"/>
+              <a:t>[15]	ICTA, “Future Plans -  Information Technology,” </a:t>
+            </a:r>
+            <a:r>
+              <a:rPr lang="en-US" i="1" dirty="0"/>
+              <a:t>Sri Lanka Railways</a:t>
+            </a:r>
+            <a:r>
+              <a:rPr lang="en-US" dirty="0"/>
+              <a:t>, 11-Sep-2011. [Online]. Available: http://www.railway.gov.lk/web/index.php?option=com_content&amp;view=article&amp;id=126&amp;Itemid=180&amp;lang=en#IT. [Accessed: 13-Mar-2016].</a:t>
+            </a:r>
+          </a:p>
+          <a:p>
+            <a:r>
+              <a:rPr lang="en-US" dirty="0"/>
+              <a:t>[16]	B. </a:t>
+            </a:r>
+            <a:r>
+              <a:rPr lang="en-US" dirty="0" err="1"/>
+              <a:t>Coifman</a:t>
+            </a:r>
+            <a:r>
+              <a:rPr lang="en-US" dirty="0"/>
+              <a:t>, D. </a:t>
+            </a:r>
+            <a:r>
+              <a:rPr lang="en-US" dirty="0" err="1"/>
+              <a:t>Beymer</a:t>
+            </a:r>
+            <a:r>
+              <a:rPr lang="en-US" dirty="0"/>
+              <a:t>, P. </a:t>
+            </a:r>
+            <a:r>
+              <a:rPr lang="en-US" dirty="0" err="1"/>
+              <a:t>McLauchlan</a:t>
+            </a:r>
+            <a:r>
+              <a:rPr lang="en-US" dirty="0"/>
+              <a:t>, and J. Malik, “A real-time computer vision system for vehicle tracking and traffic surveillance,” </a:t>
+            </a:r>
+            <a:r>
+              <a:rPr lang="en-US" i="1" dirty="0"/>
+              <a:t>Transp. Res. Part C </a:t>
+            </a:r>
+            <a:r>
+              <a:rPr lang="en-US" i="1" dirty="0" err="1"/>
+              <a:t>Emerg</a:t>
+            </a:r>
+            <a:r>
+              <a:rPr lang="en-US" i="1" dirty="0"/>
+              <a:t>. Technol.</a:t>
+            </a:r>
+            <a:r>
+              <a:rPr lang="en-US" dirty="0"/>
+              <a:t>, vol. 6, no. 4, pp. 271–288, 1998.</a:t>
+            </a:r>
+          </a:p>
+          <a:p>
+            <a:r>
+              <a:rPr lang="en-US" dirty="0"/>
+              <a:t>[17]	D. J. Dailey, L. Li, T. Northwest, and others, “Video image processing to create a speed sensor,” Washington State Department of Transportation, 2000.</a:t>
+            </a:r>
+          </a:p>
+          <a:p>
+            <a:r>
+              <a:rPr lang="en-US" dirty="0"/>
+              <a:t>[18]	N. </a:t>
+            </a:r>
+            <a:r>
+              <a:rPr lang="en-US" dirty="0" err="1"/>
+              <a:t>Chadil</a:t>
+            </a:r>
+            <a:r>
+              <a:rPr lang="en-US" dirty="0"/>
+              <a:t>, A. </a:t>
+            </a:r>
+            <a:r>
+              <a:rPr lang="en-US" dirty="0" err="1"/>
+              <a:t>Russameesawang</a:t>
+            </a:r>
+            <a:r>
+              <a:rPr lang="en-US" dirty="0"/>
+              <a:t>, and P. </a:t>
+            </a:r>
+            <a:r>
+              <a:rPr lang="en-US" dirty="0" err="1"/>
+              <a:t>Keeratiwintakorn</a:t>
+            </a:r>
+            <a:r>
+              <a:rPr lang="en-US" dirty="0"/>
+              <a:t>, “Real-time tracking management system using GPS, GPRS and Google earth,” 2008, pp. 393–396.</a:t>
+            </a:r>
+          </a:p>
+          <a:p>
             <a:endParaRPr lang="en-US" dirty="0"/>
           </a:p>
         </p:txBody>
@@ -11903,7 +12149,7 @@
     </p:spTree>
     <p:extLst>
       <p:ext uri="{BB962C8B-B14F-4D97-AF65-F5344CB8AC3E}">
-        <p14:creationId xmlns:p14="http://schemas.microsoft.com/office/powerpoint/2010/main" val="1893447568"/>
+        <p14:creationId xmlns:p14="http://schemas.microsoft.com/office/powerpoint/2010/main" val="427727617"/>
       </p:ext>
     </p:extLst>
   </p:cSld>
@@ -12048,6 +12294,64 @@
       </p:par>
     </p:tnLst>
   </p:timing>
+</p:sld>
+</file>
+
+<file path=ppt/slides/slide30.xml><?xml version="1.0" encoding="utf-8"?>
+<p:sld xmlns:a="http://schemas.openxmlformats.org/drawingml/2006/main" xmlns:r="http://schemas.openxmlformats.org/officeDocument/2006/relationships" xmlns:p="http://schemas.openxmlformats.org/presentationml/2006/main">
+  <p:cSld>
+    <p:spTree>
+      <p:nvGrpSpPr>
+        <p:cNvPr id="1" name=""/>
+        <p:cNvGrpSpPr/>
+        <p:nvPr/>
+      </p:nvGrpSpPr>
+      <p:grpSpPr>
+        <a:xfrm>
+          <a:off x="0" y="0"/>
+          <a:ext cx="0" cy="0"/>
+          <a:chOff x="0" y="0"/>
+          <a:chExt cx="0" cy="0"/>
+        </a:xfrm>
+      </p:grpSpPr>
+      <p:sp>
+        <p:nvSpPr>
+          <p:cNvPr id="2" name="Title 1"/>
+          <p:cNvSpPr>
+            <a:spLocks noGrp="1"/>
+          </p:cNvSpPr>
+          <p:nvPr>
+            <p:ph type="title"/>
+          </p:nvPr>
+        </p:nvSpPr>
+        <p:spPr>
+          <a:xfrm>
+            <a:off x="740833" y="2146300"/>
+            <a:ext cx="8136467" cy="2489199"/>
+          </a:xfrm>
+        </p:spPr>
+        <p:txBody>
+          <a:bodyPr/>
+          <a:lstStyle/>
+          <a:p>
+            <a:r>
+              <a:rPr lang="en-US" dirty="0" smtClean="0"/>
+              <a:t>Thank you!</a:t>
+            </a:r>
+            <a:endParaRPr lang="en-US" dirty="0"/>
+          </a:p>
+        </p:txBody>
+      </p:sp>
+    </p:spTree>
+    <p:extLst>
+      <p:ext uri="{BB962C8B-B14F-4D97-AF65-F5344CB8AC3E}">
+        <p14:creationId xmlns:p14="http://schemas.microsoft.com/office/powerpoint/2010/main" val="1893447568"/>
+      </p:ext>
+    </p:extLst>
+  </p:cSld>
+  <p:clrMapOvr>
+    <a:masterClrMapping/>
+  </p:clrMapOvr>
 </p:sld>
 </file>
 

--- a/FinalSubmission/msc_final_presentation.pptx
+++ b/FinalSubmission/msc_final_presentation.pptx
@@ -5,7 +5,7 @@
     <p:sldMasterId id="2147483818" r:id="rId1"/>
   </p:sldMasterIdLst>
   <p:handoutMasterIdLst>
-    <p:handoutMasterId r:id="rId32"/>
+    <p:handoutMasterId r:id="rId41"/>
   </p:handoutMasterIdLst>
   <p:sldIdLst>
     <p:sldId id="256" r:id="rId2"/>
@@ -24,20 +24,29 @@
     <p:sldId id="273" r:id="rId15"/>
     <p:sldId id="274" r:id="rId16"/>
     <p:sldId id="277" r:id="rId17"/>
-    <p:sldId id="278" r:id="rId18"/>
-    <p:sldId id="279" r:id="rId19"/>
+    <p:sldId id="282" r:id="rId18"/>
+    <p:sldId id="283" r:id="rId19"/>
     <p:sldId id="280" r:id="rId20"/>
-    <p:sldId id="281" r:id="rId21"/>
-    <p:sldId id="286" r:id="rId22"/>
-    <p:sldId id="282" r:id="rId23"/>
-    <p:sldId id="283" r:id="rId24"/>
-    <p:sldId id="288" r:id="rId25"/>
-    <p:sldId id="289" r:id="rId26"/>
-    <p:sldId id="293" r:id="rId27"/>
-    <p:sldId id="292" r:id="rId28"/>
-    <p:sldId id="290" r:id="rId29"/>
-    <p:sldId id="294" r:id="rId30"/>
-    <p:sldId id="291" r:id="rId31"/>
+    <p:sldId id="300" r:id="rId21"/>
+    <p:sldId id="278" r:id="rId22"/>
+    <p:sldId id="279" r:id="rId23"/>
+    <p:sldId id="301" r:id="rId24"/>
+    <p:sldId id="302" r:id="rId25"/>
+    <p:sldId id="303" r:id="rId26"/>
+    <p:sldId id="304" r:id="rId27"/>
+    <p:sldId id="288" r:id="rId28"/>
+    <p:sldId id="289" r:id="rId29"/>
+    <p:sldId id="298" r:id="rId30"/>
+    <p:sldId id="299" r:id="rId31"/>
+    <p:sldId id="293" r:id="rId32"/>
+    <p:sldId id="295" r:id="rId33"/>
+    <p:sldId id="296" r:id="rId34"/>
+    <p:sldId id="297" r:id="rId35"/>
+    <p:sldId id="305" r:id="rId36"/>
+    <p:sldId id="292" r:id="rId37"/>
+    <p:sldId id="290" r:id="rId38"/>
+    <p:sldId id="294" r:id="rId39"/>
+    <p:sldId id="291" r:id="rId40"/>
   </p:sldIdLst>
   <p:sldSz cx="9144000" cy="6858000" type="screen4x3"/>
   <p:notesSz cx="9866313" cy="6735763"/>
@@ -8151,11 +8160,20 @@
           <a:p>
             <a:r>
               <a:rPr lang="en-US" dirty="0" smtClean="0"/>
-              <a:t>The collected data from application will be processed using data mining techniques for prediction/analysis purposes</a:t>
-            </a:r>
-            <a:endParaRPr lang="en-US" dirty="0"/>
-          </a:p>
-          <a:p>
+              <a:t>The collected data from application will be processed </a:t>
+            </a:r>
+            <a:r>
+              <a:rPr lang="en-US" dirty="0" smtClean="0"/>
+              <a:t>and </a:t>
+            </a:r>
+            <a:r>
+              <a:rPr lang="en-US" dirty="0" err="1" smtClean="0"/>
+              <a:t>analysed</a:t>
+            </a:r>
+            <a:r>
+              <a:rPr lang="en-US" dirty="0" smtClean="0"/>
+              <a:t>.</a:t>
+            </a:r>
             <a:endParaRPr lang="en-US" dirty="0"/>
           </a:p>
         </p:txBody>
@@ -8387,6 +8405,959 @@
 </file>
 
 <file path=ppt/slides/slide17.xml><?xml version="1.0" encoding="utf-8"?>
+<p:sld xmlns:a="http://schemas.openxmlformats.org/drawingml/2006/main" xmlns:r="http://schemas.openxmlformats.org/officeDocument/2006/relationships" xmlns:p="http://schemas.openxmlformats.org/presentationml/2006/main">
+  <p:cSld>
+    <p:spTree>
+      <p:nvGrpSpPr>
+        <p:cNvPr id="1" name=""/>
+        <p:cNvGrpSpPr/>
+        <p:nvPr/>
+      </p:nvGrpSpPr>
+      <p:grpSpPr>
+        <a:xfrm>
+          <a:off x="0" y="0"/>
+          <a:ext cx="0" cy="0"/>
+          <a:chOff x="0" y="0"/>
+          <a:chExt cx="0" cy="0"/>
+        </a:xfrm>
+      </p:grpSpPr>
+      <p:sp>
+        <p:nvSpPr>
+          <p:cNvPr id="2" name="Title 1"/>
+          <p:cNvSpPr>
+            <a:spLocks noGrp="1"/>
+          </p:cNvSpPr>
+          <p:nvPr>
+            <p:ph type="title"/>
+          </p:nvPr>
+        </p:nvSpPr>
+        <p:spPr>
+          <a:xfrm>
+            <a:off x="982132" y="88901"/>
+            <a:ext cx="7704667" cy="749299"/>
+          </a:xfrm>
+        </p:spPr>
+        <p:txBody>
+          <a:bodyPr>
+            <a:normAutofit/>
+          </a:bodyPr>
+          <a:lstStyle/>
+          <a:p>
+            <a:r>
+              <a:rPr lang="en-US" dirty="0"/>
+              <a:t>Design </a:t>
+            </a:r>
+            <a:r>
+              <a:rPr lang="en-US" dirty="0" smtClean="0"/>
+              <a:t>Considerations</a:t>
+            </a:r>
+            <a:endParaRPr lang="en-US" dirty="0"/>
+          </a:p>
+        </p:txBody>
+      </p:sp>
+      <p:sp>
+        <p:nvSpPr>
+          <p:cNvPr id="3" name="Content Placeholder 2"/>
+          <p:cNvSpPr>
+            <a:spLocks noGrp="1"/>
+          </p:cNvSpPr>
+          <p:nvPr>
+            <p:ph idx="1"/>
+          </p:nvPr>
+        </p:nvSpPr>
+        <p:spPr>
+          <a:xfrm>
+            <a:off x="982133" y="939800"/>
+            <a:ext cx="8161867" cy="5918200"/>
+          </a:xfrm>
+        </p:spPr>
+        <p:txBody>
+          <a:bodyPr>
+            <a:normAutofit fontScale="92500" lnSpcReduction="10000"/>
+          </a:bodyPr>
+          <a:lstStyle/>
+          <a:p>
+            <a:r>
+              <a:rPr lang="en-US" dirty="0" smtClean="0"/>
+              <a:t>Usage </a:t>
+            </a:r>
+            <a:r>
+              <a:rPr lang="en-US" dirty="0"/>
+              <a:t>of MVC pattern</a:t>
+            </a:r>
+          </a:p>
+          <a:p>
+            <a:pPr lvl="1"/>
+            <a:r>
+              <a:rPr lang="en-US" dirty="0" smtClean="0"/>
+              <a:t>both </a:t>
+            </a:r>
+            <a:r>
+              <a:rPr lang="en-US" dirty="0"/>
+              <a:t>mobile and web client should be catered using same services, the presentation layer is separated from the business layer.</a:t>
+            </a:r>
+          </a:p>
+          <a:p>
+            <a:r>
+              <a:rPr lang="en-US" dirty="0" smtClean="0"/>
+              <a:t>Integrating </a:t>
+            </a:r>
+            <a:r>
+              <a:rPr lang="en-US" dirty="0"/>
+              <a:t>localization to the system</a:t>
+            </a:r>
+          </a:p>
+          <a:p>
+            <a:pPr lvl="1"/>
+            <a:r>
+              <a:rPr lang="en-US" dirty="0" smtClean="0"/>
+              <a:t>to </a:t>
+            </a:r>
+            <a:r>
+              <a:rPr lang="en-US" dirty="0"/>
+              <a:t>address the difficulties faced by train passengers due to linguistic </a:t>
+            </a:r>
+            <a:r>
+              <a:rPr lang="en-US" dirty="0" smtClean="0"/>
+              <a:t>issues3.3.1.3</a:t>
+            </a:r>
+            <a:r>
+              <a:rPr lang="en-US" dirty="0"/>
+              <a:t>	Supporting major browsers available </a:t>
+            </a:r>
+            <a:endParaRPr lang="en-US" dirty="0" smtClean="0"/>
+          </a:p>
+          <a:p>
+            <a:r>
+              <a:rPr lang="en-US" dirty="0" smtClean="0"/>
+              <a:t>User </a:t>
+            </a:r>
+            <a:r>
+              <a:rPr lang="en-US" dirty="0"/>
+              <a:t>interface framework like bootstrap, and JavaScript framework like JQuery</a:t>
+            </a:r>
+          </a:p>
+          <a:p>
+            <a:pPr lvl="1"/>
+            <a:r>
+              <a:rPr lang="en-US" dirty="0" smtClean="0"/>
+              <a:t>to </a:t>
+            </a:r>
+            <a:r>
+              <a:rPr lang="en-US" dirty="0"/>
+              <a:t>be accessed by a large variety of </a:t>
+            </a:r>
+            <a:r>
+              <a:rPr lang="en-US" dirty="0" smtClean="0"/>
+              <a:t>users - support </a:t>
+            </a:r>
+            <a:r>
+              <a:rPr lang="en-US" dirty="0"/>
+              <a:t>the main browsers and their latest versions. </a:t>
+            </a:r>
+          </a:p>
+          <a:p>
+            <a:r>
+              <a:rPr lang="en-US" dirty="0" smtClean="0"/>
+              <a:t>Variety </a:t>
+            </a:r>
+            <a:r>
+              <a:rPr lang="en-US" dirty="0"/>
+              <a:t>of Mobile device support </a:t>
+            </a:r>
+            <a:r>
+              <a:rPr lang="en-US" dirty="0" smtClean="0"/>
+              <a:t> -catering </a:t>
+            </a:r>
+            <a:r>
+              <a:rPr lang="en-US" dirty="0"/>
+              <a:t>large number of </a:t>
+            </a:r>
+            <a:r>
+              <a:rPr lang="en-US" dirty="0" smtClean="0"/>
+              <a:t>users</a:t>
+            </a:r>
+          </a:p>
+          <a:p>
+            <a:r>
+              <a:rPr lang="en-US" dirty="0" smtClean="0"/>
+              <a:t>Programming </a:t>
+            </a:r>
+            <a:r>
+              <a:rPr lang="en-US" dirty="0"/>
+              <a:t>considerations </a:t>
+            </a:r>
+            <a:endParaRPr lang="en-US" dirty="0" smtClean="0"/>
+          </a:p>
+          <a:p>
+            <a:pPr lvl="1"/>
+            <a:r>
+              <a:rPr lang="en-US" dirty="0"/>
+              <a:t>to increase the reusability and maintainability at the code level</a:t>
+            </a:r>
+          </a:p>
+          <a:p>
+            <a:pPr lvl="2"/>
+            <a:r>
+              <a:rPr lang="en-US" dirty="0" smtClean="0"/>
+              <a:t>in </a:t>
+            </a:r>
+            <a:r>
+              <a:rPr lang="en-US" dirty="0"/>
+              <a:t>every possible location, design patterns </a:t>
+            </a:r>
+            <a:r>
+              <a:rPr lang="en-US" dirty="0" smtClean="0"/>
+              <a:t>were </a:t>
+            </a:r>
+            <a:r>
+              <a:rPr lang="en-US" dirty="0"/>
+              <a:t>be used. </a:t>
+            </a:r>
+            <a:endParaRPr lang="en-US" dirty="0" smtClean="0"/>
+          </a:p>
+          <a:p>
+            <a:pPr lvl="2"/>
+            <a:r>
+              <a:rPr lang="en-US" dirty="0" smtClean="0"/>
+              <a:t>already </a:t>
+            </a:r>
+            <a:r>
+              <a:rPr lang="en-US" dirty="0"/>
+              <a:t>available with the integration of spring and hibernate frameworks. </a:t>
+            </a:r>
+            <a:endParaRPr lang="en-US" dirty="0" smtClean="0"/>
+          </a:p>
+          <a:p>
+            <a:endParaRPr lang="en-US" dirty="0"/>
+          </a:p>
+        </p:txBody>
+      </p:sp>
+    </p:spTree>
+    <p:extLst>
+      <p:ext uri="{BB962C8B-B14F-4D97-AF65-F5344CB8AC3E}">
+        <p14:creationId xmlns:p14="http://schemas.microsoft.com/office/powerpoint/2010/main" val="826740372"/>
+      </p:ext>
+    </p:extLst>
+  </p:cSld>
+  <p:clrMapOvr>
+    <a:masterClrMapping/>
+  </p:clrMapOvr>
+</p:sld>
+</file>
+
+<file path=ppt/slides/slide18.xml><?xml version="1.0" encoding="utf-8"?>
+<p:sld xmlns:a="http://schemas.openxmlformats.org/drawingml/2006/main" xmlns:r="http://schemas.openxmlformats.org/officeDocument/2006/relationships" xmlns:p="http://schemas.openxmlformats.org/presentationml/2006/main">
+  <p:cSld>
+    <p:spTree>
+      <p:nvGrpSpPr>
+        <p:cNvPr id="1" name=""/>
+        <p:cNvGrpSpPr/>
+        <p:nvPr/>
+      </p:nvGrpSpPr>
+      <p:grpSpPr>
+        <a:xfrm>
+          <a:off x="0" y="0"/>
+          <a:ext cx="0" cy="0"/>
+          <a:chOff x="0" y="0"/>
+          <a:chExt cx="0" cy="0"/>
+        </a:xfrm>
+      </p:grpSpPr>
+      <p:sp>
+        <p:nvSpPr>
+          <p:cNvPr id="2" name="Title 1"/>
+          <p:cNvSpPr>
+            <a:spLocks noGrp="1"/>
+          </p:cNvSpPr>
+          <p:nvPr>
+            <p:ph type="title"/>
+          </p:nvPr>
+        </p:nvSpPr>
+        <p:spPr>
+          <a:xfrm>
+            <a:off x="982133" y="114301"/>
+            <a:ext cx="7704667" cy="482599"/>
+          </a:xfrm>
+        </p:spPr>
+        <p:txBody>
+          <a:bodyPr>
+            <a:normAutofit fontScale="90000"/>
+          </a:bodyPr>
+          <a:lstStyle/>
+          <a:p>
+            <a:r>
+              <a:rPr lang="en-US" dirty="0"/>
+              <a:t>Design </a:t>
+            </a:r>
+            <a:r>
+              <a:rPr lang="en-US" dirty="0" smtClean="0"/>
+              <a:t>Considerations – Cont.</a:t>
+            </a:r>
+            <a:endParaRPr lang="en-US" dirty="0"/>
+          </a:p>
+        </p:txBody>
+      </p:sp>
+      <p:sp>
+        <p:nvSpPr>
+          <p:cNvPr id="3" name="Content Placeholder 2"/>
+          <p:cNvSpPr>
+            <a:spLocks noGrp="1"/>
+          </p:cNvSpPr>
+          <p:nvPr>
+            <p:ph idx="1"/>
+          </p:nvPr>
+        </p:nvSpPr>
+        <p:spPr>
+          <a:xfrm>
+            <a:off x="982133" y="596900"/>
+            <a:ext cx="8161867" cy="6261100"/>
+          </a:xfrm>
+        </p:spPr>
+        <p:txBody>
+          <a:bodyPr>
+            <a:normAutofit fontScale="92500" lnSpcReduction="20000"/>
+          </a:bodyPr>
+          <a:lstStyle/>
+          <a:p>
+            <a:r>
+              <a:rPr lang="en-US" dirty="0" smtClean="0"/>
+              <a:t>Data model- done </a:t>
+            </a:r>
+            <a:r>
+              <a:rPr lang="en-US" dirty="0"/>
+              <a:t>considering MySQL database. </a:t>
+            </a:r>
+            <a:endParaRPr lang="en-US" dirty="0" smtClean="0"/>
+          </a:p>
+          <a:p>
+            <a:pPr lvl="1"/>
+            <a:r>
+              <a:rPr lang="en-US" dirty="0" smtClean="0"/>
+              <a:t>RDBMS </a:t>
+            </a:r>
+            <a:r>
+              <a:rPr lang="en-US" dirty="0"/>
+              <a:t>(Relational Database management system) </a:t>
+            </a:r>
+            <a:r>
+              <a:rPr lang="en-US" dirty="0" smtClean="0"/>
+              <a:t>used  to maintain </a:t>
+            </a:r>
+            <a:r>
+              <a:rPr lang="en-US" dirty="0"/>
+              <a:t>the relationships of data for the easy analysis later.</a:t>
+            </a:r>
+          </a:p>
+          <a:p>
+            <a:r>
+              <a:rPr lang="en-US" dirty="0" smtClean="0"/>
+              <a:t>Connection </a:t>
+            </a:r>
+            <a:r>
+              <a:rPr lang="en-US" dirty="0"/>
+              <a:t>Pooling</a:t>
+            </a:r>
+          </a:p>
+          <a:p>
+            <a:pPr lvl="1"/>
+            <a:r>
+              <a:rPr lang="en-US" dirty="0" smtClean="0"/>
+              <a:t>to </a:t>
+            </a:r>
+            <a:r>
+              <a:rPr lang="en-US" dirty="0"/>
+              <a:t>cater the simultaneous usage of the system by large number of users.</a:t>
+            </a:r>
+          </a:p>
+          <a:p>
+            <a:r>
+              <a:rPr lang="en-US" dirty="0" smtClean="0"/>
+              <a:t>Database </a:t>
+            </a:r>
+            <a:r>
+              <a:rPr lang="en-US" dirty="0"/>
+              <a:t>Transaction and rollback handling</a:t>
+            </a:r>
+          </a:p>
+          <a:p>
+            <a:pPr lvl="1"/>
+            <a:r>
+              <a:rPr lang="en-US" dirty="0"/>
+              <a:t>t</a:t>
+            </a:r>
+            <a:r>
+              <a:rPr lang="en-US" dirty="0" smtClean="0"/>
+              <a:t>ransaction </a:t>
+            </a:r>
+            <a:r>
+              <a:rPr lang="en-US" dirty="0"/>
+              <a:t>layer has been moved to the service layer of the </a:t>
+            </a:r>
+            <a:r>
+              <a:rPr lang="en-US" dirty="0" smtClean="0"/>
+              <a:t>application</a:t>
+            </a:r>
+            <a:r>
+              <a:rPr lang="en-US" dirty="0"/>
+              <a:t> </a:t>
+            </a:r>
+            <a:r>
+              <a:rPr lang="en-US" dirty="0" smtClean="0"/>
+              <a:t>- </a:t>
+            </a:r>
+            <a:r>
+              <a:rPr lang="en-US" dirty="0"/>
+              <a:t>ensures no partially committed transactions are available.</a:t>
+            </a:r>
+          </a:p>
+          <a:p>
+            <a:r>
+              <a:rPr lang="en-US" dirty="0" smtClean="0"/>
+              <a:t>Support </a:t>
+            </a:r>
+            <a:r>
+              <a:rPr lang="en-US" dirty="0"/>
+              <a:t>and Facilitating Concurrent access of </a:t>
+            </a:r>
+            <a:r>
+              <a:rPr lang="en-US" dirty="0" smtClean="0"/>
+              <a:t>database - </a:t>
+            </a:r>
+            <a:r>
+              <a:rPr lang="en-US" dirty="0"/>
+              <a:t>optimistic locking </a:t>
+            </a:r>
+          </a:p>
+          <a:p>
+            <a:pPr lvl="1"/>
+            <a:r>
+              <a:rPr lang="en-US" dirty="0" smtClean="0"/>
+              <a:t>Support concurrent </a:t>
+            </a:r>
+            <a:r>
+              <a:rPr lang="en-US" dirty="0"/>
+              <a:t>accesses in a very high frequency. </a:t>
+            </a:r>
+            <a:endParaRPr lang="en-US" dirty="0" smtClean="0"/>
+          </a:p>
+          <a:p>
+            <a:r>
+              <a:rPr lang="en-US" dirty="0" smtClean="0"/>
+              <a:t>Clustering </a:t>
+            </a:r>
+            <a:r>
+              <a:rPr lang="en-US" dirty="0"/>
+              <a:t>support for scaling up</a:t>
+            </a:r>
+          </a:p>
+          <a:p>
+            <a:pPr lvl="1"/>
+            <a:r>
+              <a:rPr lang="en-US" dirty="0" smtClean="0"/>
+              <a:t>designed </a:t>
+            </a:r>
+            <a:r>
+              <a:rPr lang="en-US" dirty="0"/>
+              <a:t>to support clustering, to facilitate scaling up when required. </a:t>
+            </a:r>
+            <a:endParaRPr lang="en-US" dirty="0" smtClean="0"/>
+          </a:p>
+          <a:p>
+            <a:r>
+              <a:rPr lang="en-US" dirty="0" smtClean="0"/>
+              <a:t>Logging </a:t>
+            </a:r>
+            <a:r>
+              <a:rPr lang="en-US" dirty="0"/>
+              <a:t>Facilities for debugging</a:t>
+            </a:r>
+          </a:p>
+          <a:p>
+            <a:pPr lvl="1"/>
+            <a:r>
+              <a:rPr lang="en-US" dirty="0"/>
+              <a:t>Log4j logging framework </a:t>
+            </a:r>
+            <a:r>
+              <a:rPr lang="en-US" dirty="0" smtClean="0"/>
+              <a:t>is integrated. Get details of issues and fix </a:t>
+            </a:r>
+            <a:r>
+              <a:rPr lang="en-US" dirty="0"/>
+              <a:t>the bugs raising after the systems launch.</a:t>
+            </a:r>
+          </a:p>
+          <a:p>
+            <a:r>
+              <a:rPr lang="en-US" dirty="0" smtClean="0"/>
+              <a:t>Security- secured </a:t>
+            </a:r>
+            <a:r>
+              <a:rPr lang="en-US" dirty="0"/>
+              <a:t>with Spring security </a:t>
+            </a:r>
+            <a:r>
+              <a:rPr lang="en-US" dirty="0" smtClean="0"/>
+              <a:t>framework</a:t>
+            </a:r>
+            <a:endParaRPr lang="en-US" dirty="0"/>
+          </a:p>
+        </p:txBody>
+      </p:sp>
+    </p:spTree>
+    <p:extLst>
+      <p:ext uri="{BB962C8B-B14F-4D97-AF65-F5344CB8AC3E}">
+        <p14:creationId xmlns:p14="http://schemas.microsoft.com/office/powerpoint/2010/main" val="2469858711"/>
+      </p:ext>
+    </p:extLst>
+  </p:cSld>
+  <p:clrMapOvr>
+    <a:masterClrMapping/>
+  </p:clrMapOvr>
+</p:sld>
+</file>
+
+<file path=ppt/slides/slide19.xml><?xml version="1.0" encoding="utf-8"?>
+<p:sld xmlns:a="http://schemas.openxmlformats.org/drawingml/2006/main" xmlns:r="http://schemas.openxmlformats.org/officeDocument/2006/relationships" xmlns:p="http://schemas.openxmlformats.org/presentationml/2006/main" showMasterSp="0">
+  <p:cSld>
+    <p:bg>
+      <p:bgPr>
+        <a:solidFill>
+          <a:schemeClr val="lt1"/>
+        </a:solidFill>
+        <a:effectLst/>
+      </p:bgPr>
+    </p:bg>
+    <p:spTree>
+      <p:nvGrpSpPr>
+        <p:cNvPr id="1" name=""/>
+        <p:cNvGrpSpPr/>
+        <p:nvPr/>
+      </p:nvGrpSpPr>
+      <p:grpSpPr>
+        <a:xfrm>
+          <a:off x="0" y="0"/>
+          <a:ext cx="0" cy="0"/>
+          <a:chOff x="0" y="0"/>
+          <a:chExt cx="0" cy="0"/>
+        </a:xfrm>
+      </p:grpSpPr>
+      <p:sp>
+        <p:nvSpPr>
+          <p:cNvPr id="2" name="Title 1"/>
+          <p:cNvSpPr>
+            <a:spLocks noGrp="1"/>
+          </p:cNvSpPr>
+          <p:nvPr>
+            <p:ph type="title"/>
+          </p:nvPr>
+        </p:nvSpPr>
+        <p:spPr>
+          <a:xfrm>
+            <a:off x="-685800" y="103544"/>
+            <a:ext cx="10515600" cy="442368"/>
+          </a:xfrm>
+        </p:spPr>
+        <p:txBody>
+          <a:bodyPr>
+            <a:normAutofit fontScale="90000"/>
+          </a:bodyPr>
+          <a:lstStyle/>
+          <a:p>
+            <a:r>
+              <a:rPr lang="en-US" dirty="0" smtClean="0"/>
+              <a:t>Technology </a:t>
+            </a:r>
+            <a:r>
+              <a:rPr lang="en-US" dirty="0"/>
+              <a:t>Stack</a:t>
+            </a:r>
+          </a:p>
+        </p:txBody>
+      </p:sp>
+      <p:pic>
+        <p:nvPicPr>
+          <p:cNvPr id="5" name="Picture 4"/>
+          <p:cNvPicPr>
+            <a:picLocks noChangeAspect="1"/>
+          </p:cNvPicPr>
+          <p:nvPr/>
+        </p:nvPicPr>
+        <p:blipFill>
+          <a:blip r:embed="rId2"/>
+          <a:stretch>
+            <a:fillRect/>
+          </a:stretch>
+        </p:blipFill>
+        <p:spPr>
+          <a:xfrm>
+            <a:off x="101601" y="677330"/>
+            <a:ext cx="8928100" cy="6071590"/>
+          </a:xfrm>
+          <a:prstGeom prst="rect">
+            <a:avLst/>
+          </a:prstGeom>
+        </p:spPr>
+      </p:pic>
+    </p:spTree>
+    <p:extLst>
+      <p:ext uri="{BB962C8B-B14F-4D97-AF65-F5344CB8AC3E}">
+        <p14:creationId xmlns:p14="http://schemas.microsoft.com/office/powerpoint/2010/main" val="3570157879"/>
+      </p:ext>
+    </p:extLst>
+  </p:cSld>
+  <p:clrMapOvr>
+    <a:masterClrMapping/>
+  </p:clrMapOvr>
+  <p:timing>
+    <p:tnLst>
+      <p:par>
+        <p:cTn id="1" dur="indefinite" restart="never" nodeType="tmRoot"/>
+      </p:par>
+    </p:tnLst>
+  </p:timing>
+</p:sld>
+</file>
+
+<file path=ppt/slides/slide2.xml><?xml version="1.0" encoding="utf-8"?>
+<p:sld xmlns:a="http://schemas.openxmlformats.org/drawingml/2006/main" xmlns:r="http://schemas.openxmlformats.org/officeDocument/2006/relationships" xmlns:p="http://schemas.openxmlformats.org/presentationml/2006/main">
+  <p:cSld>
+    <p:spTree>
+      <p:nvGrpSpPr>
+        <p:cNvPr id="1" name=""/>
+        <p:cNvGrpSpPr/>
+        <p:nvPr/>
+      </p:nvGrpSpPr>
+      <p:grpSpPr>
+        <a:xfrm>
+          <a:off x="0" y="0"/>
+          <a:ext cx="0" cy="0"/>
+          <a:chOff x="0" y="0"/>
+          <a:chExt cx="0" cy="0"/>
+        </a:xfrm>
+      </p:grpSpPr>
+      <p:sp>
+        <p:nvSpPr>
+          <p:cNvPr id="2" name="Title 1"/>
+          <p:cNvSpPr>
+            <a:spLocks noGrp="1"/>
+          </p:cNvSpPr>
+          <p:nvPr>
+            <p:ph type="title"/>
+          </p:nvPr>
+        </p:nvSpPr>
+        <p:spPr>
+          <a:xfrm>
+            <a:off x="982132" y="0"/>
+            <a:ext cx="7704667" cy="953037"/>
+          </a:xfrm>
+        </p:spPr>
+        <p:txBody>
+          <a:bodyPr/>
+          <a:lstStyle/>
+          <a:p>
+            <a:r>
+              <a:rPr lang="en-US" dirty="0" smtClean="0"/>
+              <a:t>Content</a:t>
+            </a:r>
+            <a:endParaRPr lang="en-US" dirty="0"/>
+          </a:p>
+        </p:txBody>
+      </p:sp>
+      <p:sp>
+        <p:nvSpPr>
+          <p:cNvPr id="5" name="Content Placeholder 4"/>
+          <p:cNvSpPr>
+            <a:spLocks noGrp="1"/>
+          </p:cNvSpPr>
+          <p:nvPr>
+            <p:ph idx="1"/>
+          </p:nvPr>
+        </p:nvSpPr>
+        <p:spPr>
+          <a:xfrm>
+            <a:off x="982133" y="811369"/>
+            <a:ext cx="7704667" cy="5640946"/>
+          </a:xfrm>
+        </p:spPr>
+        <p:txBody>
+          <a:bodyPr>
+            <a:normAutofit fontScale="92500" lnSpcReduction="10000"/>
+          </a:bodyPr>
+          <a:lstStyle/>
+          <a:p>
+            <a:r>
+              <a:rPr lang="en-US" dirty="0"/>
+              <a:t>CBTLS  - Introduction</a:t>
+            </a:r>
+          </a:p>
+          <a:p>
+            <a:r>
+              <a:rPr lang="en-US" dirty="0"/>
+              <a:t>Background and Motivation</a:t>
+            </a:r>
+          </a:p>
+          <a:p>
+            <a:r>
+              <a:rPr lang="en-US" dirty="0"/>
+              <a:t>Aims and Objectives of the CBTLS</a:t>
+            </a:r>
+          </a:p>
+          <a:p>
+            <a:r>
+              <a:rPr lang="en-US" dirty="0"/>
+              <a:t>Current approaches available</a:t>
+            </a:r>
+          </a:p>
+          <a:p>
+            <a:r>
+              <a:rPr lang="en-US" dirty="0"/>
+              <a:t>Research Plan</a:t>
+            </a:r>
+          </a:p>
+          <a:p>
+            <a:r>
+              <a:rPr lang="en-US" dirty="0"/>
+              <a:t>Technologies Adapted</a:t>
+            </a:r>
+          </a:p>
+          <a:p>
+            <a:r>
+              <a:rPr lang="en-US" dirty="0"/>
+              <a:t>Design Considerations</a:t>
+            </a:r>
+          </a:p>
+          <a:p>
+            <a:r>
+              <a:rPr lang="en-US" dirty="0"/>
+              <a:t>Analysis and Design of CBTLS</a:t>
+            </a:r>
+          </a:p>
+          <a:p>
+            <a:r>
+              <a:rPr lang="en-US" dirty="0"/>
+              <a:t>Implementing CBTLS for real time information</a:t>
+            </a:r>
+          </a:p>
+          <a:p>
+            <a:r>
+              <a:rPr lang="en-US" dirty="0"/>
+              <a:t>System Evaluation</a:t>
+            </a:r>
+          </a:p>
+          <a:p>
+            <a:r>
+              <a:rPr lang="en-US" dirty="0"/>
+              <a:t>Conclusion and further work</a:t>
+            </a:r>
+          </a:p>
+          <a:p>
+            <a:r>
+              <a:rPr lang="en-US" dirty="0"/>
+              <a:t>System Demonstration</a:t>
+            </a:r>
+          </a:p>
+          <a:p>
+            <a:endParaRPr lang="en-US" dirty="0"/>
+          </a:p>
+        </p:txBody>
+      </p:sp>
+    </p:spTree>
+    <p:extLst>
+      <p:ext uri="{BB962C8B-B14F-4D97-AF65-F5344CB8AC3E}">
+        <p14:creationId xmlns:p14="http://schemas.microsoft.com/office/powerpoint/2010/main" val="4232293004"/>
+      </p:ext>
+    </p:extLst>
+  </p:cSld>
+  <p:clrMapOvr>
+    <a:masterClrMapping/>
+  </p:clrMapOvr>
+  <p:timing>
+    <p:tnLst>
+      <p:par>
+        <p:cTn id="1" dur="indefinite" restart="never" nodeType="tmRoot"/>
+      </p:par>
+    </p:tnLst>
+  </p:timing>
+</p:sld>
+</file>
+
+<file path=ppt/slides/slide20.xml><?xml version="1.0" encoding="utf-8"?>
+<p:sld xmlns:a="http://schemas.openxmlformats.org/drawingml/2006/main" xmlns:r="http://schemas.openxmlformats.org/officeDocument/2006/relationships" xmlns:p="http://schemas.openxmlformats.org/presentationml/2006/main">
+  <p:cSld>
+    <p:spTree>
+      <p:nvGrpSpPr>
+        <p:cNvPr id="1" name=""/>
+        <p:cNvGrpSpPr/>
+        <p:nvPr/>
+      </p:nvGrpSpPr>
+      <p:grpSpPr>
+        <a:xfrm>
+          <a:off x="0" y="0"/>
+          <a:ext cx="0" cy="0"/>
+          <a:chOff x="0" y="0"/>
+          <a:chExt cx="0" cy="0"/>
+        </a:xfrm>
+      </p:grpSpPr>
+      <p:sp>
+        <p:nvSpPr>
+          <p:cNvPr id="2" name="Title 1"/>
+          <p:cNvSpPr>
+            <a:spLocks noGrp="1"/>
+          </p:cNvSpPr>
+          <p:nvPr>
+            <p:ph type="title"/>
+          </p:nvPr>
+        </p:nvSpPr>
+        <p:spPr>
+          <a:xfrm>
+            <a:off x="982133" y="128789"/>
+            <a:ext cx="7704667" cy="940157"/>
+          </a:xfrm>
+        </p:spPr>
+        <p:txBody>
+          <a:bodyPr>
+            <a:normAutofit/>
+          </a:bodyPr>
+          <a:lstStyle/>
+          <a:p>
+            <a:r>
+              <a:rPr lang="en-US" dirty="0"/>
+              <a:t>Analysis and Design of </a:t>
+            </a:r>
+            <a:r>
+              <a:rPr lang="en-US" dirty="0" smtClean="0"/>
+              <a:t>CBTLS</a:t>
+            </a:r>
+            <a:endParaRPr lang="en-US" dirty="0"/>
+          </a:p>
+        </p:txBody>
+      </p:sp>
+      <p:sp>
+        <p:nvSpPr>
+          <p:cNvPr id="3" name="Content Placeholder 2"/>
+          <p:cNvSpPr>
+            <a:spLocks noGrp="1"/>
+          </p:cNvSpPr>
+          <p:nvPr>
+            <p:ph idx="1"/>
+          </p:nvPr>
+        </p:nvSpPr>
+        <p:spPr>
+          <a:xfrm>
+            <a:off x="982133" y="953037"/>
+            <a:ext cx="7704667" cy="5537915"/>
+          </a:xfrm>
+        </p:spPr>
+        <p:txBody>
+          <a:bodyPr>
+            <a:normAutofit fontScale="92500" lnSpcReduction="10000"/>
+          </a:bodyPr>
+          <a:lstStyle/>
+          <a:p>
+            <a:r>
+              <a:rPr lang="en-US" dirty="0" smtClean="0"/>
+              <a:t>CBTLS </a:t>
+            </a:r>
+            <a:r>
+              <a:rPr lang="en-US" dirty="0"/>
+              <a:t>consist of a mobile application and a web application. </a:t>
+            </a:r>
+            <a:endParaRPr lang="en-US" dirty="0" smtClean="0"/>
+          </a:p>
+          <a:p>
+            <a:r>
+              <a:rPr lang="en-US" dirty="0" smtClean="0"/>
+              <a:t>The </a:t>
+            </a:r>
+            <a:r>
+              <a:rPr lang="en-US" dirty="0"/>
+              <a:t>web application caters as the backend for the mobile </a:t>
+            </a:r>
+            <a:r>
+              <a:rPr lang="en-US" dirty="0" smtClean="0"/>
+              <a:t>application. </a:t>
+            </a:r>
+          </a:p>
+          <a:p>
+            <a:r>
+              <a:rPr lang="en-US" dirty="0" smtClean="0"/>
+              <a:t>The mobile </a:t>
+            </a:r>
+            <a:r>
+              <a:rPr lang="en-US" dirty="0"/>
+              <a:t>application </a:t>
+            </a:r>
+            <a:r>
+              <a:rPr lang="en-US" dirty="0" smtClean="0"/>
+              <a:t>connect </a:t>
+            </a:r>
+            <a:r>
+              <a:rPr lang="en-US" dirty="0"/>
+              <a:t>to the backend system hosted through internet. </a:t>
+            </a:r>
+            <a:endParaRPr lang="en-US" dirty="0" smtClean="0"/>
+          </a:p>
+          <a:p>
+            <a:r>
+              <a:rPr lang="en-US" dirty="0" smtClean="0"/>
+              <a:t>In </a:t>
+            </a:r>
+            <a:r>
+              <a:rPr lang="en-US" dirty="0"/>
+              <a:t>the same way, the web client component of the web application is to be connected to the backend through internet. </a:t>
+            </a:r>
+            <a:endParaRPr lang="en-US" dirty="0" smtClean="0"/>
+          </a:p>
+          <a:p>
+            <a:r>
+              <a:rPr lang="en-US" dirty="0" smtClean="0"/>
+              <a:t>the </a:t>
+            </a:r>
+            <a:r>
+              <a:rPr lang="en-US" dirty="0"/>
+              <a:t>backend of the CBTLS is layered and separated the presentation layer, business layer and the database layer. </a:t>
+            </a:r>
+            <a:endParaRPr lang="en-US" dirty="0" smtClean="0"/>
+          </a:p>
+          <a:p>
+            <a:pPr lvl="1"/>
+            <a:r>
+              <a:rPr lang="en-US" dirty="0" smtClean="0"/>
+              <a:t>to </a:t>
+            </a:r>
+            <a:r>
+              <a:rPr lang="en-US" dirty="0"/>
+              <a:t>facilitate high flexibility, maintainability, and scalability of the system. </a:t>
+            </a:r>
+            <a:endParaRPr lang="en-US" dirty="0" smtClean="0"/>
+          </a:p>
+          <a:p>
+            <a:r>
+              <a:rPr lang="en-US" dirty="0" smtClean="0"/>
+              <a:t>The </a:t>
+            </a:r>
+            <a:r>
+              <a:rPr lang="en-US" dirty="0"/>
+              <a:t>web application is designed to be hosted in wildly application server, and the system is to connect to MySQL database through data access layer of the application.</a:t>
+            </a:r>
+          </a:p>
+        </p:txBody>
+      </p:sp>
+    </p:spTree>
+    <p:extLst>
+      <p:ext uri="{BB962C8B-B14F-4D97-AF65-F5344CB8AC3E}">
+        <p14:creationId xmlns:p14="http://schemas.microsoft.com/office/powerpoint/2010/main" val="192357891"/>
+      </p:ext>
+    </p:extLst>
+  </p:cSld>
+  <p:clrMapOvr>
+    <a:masterClrMapping/>
+  </p:clrMapOvr>
+</p:sld>
+</file>
+
+<file path=ppt/slides/slide21.xml><?xml version="1.0" encoding="utf-8"?>
 <p:sld xmlns:a="http://schemas.openxmlformats.org/drawingml/2006/main" xmlns:r="http://schemas.openxmlformats.org/officeDocument/2006/relationships" xmlns:p="http://schemas.openxmlformats.org/presentationml/2006/main" showMasterSp="0">
   <p:cSld>
     <p:bg>
@@ -8489,7 +9460,7 @@
 </p:sld>
 </file>
 
-<file path=ppt/slides/slide18.xml><?xml version="1.0" encoding="utf-8"?>
+<file path=ppt/slides/slide22.xml><?xml version="1.0" encoding="utf-8"?>
 <p:sld xmlns:a="http://schemas.openxmlformats.org/drawingml/2006/main" xmlns:r="http://schemas.openxmlformats.org/officeDocument/2006/relationships" xmlns:p="http://schemas.openxmlformats.org/presentationml/2006/main" showMasterSp="0">
   <p:cSld>
     <p:bg>
@@ -9051,1904 +10022,6 @@
 </p:sld>
 </file>
 
-<file path=ppt/slides/slide19.xml><?xml version="1.0" encoding="utf-8"?>
-<p:sld xmlns:a="http://schemas.openxmlformats.org/drawingml/2006/main" xmlns:r="http://schemas.openxmlformats.org/officeDocument/2006/relationships" xmlns:p="http://schemas.openxmlformats.org/presentationml/2006/main" showMasterSp="0">
-  <p:cSld>
-    <p:bg>
-      <p:bgPr>
-        <a:solidFill>
-          <a:schemeClr val="lt1"/>
-        </a:solidFill>
-        <a:effectLst/>
-      </p:bgPr>
-    </p:bg>
-    <p:spTree>
-      <p:nvGrpSpPr>
-        <p:cNvPr id="1" name=""/>
-        <p:cNvGrpSpPr/>
-        <p:nvPr/>
-      </p:nvGrpSpPr>
-      <p:grpSpPr>
-        <a:xfrm>
-          <a:off x="0" y="0"/>
-          <a:ext cx="0" cy="0"/>
-          <a:chOff x="0" y="0"/>
-          <a:chExt cx="0" cy="0"/>
-        </a:xfrm>
-      </p:grpSpPr>
-      <p:sp>
-        <p:nvSpPr>
-          <p:cNvPr id="2" name="Title 1"/>
-          <p:cNvSpPr>
-            <a:spLocks noGrp="1"/>
-          </p:cNvSpPr>
-          <p:nvPr>
-            <p:ph type="title"/>
-          </p:nvPr>
-        </p:nvSpPr>
-        <p:spPr>
-          <a:xfrm>
-            <a:off x="-685800" y="103544"/>
-            <a:ext cx="10515600" cy="442368"/>
-          </a:xfrm>
-        </p:spPr>
-        <p:txBody>
-          <a:bodyPr>
-            <a:normAutofit fontScale="90000"/>
-          </a:bodyPr>
-          <a:lstStyle/>
-          <a:p>
-            <a:r>
-              <a:rPr lang="en-US" dirty="0" smtClean="0"/>
-              <a:t>Technology </a:t>
-            </a:r>
-            <a:r>
-              <a:rPr lang="en-US" dirty="0"/>
-              <a:t>Stack</a:t>
-            </a:r>
-          </a:p>
-        </p:txBody>
-      </p:sp>
-      <p:pic>
-        <p:nvPicPr>
-          <p:cNvPr id="5" name="Picture 4"/>
-          <p:cNvPicPr>
-            <a:picLocks noChangeAspect="1"/>
-          </p:cNvPicPr>
-          <p:nvPr/>
-        </p:nvPicPr>
-        <p:blipFill>
-          <a:blip r:embed="rId2"/>
-          <a:stretch>
-            <a:fillRect/>
-          </a:stretch>
-        </p:blipFill>
-        <p:spPr>
-          <a:xfrm>
-            <a:off x="101601" y="677330"/>
-            <a:ext cx="8928100" cy="6071590"/>
-          </a:xfrm>
-          <a:prstGeom prst="rect">
-            <a:avLst/>
-          </a:prstGeom>
-        </p:spPr>
-      </p:pic>
-    </p:spTree>
-    <p:extLst>
-      <p:ext uri="{BB962C8B-B14F-4D97-AF65-F5344CB8AC3E}">
-        <p14:creationId xmlns:p14="http://schemas.microsoft.com/office/powerpoint/2010/main" val="3570157879"/>
-      </p:ext>
-    </p:extLst>
-  </p:cSld>
-  <p:clrMapOvr>
-    <a:masterClrMapping/>
-  </p:clrMapOvr>
-  <p:timing>
-    <p:tnLst>
-      <p:par>
-        <p:cTn id="1" dur="indefinite" restart="never" nodeType="tmRoot"/>
-      </p:par>
-    </p:tnLst>
-  </p:timing>
-</p:sld>
-</file>
-
-<file path=ppt/slides/slide2.xml><?xml version="1.0" encoding="utf-8"?>
-<p:sld xmlns:a="http://schemas.openxmlformats.org/drawingml/2006/main" xmlns:r="http://schemas.openxmlformats.org/officeDocument/2006/relationships" xmlns:p="http://schemas.openxmlformats.org/presentationml/2006/main">
-  <p:cSld>
-    <p:spTree>
-      <p:nvGrpSpPr>
-        <p:cNvPr id="1" name=""/>
-        <p:cNvGrpSpPr/>
-        <p:nvPr/>
-      </p:nvGrpSpPr>
-      <p:grpSpPr>
-        <a:xfrm>
-          <a:off x="0" y="0"/>
-          <a:ext cx="0" cy="0"/>
-          <a:chOff x="0" y="0"/>
-          <a:chExt cx="0" cy="0"/>
-        </a:xfrm>
-      </p:grpSpPr>
-      <p:sp>
-        <p:nvSpPr>
-          <p:cNvPr id="2" name="Title 1"/>
-          <p:cNvSpPr>
-            <a:spLocks noGrp="1"/>
-          </p:cNvSpPr>
-          <p:nvPr>
-            <p:ph type="title"/>
-          </p:nvPr>
-        </p:nvSpPr>
-        <p:spPr>
-          <a:xfrm>
-            <a:off x="982132" y="152401"/>
-            <a:ext cx="7704667" cy="749299"/>
-          </a:xfrm>
-        </p:spPr>
-        <p:txBody>
-          <a:bodyPr/>
-          <a:lstStyle/>
-          <a:p>
-            <a:r>
-              <a:rPr lang="en-US" dirty="0" smtClean="0"/>
-              <a:t>Content</a:t>
-            </a:r>
-            <a:endParaRPr lang="en-US" dirty="0"/>
-          </a:p>
-        </p:txBody>
-      </p:sp>
-      <p:sp>
-        <p:nvSpPr>
-          <p:cNvPr id="3" name="Content Placeholder 2"/>
-          <p:cNvSpPr>
-            <a:spLocks noGrp="1"/>
-          </p:cNvSpPr>
-          <p:nvPr>
-            <p:ph idx="1"/>
-          </p:nvPr>
-        </p:nvSpPr>
-        <p:spPr>
-          <a:xfrm>
-            <a:off x="1143000" y="749300"/>
-            <a:ext cx="7874000" cy="5956300"/>
-          </a:xfrm>
-        </p:spPr>
-        <p:txBody>
-          <a:bodyPr>
-            <a:normAutofit/>
-          </a:bodyPr>
-          <a:lstStyle/>
-          <a:p>
-            <a:pPr marL="0" indent="0">
-              <a:buNone/>
-            </a:pPr>
-            <a:r>
-              <a:rPr lang="en-US" dirty="0" smtClean="0"/>
-              <a:t>CBTLS  - Introduction</a:t>
-            </a:r>
-          </a:p>
-          <a:p>
-            <a:pPr marL="0" indent="0">
-              <a:buNone/>
-            </a:pPr>
-            <a:r>
-              <a:rPr lang="en-US" dirty="0" smtClean="0"/>
-              <a:t>Background and Motivation</a:t>
-            </a:r>
-          </a:p>
-          <a:p>
-            <a:pPr marL="0" indent="0">
-              <a:buNone/>
-            </a:pPr>
-            <a:r>
-              <a:rPr lang="en-US" dirty="0" smtClean="0"/>
-              <a:t>Aims and Objectives of the CBTLS</a:t>
-            </a:r>
-          </a:p>
-          <a:p>
-            <a:pPr marL="0" indent="0">
-              <a:buNone/>
-            </a:pPr>
-            <a:r>
-              <a:rPr lang="en-US" dirty="0" smtClean="0"/>
-              <a:t>Current approaches available</a:t>
-            </a:r>
-          </a:p>
-          <a:p>
-            <a:pPr marL="0" indent="0">
-              <a:buNone/>
-            </a:pPr>
-            <a:r>
-              <a:rPr lang="en-US" dirty="0" smtClean="0"/>
-              <a:t>Research Plan</a:t>
-            </a:r>
-          </a:p>
-          <a:p>
-            <a:pPr marL="0" indent="0">
-              <a:buNone/>
-            </a:pPr>
-            <a:r>
-              <a:rPr lang="en-US" dirty="0" smtClean="0"/>
-              <a:t>Technologies Adapted</a:t>
-            </a:r>
-          </a:p>
-          <a:p>
-            <a:pPr marL="0" indent="0">
-              <a:buNone/>
-            </a:pPr>
-            <a:r>
-              <a:rPr lang="en-US" dirty="0" smtClean="0"/>
-              <a:t>Design Considerations</a:t>
-            </a:r>
-          </a:p>
-          <a:p>
-            <a:pPr marL="0" indent="0">
-              <a:buNone/>
-            </a:pPr>
-            <a:r>
-              <a:rPr lang="en-US" dirty="0" smtClean="0"/>
-              <a:t>Future Work</a:t>
-            </a:r>
-          </a:p>
-          <a:p>
-            <a:endParaRPr lang="en-US" dirty="0"/>
-          </a:p>
-        </p:txBody>
-      </p:sp>
-    </p:spTree>
-    <p:extLst>
-      <p:ext uri="{BB962C8B-B14F-4D97-AF65-F5344CB8AC3E}">
-        <p14:creationId xmlns:p14="http://schemas.microsoft.com/office/powerpoint/2010/main" val="4232293004"/>
-      </p:ext>
-    </p:extLst>
-  </p:cSld>
-  <p:clrMapOvr>
-    <a:masterClrMapping/>
-  </p:clrMapOvr>
-  <p:timing>
-    <p:tnLst>
-      <p:par>
-        <p:cTn id="1" dur="indefinite" restart="never" nodeType="tmRoot"/>
-      </p:par>
-    </p:tnLst>
-  </p:timing>
-</p:sld>
-</file>
-
-<file path=ppt/slides/slide20.xml><?xml version="1.0" encoding="utf-8"?>
-<p:sld xmlns:a="http://schemas.openxmlformats.org/drawingml/2006/main" xmlns:r="http://schemas.openxmlformats.org/officeDocument/2006/relationships" xmlns:p="http://schemas.openxmlformats.org/presentationml/2006/main" showMasterSp="0">
-  <p:cSld>
-    <p:bg>
-      <p:bgPr>
-        <a:solidFill>
-          <a:schemeClr val="bg1"/>
-        </a:solidFill>
-        <a:effectLst/>
-      </p:bgPr>
-    </p:bg>
-    <p:spTree>
-      <p:nvGrpSpPr>
-        <p:cNvPr id="1" name=""/>
-        <p:cNvGrpSpPr/>
-        <p:nvPr/>
-      </p:nvGrpSpPr>
-      <p:grpSpPr>
-        <a:xfrm>
-          <a:off x="0" y="0"/>
-          <a:ext cx="0" cy="0"/>
-          <a:chOff x="0" y="0"/>
-          <a:chExt cx="0" cy="0"/>
-        </a:xfrm>
-      </p:grpSpPr>
-      <p:graphicFrame>
-        <p:nvGraphicFramePr>
-          <p:cNvPr id="4" name="Table 3"/>
-          <p:cNvGraphicFramePr>
-            <a:graphicFrameLocks noGrp="1"/>
-          </p:cNvGraphicFramePr>
-          <p:nvPr>
-            <p:extLst>
-              <p:ext uri="{D42A27DB-BD31-4B8C-83A1-F6EECF244321}">
-                <p14:modId xmlns:p14="http://schemas.microsoft.com/office/powerpoint/2010/main" val="4172849355"/>
-              </p:ext>
-            </p:extLst>
-          </p:nvPr>
-        </p:nvGraphicFramePr>
-        <p:xfrm>
-          <a:off x="190500" y="435356"/>
-          <a:ext cx="8547100" cy="5990844"/>
-        </p:xfrm>
-        <a:graphic>
-          <a:graphicData uri="http://schemas.openxmlformats.org/drawingml/2006/table">
-            <a:tbl>
-              <a:tblPr firstRow="1" firstCol="1" bandRow="1">
-                <a:tableStyleId>{5C22544A-7EE6-4342-B048-85BDC9FD1C3A}</a:tableStyleId>
-              </a:tblPr>
-              <a:tblGrid>
-                <a:gridCol w="2167696"/>
-                <a:gridCol w="6379404"/>
-              </a:tblGrid>
-              <a:tr h="343944">
-                <a:tc>
-                  <a:txBody>
-                    <a:bodyPr/>
-                    <a:lstStyle/>
-                    <a:p>
-                      <a:pPr marL="0" marR="0" algn="ctr">
-                        <a:lnSpc>
-                          <a:spcPct val="107000"/>
-                        </a:lnSpc>
-                        <a:spcBef>
-                          <a:spcPts val="300"/>
-                        </a:spcBef>
-                        <a:spcAft>
-                          <a:spcPts val="0"/>
-                        </a:spcAft>
-                        <a:tabLst>
-                          <a:tab pos="720090" algn="dec"/>
-                        </a:tabLst>
-                      </a:pPr>
-                      <a:r>
-                        <a:rPr lang="en-US" sz="2000" dirty="0">
-                          <a:effectLst/>
-                        </a:rPr>
-                        <a:t>Component</a:t>
-                      </a:r>
-                      <a:endParaRPr lang="en-US" sz="1800" b="1" dirty="0">
-                        <a:solidFill>
-                          <a:srgbClr val="2E74B5"/>
-                        </a:solidFill>
-                        <a:effectLst/>
-                        <a:latin typeface="Calibri" panose="020F0502020204030204" pitchFamily="34" charset="0"/>
-                        <a:ea typeface="Times New Roman" panose="02020603050405020304" pitchFamily="18" charset="0"/>
-                        <a:cs typeface="Times New Roman" panose="02020603050405020304" pitchFamily="18" charset="0"/>
-                      </a:endParaRPr>
-                    </a:p>
-                  </a:txBody>
-                  <a:tcPr marL="39098" marR="39098" marT="0" marB="0"/>
-                </a:tc>
-                <a:tc>
-                  <a:txBody>
-                    <a:bodyPr/>
-                    <a:lstStyle/>
-                    <a:p>
-                      <a:pPr marL="0" marR="0" algn="ctr">
-                        <a:lnSpc>
-                          <a:spcPct val="107000"/>
-                        </a:lnSpc>
-                        <a:spcBef>
-                          <a:spcPts val="300"/>
-                        </a:spcBef>
-                        <a:spcAft>
-                          <a:spcPts val="0"/>
-                        </a:spcAft>
-                        <a:tabLst>
-                          <a:tab pos="720090" algn="dec"/>
-                        </a:tabLst>
-                      </a:pPr>
-                      <a:r>
-                        <a:rPr lang="en-US" sz="2000" dirty="0">
-                          <a:effectLst/>
-                        </a:rPr>
-                        <a:t>Description</a:t>
-                      </a:r>
-                      <a:endParaRPr lang="en-US" sz="1800" b="1" dirty="0">
-                        <a:solidFill>
-                          <a:srgbClr val="2E74B5"/>
-                        </a:solidFill>
-                        <a:effectLst/>
-                        <a:latin typeface="Calibri" panose="020F0502020204030204" pitchFamily="34" charset="0"/>
-                        <a:ea typeface="Times New Roman" panose="02020603050405020304" pitchFamily="18" charset="0"/>
-                        <a:cs typeface="Times New Roman" panose="02020603050405020304" pitchFamily="18" charset="0"/>
-                      </a:endParaRPr>
-                    </a:p>
-                  </a:txBody>
-                  <a:tcPr marL="39098" marR="39098" marT="0" marB="0"/>
-                </a:tc>
-              </a:tr>
-              <a:tr h="1063787">
-                <a:tc>
-                  <a:txBody>
-                    <a:bodyPr/>
-                    <a:lstStyle/>
-                    <a:p>
-                      <a:pPr marL="0" marR="0">
-                        <a:lnSpc>
-                          <a:spcPct val="107000"/>
-                        </a:lnSpc>
-                        <a:spcBef>
-                          <a:spcPts val="300"/>
-                        </a:spcBef>
-                        <a:spcAft>
-                          <a:spcPts val="600"/>
-                        </a:spcAft>
-                        <a:tabLst>
-                          <a:tab pos="720090" algn="dec"/>
-                        </a:tabLst>
-                      </a:pPr>
-                      <a:r>
-                        <a:rPr lang="en-US" sz="2000" dirty="0">
-                          <a:effectLst/>
-                        </a:rPr>
-                        <a:t>Proxy Server</a:t>
-                      </a:r>
-                      <a:endParaRPr lang="en-US" sz="1800" dirty="0">
-                        <a:effectLst/>
-                        <a:latin typeface="Calibri" panose="020F0502020204030204" pitchFamily="34" charset="0"/>
-                        <a:ea typeface="Calibri" panose="020F0502020204030204" pitchFamily="34" charset="0"/>
-                        <a:cs typeface="Times New Roman" panose="02020603050405020304" pitchFamily="18" charset="0"/>
-                      </a:endParaRPr>
-                    </a:p>
-                  </a:txBody>
-                  <a:tcPr marL="39098" marR="39098" marT="0" marB="0"/>
-                </a:tc>
-                <a:tc>
-                  <a:txBody>
-                    <a:bodyPr/>
-                    <a:lstStyle/>
-                    <a:p>
-                      <a:pPr marL="0" marR="0">
-                        <a:lnSpc>
-                          <a:spcPct val="107000"/>
-                        </a:lnSpc>
-                        <a:spcBef>
-                          <a:spcPts val="300"/>
-                        </a:spcBef>
-                        <a:spcAft>
-                          <a:spcPts val="600"/>
-                        </a:spcAft>
-                        <a:tabLst>
-                          <a:tab pos="720090" algn="dec"/>
-                        </a:tabLst>
-                      </a:pPr>
-                      <a:r>
-                        <a:rPr lang="en-US" sz="2000" dirty="0">
-                          <a:effectLst/>
-                        </a:rPr>
-                        <a:t>The physical server dedicated to handle requests from client and do load balancing, which is crucial in systems like CBTLS </a:t>
-                      </a:r>
-                      <a:endParaRPr lang="en-US" sz="1800" dirty="0">
-                        <a:effectLst/>
-                        <a:latin typeface="Calibri" panose="020F0502020204030204" pitchFamily="34" charset="0"/>
-                        <a:ea typeface="Calibri" panose="020F0502020204030204" pitchFamily="34" charset="0"/>
-                        <a:cs typeface="Times New Roman" panose="02020603050405020304" pitchFamily="18" charset="0"/>
-                      </a:endParaRPr>
-                    </a:p>
-                  </a:txBody>
-                  <a:tcPr marL="39098" marR="39098" marT="0" marB="0"/>
-                </a:tc>
-              </a:tr>
-              <a:tr h="703865">
-                <a:tc>
-                  <a:txBody>
-                    <a:bodyPr/>
-                    <a:lstStyle/>
-                    <a:p>
-                      <a:pPr marL="0" marR="0">
-                        <a:lnSpc>
-                          <a:spcPct val="107000"/>
-                        </a:lnSpc>
-                        <a:spcBef>
-                          <a:spcPts val="300"/>
-                        </a:spcBef>
-                        <a:spcAft>
-                          <a:spcPts val="600"/>
-                        </a:spcAft>
-                        <a:tabLst>
-                          <a:tab pos="720090" algn="dec"/>
-                        </a:tabLst>
-                      </a:pPr>
-                      <a:r>
-                        <a:rPr lang="en-US" sz="2000">
-                          <a:effectLst/>
-                        </a:rPr>
-                        <a:t>CentOS 6.7,x86_64</a:t>
-                      </a:r>
-                      <a:endParaRPr lang="en-US" sz="1800">
-                        <a:effectLst/>
-                        <a:latin typeface="Calibri" panose="020F0502020204030204" pitchFamily="34" charset="0"/>
-                        <a:ea typeface="Calibri" panose="020F0502020204030204" pitchFamily="34" charset="0"/>
-                        <a:cs typeface="Times New Roman" panose="02020603050405020304" pitchFamily="18" charset="0"/>
-                      </a:endParaRPr>
-                    </a:p>
-                  </a:txBody>
-                  <a:tcPr marL="39098" marR="39098" marT="0" marB="0"/>
-                </a:tc>
-                <a:tc>
-                  <a:txBody>
-                    <a:bodyPr/>
-                    <a:lstStyle/>
-                    <a:p>
-                      <a:pPr marL="0" marR="0">
-                        <a:lnSpc>
-                          <a:spcPct val="107000"/>
-                        </a:lnSpc>
-                        <a:spcBef>
-                          <a:spcPts val="300"/>
-                        </a:spcBef>
-                        <a:spcAft>
-                          <a:spcPts val="600"/>
-                        </a:spcAft>
-                        <a:tabLst>
-                          <a:tab pos="720090" algn="dec"/>
-                        </a:tabLst>
-                      </a:pPr>
-                      <a:r>
-                        <a:rPr lang="en-US" sz="2000">
-                          <a:effectLst/>
-                        </a:rPr>
-                        <a:t>64 bit CentOS- a linux operating system as the OS in servers</a:t>
-                      </a:r>
-                      <a:endParaRPr lang="en-US" sz="1800">
-                        <a:effectLst/>
-                        <a:latin typeface="Calibri" panose="020F0502020204030204" pitchFamily="34" charset="0"/>
-                        <a:ea typeface="Calibri" panose="020F0502020204030204" pitchFamily="34" charset="0"/>
-                        <a:cs typeface="Times New Roman" panose="02020603050405020304" pitchFamily="18" charset="0"/>
-                      </a:endParaRPr>
-                    </a:p>
-                  </a:txBody>
-                  <a:tcPr marL="39098" marR="39098" marT="0" marB="0"/>
-                </a:tc>
-              </a:tr>
-              <a:tr h="343944">
-                <a:tc>
-                  <a:txBody>
-                    <a:bodyPr/>
-                    <a:lstStyle/>
-                    <a:p>
-                      <a:pPr marL="0" marR="0">
-                        <a:lnSpc>
-                          <a:spcPct val="107000"/>
-                        </a:lnSpc>
-                        <a:spcBef>
-                          <a:spcPts val="300"/>
-                        </a:spcBef>
-                        <a:spcAft>
-                          <a:spcPts val="600"/>
-                        </a:spcAft>
-                        <a:tabLst>
-                          <a:tab pos="720090" algn="dec"/>
-                        </a:tabLst>
-                      </a:pPr>
-                      <a:r>
-                        <a:rPr lang="en-US" sz="2000" dirty="0">
-                          <a:effectLst/>
-                        </a:rPr>
-                        <a:t>Apache2</a:t>
-                      </a:r>
-                      <a:endParaRPr lang="en-US" sz="1800" dirty="0">
-                        <a:effectLst/>
-                        <a:latin typeface="Calibri" panose="020F0502020204030204" pitchFamily="34" charset="0"/>
-                        <a:ea typeface="Calibri" panose="020F0502020204030204" pitchFamily="34" charset="0"/>
-                        <a:cs typeface="Times New Roman" panose="02020603050405020304" pitchFamily="18" charset="0"/>
-                      </a:endParaRPr>
-                    </a:p>
-                  </a:txBody>
-                  <a:tcPr marL="39098" marR="39098" marT="0" marB="0"/>
-                </a:tc>
-                <a:tc>
-                  <a:txBody>
-                    <a:bodyPr/>
-                    <a:lstStyle/>
-                    <a:p>
-                      <a:pPr marL="0" marR="0">
-                        <a:lnSpc>
-                          <a:spcPct val="107000"/>
-                        </a:lnSpc>
-                        <a:spcBef>
-                          <a:spcPts val="300"/>
-                        </a:spcBef>
-                        <a:spcAft>
-                          <a:spcPts val="600"/>
-                        </a:spcAft>
-                        <a:tabLst>
-                          <a:tab pos="720090" algn="dec"/>
-                        </a:tabLst>
-                      </a:pPr>
-                      <a:r>
-                        <a:rPr lang="en-US" sz="2000">
-                          <a:effectLst/>
-                        </a:rPr>
-                        <a:t>To be used as the proxy server</a:t>
-                      </a:r>
-                      <a:endParaRPr lang="en-US" sz="1800">
-                        <a:effectLst/>
-                        <a:latin typeface="Calibri" panose="020F0502020204030204" pitchFamily="34" charset="0"/>
-                        <a:ea typeface="Calibri" panose="020F0502020204030204" pitchFamily="34" charset="0"/>
-                        <a:cs typeface="Times New Roman" panose="02020603050405020304" pitchFamily="18" charset="0"/>
-                      </a:endParaRPr>
-                    </a:p>
-                  </a:txBody>
-                  <a:tcPr marL="39098" marR="39098" marT="0" marB="0"/>
-                </a:tc>
-              </a:tr>
-              <a:tr h="703865">
-                <a:tc>
-                  <a:txBody>
-                    <a:bodyPr/>
-                    <a:lstStyle/>
-                    <a:p>
-                      <a:pPr marL="0" marR="0">
-                        <a:lnSpc>
-                          <a:spcPct val="107000"/>
-                        </a:lnSpc>
-                        <a:spcBef>
-                          <a:spcPts val="300"/>
-                        </a:spcBef>
-                        <a:spcAft>
-                          <a:spcPts val="600"/>
-                        </a:spcAft>
-                        <a:tabLst>
-                          <a:tab pos="720090" algn="dec"/>
-                        </a:tabLst>
-                      </a:pPr>
-                      <a:r>
-                        <a:rPr lang="en-US" sz="2000">
-                          <a:effectLst/>
-                        </a:rPr>
-                        <a:t>Application Server</a:t>
-                      </a:r>
-                      <a:endParaRPr lang="en-US" sz="1800">
-                        <a:effectLst/>
-                        <a:latin typeface="Calibri" panose="020F0502020204030204" pitchFamily="34" charset="0"/>
-                        <a:ea typeface="Calibri" panose="020F0502020204030204" pitchFamily="34" charset="0"/>
-                        <a:cs typeface="Times New Roman" panose="02020603050405020304" pitchFamily="18" charset="0"/>
-                      </a:endParaRPr>
-                    </a:p>
-                  </a:txBody>
-                  <a:tcPr marL="39098" marR="39098" marT="0" marB="0"/>
-                </a:tc>
-                <a:tc>
-                  <a:txBody>
-                    <a:bodyPr/>
-                    <a:lstStyle/>
-                    <a:p>
-                      <a:pPr marL="0" marR="0">
-                        <a:lnSpc>
-                          <a:spcPct val="107000"/>
-                        </a:lnSpc>
-                        <a:spcBef>
-                          <a:spcPts val="300"/>
-                        </a:spcBef>
-                        <a:spcAft>
-                          <a:spcPts val="600"/>
-                        </a:spcAft>
-                        <a:tabLst>
-                          <a:tab pos="720090" algn="dec"/>
-                        </a:tabLst>
-                      </a:pPr>
-                      <a:r>
-                        <a:rPr lang="en-US" sz="2000">
-                          <a:effectLst/>
-                        </a:rPr>
-                        <a:t>The dedicated physical server/servers to handle application server - WildFly</a:t>
-                      </a:r>
-                      <a:endParaRPr lang="en-US" sz="1800">
-                        <a:effectLst/>
-                        <a:latin typeface="Calibri" panose="020F0502020204030204" pitchFamily="34" charset="0"/>
-                        <a:ea typeface="Calibri" panose="020F0502020204030204" pitchFamily="34" charset="0"/>
-                        <a:cs typeface="Times New Roman" panose="02020603050405020304" pitchFamily="18" charset="0"/>
-                      </a:endParaRPr>
-                    </a:p>
-                  </a:txBody>
-                  <a:tcPr marL="39098" marR="39098" marT="0" marB="0"/>
-                </a:tc>
-              </a:tr>
-              <a:tr h="703865">
-                <a:tc>
-                  <a:txBody>
-                    <a:bodyPr/>
-                    <a:lstStyle/>
-                    <a:p>
-                      <a:pPr marL="0" marR="0">
-                        <a:lnSpc>
-                          <a:spcPct val="107000"/>
-                        </a:lnSpc>
-                        <a:spcBef>
-                          <a:spcPts val="300"/>
-                        </a:spcBef>
-                        <a:spcAft>
-                          <a:spcPts val="600"/>
-                        </a:spcAft>
-                        <a:tabLst>
-                          <a:tab pos="720090" algn="dec"/>
-                        </a:tabLst>
-                      </a:pPr>
-                      <a:r>
-                        <a:rPr lang="en-US" sz="2000" dirty="0">
-                          <a:effectLst/>
-                        </a:rPr>
-                        <a:t>JDK 1.8.0_60</a:t>
-                      </a:r>
-                      <a:endParaRPr lang="en-US" sz="1800" dirty="0">
-                        <a:effectLst/>
-                        <a:latin typeface="Calibri" panose="020F0502020204030204" pitchFamily="34" charset="0"/>
-                        <a:ea typeface="Calibri" panose="020F0502020204030204" pitchFamily="34" charset="0"/>
-                        <a:cs typeface="Times New Roman" panose="02020603050405020304" pitchFamily="18" charset="0"/>
-                      </a:endParaRPr>
-                    </a:p>
-                  </a:txBody>
-                  <a:tcPr marL="39098" marR="39098" marT="0" marB="0"/>
-                </a:tc>
-                <a:tc>
-                  <a:txBody>
-                    <a:bodyPr/>
-                    <a:lstStyle/>
-                    <a:p>
-                      <a:pPr marL="0" marR="0">
-                        <a:lnSpc>
-                          <a:spcPct val="107000"/>
-                        </a:lnSpc>
-                        <a:spcBef>
-                          <a:spcPts val="300"/>
-                        </a:spcBef>
-                        <a:spcAft>
-                          <a:spcPts val="600"/>
-                        </a:spcAft>
-                        <a:tabLst>
-                          <a:tab pos="720090" algn="dec"/>
-                        </a:tabLst>
-                      </a:pPr>
-                      <a:r>
-                        <a:rPr lang="en-US" sz="2000">
-                          <a:effectLst/>
-                        </a:rPr>
-                        <a:t>Java framework version 8, on top which CBTLS is implemented and will execute,.</a:t>
-                      </a:r>
-                      <a:endParaRPr lang="en-US" sz="1800">
-                        <a:effectLst/>
-                        <a:latin typeface="Calibri" panose="020F0502020204030204" pitchFamily="34" charset="0"/>
-                        <a:ea typeface="Calibri" panose="020F0502020204030204" pitchFamily="34" charset="0"/>
-                        <a:cs typeface="Times New Roman" panose="02020603050405020304" pitchFamily="18" charset="0"/>
-                      </a:endParaRPr>
-                    </a:p>
-                  </a:txBody>
-                  <a:tcPr marL="39098" marR="39098" marT="0" marB="0"/>
-                </a:tc>
-              </a:tr>
-              <a:tr h="1063787">
-                <a:tc>
-                  <a:txBody>
-                    <a:bodyPr/>
-                    <a:lstStyle/>
-                    <a:p>
-                      <a:pPr marL="0" marR="0">
-                        <a:lnSpc>
-                          <a:spcPct val="107000"/>
-                        </a:lnSpc>
-                        <a:spcBef>
-                          <a:spcPts val="300"/>
-                        </a:spcBef>
-                        <a:spcAft>
-                          <a:spcPts val="600"/>
-                        </a:spcAft>
-                        <a:tabLst>
-                          <a:tab pos="720090" algn="dec"/>
-                        </a:tabLst>
-                      </a:pPr>
-                      <a:r>
-                        <a:rPr lang="en-US" sz="2000" dirty="0" err="1">
-                          <a:effectLst/>
-                        </a:rPr>
-                        <a:t>Wildfly</a:t>
-                      </a:r>
-                      <a:r>
-                        <a:rPr lang="en-US" sz="2000" dirty="0">
-                          <a:effectLst/>
-                        </a:rPr>
-                        <a:t> Application Server</a:t>
-                      </a:r>
-                      <a:endParaRPr lang="en-US" sz="1800" dirty="0">
-                        <a:effectLst/>
-                        <a:latin typeface="Calibri" panose="020F0502020204030204" pitchFamily="34" charset="0"/>
-                        <a:ea typeface="Calibri" panose="020F0502020204030204" pitchFamily="34" charset="0"/>
-                        <a:cs typeface="Times New Roman" panose="02020603050405020304" pitchFamily="18" charset="0"/>
-                      </a:endParaRPr>
-                    </a:p>
-                  </a:txBody>
-                  <a:tcPr marL="39098" marR="39098" marT="0" marB="0"/>
-                </a:tc>
-                <a:tc>
-                  <a:txBody>
-                    <a:bodyPr/>
-                    <a:lstStyle/>
-                    <a:p>
-                      <a:pPr marL="0" marR="0">
-                        <a:lnSpc>
-                          <a:spcPct val="107000"/>
-                        </a:lnSpc>
-                        <a:spcBef>
-                          <a:spcPts val="300"/>
-                        </a:spcBef>
-                        <a:spcAft>
-                          <a:spcPts val="600"/>
-                        </a:spcAft>
-                        <a:tabLst>
-                          <a:tab pos="720090" algn="dec"/>
-                        </a:tabLst>
-                      </a:pPr>
-                      <a:r>
-                        <a:rPr lang="en-US" sz="2000" dirty="0">
-                          <a:effectLst/>
-                        </a:rPr>
-                        <a:t>Application server which hosts the CBTLS Web application</a:t>
-                      </a:r>
-                      <a:endParaRPr lang="en-US" sz="1800" dirty="0">
-                        <a:effectLst/>
-                        <a:latin typeface="Calibri" panose="020F0502020204030204" pitchFamily="34" charset="0"/>
-                        <a:ea typeface="Calibri" panose="020F0502020204030204" pitchFamily="34" charset="0"/>
-                        <a:cs typeface="Times New Roman" panose="02020603050405020304" pitchFamily="18" charset="0"/>
-                      </a:endParaRPr>
-                    </a:p>
-                  </a:txBody>
-                  <a:tcPr marL="39098" marR="39098" marT="0" marB="0"/>
-                </a:tc>
-              </a:tr>
-              <a:tr h="1063787">
-                <a:tc>
-                  <a:txBody>
-                    <a:bodyPr/>
-                    <a:lstStyle/>
-                    <a:p>
-                      <a:pPr marL="0" marR="0">
-                        <a:lnSpc>
-                          <a:spcPct val="107000"/>
-                        </a:lnSpc>
-                        <a:spcBef>
-                          <a:spcPts val="300"/>
-                        </a:spcBef>
-                        <a:spcAft>
-                          <a:spcPts val="600"/>
-                        </a:spcAft>
-                        <a:tabLst>
-                          <a:tab pos="720090" algn="dec"/>
-                        </a:tabLst>
-                      </a:pPr>
-                      <a:r>
-                        <a:rPr lang="en-US" sz="2000" dirty="0">
-                          <a:effectLst/>
-                        </a:rPr>
-                        <a:t>Spring security</a:t>
-                      </a:r>
-                      <a:endParaRPr lang="en-US" sz="1800" dirty="0">
-                        <a:effectLst/>
-                        <a:latin typeface="Calibri" panose="020F0502020204030204" pitchFamily="34" charset="0"/>
-                        <a:ea typeface="Calibri" panose="020F0502020204030204" pitchFamily="34" charset="0"/>
-                        <a:cs typeface="Times New Roman" panose="02020603050405020304" pitchFamily="18" charset="0"/>
-                      </a:endParaRPr>
-                    </a:p>
-                  </a:txBody>
-                  <a:tcPr marL="39098" marR="39098" marT="0" marB="0"/>
-                </a:tc>
-                <a:tc>
-                  <a:txBody>
-                    <a:bodyPr/>
-                    <a:lstStyle/>
-                    <a:p>
-                      <a:pPr marL="0" marR="0">
-                        <a:lnSpc>
-                          <a:spcPct val="107000"/>
-                        </a:lnSpc>
-                        <a:spcBef>
-                          <a:spcPts val="300"/>
-                        </a:spcBef>
-                        <a:spcAft>
-                          <a:spcPts val="600"/>
-                        </a:spcAft>
-                        <a:tabLst>
-                          <a:tab pos="720090" algn="dec"/>
-                        </a:tabLst>
-                      </a:pPr>
-                      <a:r>
-                        <a:rPr lang="en-US" sz="2000" dirty="0">
-                          <a:effectLst/>
-                        </a:rPr>
-                        <a:t>A component in Spring framework, integrated to CBTLS to handle user authentication related security tasks easily</a:t>
-                      </a:r>
-                      <a:endParaRPr lang="en-US" sz="1800" dirty="0">
-                        <a:effectLst/>
-                        <a:latin typeface="Calibri" panose="020F0502020204030204" pitchFamily="34" charset="0"/>
-                        <a:ea typeface="Calibri" panose="020F0502020204030204" pitchFamily="34" charset="0"/>
-                        <a:cs typeface="Times New Roman" panose="02020603050405020304" pitchFamily="18" charset="0"/>
-                      </a:endParaRPr>
-                    </a:p>
-                  </a:txBody>
-                  <a:tcPr marL="39098" marR="39098" marT="0" marB="0"/>
-                </a:tc>
-              </a:tr>
-            </a:tbl>
-          </a:graphicData>
-        </a:graphic>
-      </p:graphicFrame>
-    </p:spTree>
-    <p:extLst>
-      <p:ext uri="{BB962C8B-B14F-4D97-AF65-F5344CB8AC3E}">
-        <p14:creationId xmlns:p14="http://schemas.microsoft.com/office/powerpoint/2010/main" val="2186316326"/>
-      </p:ext>
-    </p:extLst>
-  </p:cSld>
-  <p:clrMapOvr>
-    <a:masterClrMapping/>
-  </p:clrMapOvr>
-  <p:timing>
-    <p:tnLst>
-      <p:par>
-        <p:cTn id="1" dur="indefinite" restart="never" nodeType="tmRoot"/>
-      </p:par>
-    </p:tnLst>
-  </p:timing>
-</p:sld>
-</file>
-
-<file path=ppt/slides/slide21.xml><?xml version="1.0" encoding="utf-8"?>
-<p:sld xmlns:a="http://schemas.openxmlformats.org/drawingml/2006/main" xmlns:r="http://schemas.openxmlformats.org/officeDocument/2006/relationships" xmlns:p="http://schemas.openxmlformats.org/presentationml/2006/main" showMasterSp="0">
-  <p:cSld>
-    <p:bg>
-      <p:bgPr>
-        <a:solidFill>
-          <a:schemeClr val="bg1"/>
-        </a:solidFill>
-        <a:effectLst/>
-      </p:bgPr>
-    </p:bg>
-    <p:spTree>
-      <p:nvGrpSpPr>
-        <p:cNvPr id="1" name=""/>
-        <p:cNvGrpSpPr/>
-        <p:nvPr/>
-      </p:nvGrpSpPr>
-      <p:grpSpPr>
-        <a:xfrm>
-          <a:off x="0" y="0"/>
-          <a:ext cx="0" cy="0"/>
-          <a:chOff x="0" y="0"/>
-          <a:chExt cx="0" cy="0"/>
-        </a:xfrm>
-      </p:grpSpPr>
-      <p:graphicFrame>
-        <p:nvGraphicFramePr>
-          <p:cNvPr id="4" name="Table 3"/>
-          <p:cNvGraphicFramePr>
-            <a:graphicFrameLocks noGrp="1"/>
-          </p:cNvGraphicFramePr>
-          <p:nvPr>
-            <p:extLst>
-              <p:ext uri="{D42A27DB-BD31-4B8C-83A1-F6EECF244321}">
-                <p14:modId xmlns:p14="http://schemas.microsoft.com/office/powerpoint/2010/main" val="977567300"/>
-              </p:ext>
-            </p:extLst>
-          </p:nvPr>
-        </p:nvGraphicFramePr>
-        <p:xfrm>
-          <a:off x="157162" y="228600"/>
-          <a:ext cx="8631237" cy="6273802"/>
-        </p:xfrm>
-        <a:graphic>
-          <a:graphicData uri="http://schemas.openxmlformats.org/drawingml/2006/table">
-            <a:tbl>
-              <a:tblPr firstRow="1" firstCol="1" bandRow="1">
-                <a:tableStyleId>{5C22544A-7EE6-4342-B048-85BDC9FD1C3A}</a:tableStyleId>
-              </a:tblPr>
-              <a:tblGrid>
-                <a:gridCol w="2189035"/>
-                <a:gridCol w="6442202"/>
-              </a:tblGrid>
-              <a:tr h="864278">
-                <a:tc>
-                  <a:txBody>
-                    <a:bodyPr/>
-                    <a:lstStyle/>
-                    <a:p>
-                      <a:pPr marL="0" marR="0" algn="ctr">
-                        <a:lnSpc>
-                          <a:spcPct val="107000"/>
-                        </a:lnSpc>
-                        <a:spcBef>
-                          <a:spcPts val="300"/>
-                        </a:spcBef>
-                        <a:spcAft>
-                          <a:spcPts val="0"/>
-                        </a:spcAft>
-                        <a:tabLst>
-                          <a:tab pos="720090" algn="dec"/>
-                        </a:tabLst>
-                      </a:pPr>
-                      <a:r>
-                        <a:rPr lang="en-US" sz="2000" dirty="0">
-                          <a:effectLst/>
-                        </a:rPr>
-                        <a:t>Component</a:t>
-                      </a:r>
-                      <a:endParaRPr lang="en-US" sz="1800" b="1" dirty="0">
-                        <a:solidFill>
-                          <a:srgbClr val="2E74B5"/>
-                        </a:solidFill>
-                        <a:effectLst/>
-                        <a:latin typeface="Calibri" panose="020F0502020204030204" pitchFamily="34" charset="0"/>
-                        <a:ea typeface="Times New Roman" panose="02020603050405020304" pitchFamily="18" charset="0"/>
-                        <a:cs typeface="Times New Roman" panose="02020603050405020304" pitchFamily="18" charset="0"/>
-                      </a:endParaRPr>
-                    </a:p>
-                  </a:txBody>
-                  <a:tcPr marL="39098" marR="39098" marT="0" marB="0"/>
-                </a:tc>
-                <a:tc>
-                  <a:txBody>
-                    <a:bodyPr/>
-                    <a:lstStyle/>
-                    <a:p>
-                      <a:pPr marL="0" marR="0" algn="ctr">
-                        <a:lnSpc>
-                          <a:spcPct val="107000"/>
-                        </a:lnSpc>
-                        <a:spcBef>
-                          <a:spcPts val="300"/>
-                        </a:spcBef>
-                        <a:spcAft>
-                          <a:spcPts val="0"/>
-                        </a:spcAft>
-                        <a:tabLst>
-                          <a:tab pos="720090" algn="dec"/>
-                        </a:tabLst>
-                      </a:pPr>
-                      <a:r>
-                        <a:rPr lang="en-US" sz="2000" dirty="0">
-                          <a:effectLst/>
-                        </a:rPr>
-                        <a:t>Description</a:t>
-                      </a:r>
-                      <a:endParaRPr lang="en-US" sz="1800" b="1" dirty="0">
-                        <a:solidFill>
-                          <a:srgbClr val="2E74B5"/>
-                        </a:solidFill>
-                        <a:effectLst/>
-                        <a:latin typeface="Calibri" panose="020F0502020204030204" pitchFamily="34" charset="0"/>
-                        <a:ea typeface="Times New Roman" panose="02020603050405020304" pitchFamily="18" charset="0"/>
-                        <a:cs typeface="Times New Roman" panose="02020603050405020304" pitchFamily="18" charset="0"/>
-                      </a:endParaRPr>
-                    </a:p>
-                  </a:txBody>
-                  <a:tcPr marL="39098" marR="39098" marT="0" marB="0"/>
-                </a:tc>
-              </a:tr>
-              <a:tr h="1088444">
-                <a:tc>
-                  <a:txBody>
-                    <a:bodyPr/>
-                    <a:lstStyle/>
-                    <a:p>
-                      <a:pPr marL="0" marR="0">
-                        <a:lnSpc>
-                          <a:spcPct val="107000"/>
-                        </a:lnSpc>
-                        <a:spcBef>
-                          <a:spcPts val="300"/>
-                        </a:spcBef>
-                        <a:spcAft>
-                          <a:spcPts val="600"/>
-                        </a:spcAft>
-                        <a:tabLst>
-                          <a:tab pos="720090" algn="dec"/>
-                        </a:tabLst>
-                      </a:pPr>
-                      <a:r>
-                        <a:rPr lang="en-US" sz="2000" dirty="0">
-                          <a:effectLst/>
-                        </a:rPr>
-                        <a:t>Spring Core container</a:t>
-                      </a:r>
-                      <a:endParaRPr lang="en-US" sz="1800" dirty="0">
-                        <a:effectLst/>
-                        <a:latin typeface="Calibri" panose="020F0502020204030204" pitchFamily="34" charset="0"/>
-                        <a:ea typeface="Calibri" panose="020F0502020204030204" pitchFamily="34" charset="0"/>
-                        <a:cs typeface="Times New Roman" panose="02020603050405020304" pitchFamily="18" charset="0"/>
-                      </a:endParaRPr>
-                    </a:p>
-                  </a:txBody>
-                  <a:tcPr marL="39098" marR="39098" marT="0" marB="0"/>
-                </a:tc>
-                <a:tc>
-                  <a:txBody>
-                    <a:bodyPr/>
-                    <a:lstStyle/>
-                    <a:p>
-                      <a:pPr marL="0" marR="0">
-                        <a:lnSpc>
-                          <a:spcPct val="107000"/>
-                        </a:lnSpc>
-                        <a:spcBef>
-                          <a:spcPts val="300"/>
-                        </a:spcBef>
-                        <a:spcAft>
-                          <a:spcPts val="600"/>
-                        </a:spcAft>
-                        <a:tabLst>
-                          <a:tab pos="720090" algn="dec"/>
-                        </a:tabLst>
-                      </a:pPr>
-                      <a:r>
-                        <a:rPr lang="en-US" sz="2000" dirty="0">
-                          <a:effectLst/>
-                        </a:rPr>
-                        <a:t>Included in CBTLS to handle Inversion of Control and dependency Injection and for the integration of Spring MVC, spring security and spring hibernate support.</a:t>
-                      </a:r>
-                      <a:endParaRPr lang="en-US" sz="1800" dirty="0">
-                        <a:effectLst/>
-                        <a:latin typeface="Calibri" panose="020F0502020204030204" pitchFamily="34" charset="0"/>
-                        <a:ea typeface="Calibri" panose="020F0502020204030204" pitchFamily="34" charset="0"/>
-                        <a:cs typeface="Times New Roman" panose="02020603050405020304" pitchFamily="18" charset="0"/>
-                      </a:endParaRPr>
-                    </a:p>
-                  </a:txBody>
-                  <a:tcPr marL="39098" marR="39098" marT="0" marB="0"/>
-                </a:tc>
-              </a:tr>
-              <a:tr h="1088444">
-                <a:tc>
-                  <a:txBody>
-                    <a:bodyPr/>
-                    <a:lstStyle/>
-                    <a:p>
-                      <a:pPr marL="0" marR="0">
-                        <a:lnSpc>
-                          <a:spcPct val="107000"/>
-                        </a:lnSpc>
-                        <a:spcBef>
-                          <a:spcPts val="300"/>
-                        </a:spcBef>
-                        <a:spcAft>
-                          <a:spcPts val="600"/>
-                        </a:spcAft>
-                        <a:tabLst>
-                          <a:tab pos="720090" algn="dec"/>
-                        </a:tabLst>
-                      </a:pPr>
-                      <a:r>
-                        <a:rPr lang="en-US" sz="2000">
-                          <a:effectLst/>
-                        </a:rPr>
-                        <a:t>Spring MVC</a:t>
-                      </a:r>
-                      <a:endParaRPr lang="en-US" sz="1800">
-                        <a:effectLst/>
-                        <a:latin typeface="Calibri" panose="020F0502020204030204" pitchFamily="34" charset="0"/>
-                        <a:ea typeface="Calibri" panose="020F0502020204030204" pitchFamily="34" charset="0"/>
-                        <a:cs typeface="Times New Roman" panose="02020603050405020304" pitchFamily="18" charset="0"/>
-                      </a:endParaRPr>
-                    </a:p>
-                  </a:txBody>
-                  <a:tcPr marL="39098" marR="39098" marT="0" marB="0"/>
-                </a:tc>
-                <a:tc>
-                  <a:txBody>
-                    <a:bodyPr/>
-                    <a:lstStyle/>
-                    <a:p>
-                      <a:pPr marL="0" marR="0">
-                        <a:lnSpc>
-                          <a:spcPct val="107000"/>
-                        </a:lnSpc>
-                        <a:spcBef>
-                          <a:spcPts val="300"/>
-                        </a:spcBef>
-                        <a:spcAft>
-                          <a:spcPts val="600"/>
-                        </a:spcAft>
-                        <a:tabLst>
-                          <a:tab pos="720090" algn="dec"/>
-                        </a:tabLst>
-                      </a:pPr>
-                      <a:r>
-                        <a:rPr lang="en-US" sz="2000" dirty="0">
-                          <a:effectLst/>
-                        </a:rPr>
-                        <a:t>Included in CBTLS to separate presentation layer from business logic, so it will be able to cater both mobile and web clients, or any other client</a:t>
-                      </a:r>
-                      <a:endParaRPr lang="en-US" sz="1800" dirty="0">
-                        <a:effectLst/>
-                        <a:latin typeface="Calibri" panose="020F0502020204030204" pitchFamily="34" charset="0"/>
-                        <a:ea typeface="Calibri" panose="020F0502020204030204" pitchFamily="34" charset="0"/>
-                        <a:cs typeface="Times New Roman" panose="02020603050405020304" pitchFamily="18" charset="0"/>
-                      </a:endParaRPr>
-                    </a:p>
-                  </a:txBody>
-                  <a:tcPr marL="39098" marR="39098" marT="0" marB="0"/>
-                </a:tc>
-              </a:tr>
-              <a:tr h="1088444">
-                <a:tc>
-                  <a:txBody>
-                    <a:bodyPr/>
-                    <a:lstStyle/>
-                    <a:p>
-                      <a:pPr marL="0" marR="0">
-                        <a:lnSpc>
-                          <a:spcPct val="107000"/>
-                        </a:lnSpc>
-                        <a:spcBef>
-                          <a:spcPts val="300"/>
-                        </a:spcBef>
-                        <a:spcAft>
-                          <a:spcPts val="600"/>
-                        </a:spcAft>
-                        <a:tabLst>
-                          <a:tab pos="720090" algn="dec"/>
-                        </a:tabLst>
-                      </a:pPr>
-                      <a:r>
-                        <a:rPr lang="en-US" sz="2000">
-                          <a:effectLst/>
-                        </a:rPr>
-                        <a:t>Spring hibernate support</a:t>
-                      </a:r>
-                      <a:endParaRPr lang="en-US" sz="1800">
-                        <a:effectLst/>
-                        <a:latin typeface="Calibri" panose="020F0502020204030204" pitchFamily="34" charset="0"/>
-                        <a:ea typeface="Calibri" panose="020F0502020204030204" pitchFamily="34" charset="0"/>
-                        <a:cs typeface="Times New Roman" panose="02020603050405020304" pitchFamily="18" charset="0"/>
-                      </a:endParaRPr>
-                    </a:p>
-                  </a:txBody>
-                  <a:tcPr marL="39098" marR="39098" marT="0" marB="0"/>
-                </a:tc>
-                <a:tc>
-                  <a:txBody>
-                    <a:bodyPr/>
-                    <a:lstStyle/>
-                    <a:p>
-                      <a:pPr marL="0" marR="0">
-                        <a:lnSpc>
-                          <a:spcPct val="107000"/>
-                        </a:lnSpc>
-                        <a:spcBef>
-                          <a:spcPts val="300"/>
-                        </a:spcBef>
-                        <a:spcAft>
-                          <a:spcPts val="600"/>
-                        </a:spcAft>
-                        <a:tabLst>
-                          <a:tab pos="720090" algn="dec"/>
-                        </a:tabLst>
-                      </a:pPr>
-                      <a:r>
-                        <a:rPr lang="en-US" sz="2000" dirty="0">
-                          <a:effectLst/>
-                        </a:rPr>
-                        <a:t>Used to integrate Hibernate ORM mapping framework into spring context, and also to handle database </a:t>
-                      </a:r>
-                      <a:r>
-                        <a:rPr lang="en-US" sz="1800" dirty="0">
-                          <a:effectLst/>
-                        </a:rPr>
-                        <a:t>transactions</a:t>
-                      </a:r>
-                      <a:r>
-                        <a:rPr lang="en-US" sz="2000" dirty="0">
-                          <a:effectLst/>
-                        </a:rPr>
-                        <a:t> automatically</a:t>
-                      </a:r>
-                      <a:endParaRPr lang="en-US" sz="1800" dirty="0">
-                        <a:effectLst/>
-                        <a:latin typeface="Calibri" panose="020F0502020204030204" pitchFamily="34" charset="0"/>
-                        <a:ea typeface="Calibri" panose="020F0502020204030204" pitchFamily="34" charset="0"/>
-                        <a:cs typeface="Times New Roman" panose="02020603050405020304" pitchFamily="18" charset="0"/>
-                      </a:endParaRPr>
-                    </a:p>
-                  </a:txBody>
-                  <a:tcPr marL="39098" marR="39098" marT="0" marB="0"/>
-                </a:tc>
-              </a:tr>
-              <a:tr h="351916">
-                <a:tc>
-                  <a:txBody>
-                    <a:bodyPr/>
-                    <a:lstStyle/>
-                    <a:p>
-                      <a:pPr marL="0" marR="0">
-                        <a:lnSpc>
-                          <a:spcPct val="107000"/>
-                        </a:lnSpc>
-                        <a:spcBef>
-                          <a:spcPts val="300"/>
-                        </a:spcBef>
-                        <a:spcAft>
-                          <a:spcPts val="600"/>
-                        </a:spcAft>
-                        <a:tabLst>
-                          <a:tab pos="720090" algn="dec"/>
-                        </a:tabLst>
-                      </a:pPr>
-                      <a:r>
-                        <a:rPr lang="en-US" sz="2000">
-                          <a:effectLst/>
-                        </a:rPr>
-                        <a:t>Hibernate</a:t>
-                      </a:r>
-                      <a:endParaRPr lang="en-US" sz="1800">
-                        <a:effectLst/>
-                        <a:latin typeface="Calibri" panose="020F0502020204030204" pitchFamily="34" charset="0"/>
-                        <a:ea typeface="Calibri" panose="020F0502020204030204" pitchFamily="34" charset="0"/>
-                        <a:cs typeface="Times New Roman" panose="02020603050405020304" pitchFamily="18" charset="0"/>
-                      </a:endParaRPr>
-                    </a:p>
-                  </a:txBody>
-                  <a:tcPr marL="39098" marR="39098" marT="0" marB="0"/>
-                </a:tc>
-                <a:tc>
-                  <a:txBody>
-                    <a:bodyPr/>
-                    <a:lstStyle/>
-                    <a:p>
-                      <a:pPr marL="0" marR="0">
-                        <a:lnSpc>
-                          <a:spcPct val="107000"/>
-                        </a:lnSpc>
-                        <a:spcBef>
-                          <a:spcPts val="300"/>
-                        </a:spcBef>
-                        <a:spcAft>
-                          <a:spcPts val="600"/>
-                        </a:spcAft>
-                        <a:tabLst>
-                          <a:tab pos="720090" algn="dec"/>
-                        </a:tabLst>
-                      </a:pPr>
-                      <a:r>
-                        <a:rPr lang="en-US" sz="2000" dirty="0">
-                          <a:effectLst/>
-                        </a:rPr>
-                        <a:t>Used as an ORM tool and database access</a:t>
-                      </a:r>
-                      <a:endParaRPr lang="en-US" sz="1800" dirty="0">
-                        <a:effectLst/>
-                        <a:latin typeface="Calibri" panose="020F0502020204030204" pitchFamily="34" charset="0"/>
-                        <a:ea typeface="Calibri" panose="020F0502020204030204" pitchFamily="34" charset="0"/>
-                        <a:cs typeface="Times New Roman" panose="02020603050405020304" pitchFamily="18" charset="0"/>
-                      </a:endParaRPr>
-                    </a:p>
-                  </a:txBody>
-                  <a:tcPr marL="39098" marR="39098" marT="0" marB="0"/>
-                </a:tc>
-              </a:tr>
-              <a:tr h="720180">
-                <a:tc>
-                  <a:txBody>
-                    <a:bodyPr/>
-                    <a:lstStyle/>
-                    <a:p>
-                      <a:pPr marL="0" marR="0">
-                        <a:lnSpc>
-                          <a:spcPct val="107000"/>
-                        </a:lnSpc>
-                        <a:spcBef>
-                          <a:spcPts val="300"/>
-                        </a:spcBef>
-                        <a:spcAft>
-                          <a:spcPts val="600"/>
-                        </a:spcAft>
-                        <a:tabLst>
-                          <a:tab pos="720090" algn="dec"/>
-                        </a:tabLst>
-                      </a:pPr>
-                      <a:r>
-                        <a:rPr lang="en-US" sz="2000">
-                          <a:effectLst/>
-                        </a:rPr>
-                        <a:t>Bootstrap/CSS</a:t>
-                      </a:r>
-                      <a:endParaRPr lang="en-US" sz="1800">
-                        <a:effectLst/>
-                        <a:latin typeface="Calibri" panose="020F0502020204030204" pitchFamily="34" charset="0"/>
-                        <a:ea typeface="Calibri" panose="020F0502020204030204" pitchFamily="34" charset="0"/>
-                        <a:cs typeface="Times New Roman" panose="02020603050405020304" pitchFamily="18" charset="0"/>
-                      </a:endParaRPr>
-                    </a:p>
-                  </a:txBody>
-                  <a:tcPr marL="39098" marR="39098" marT="0" marB="0"/>
-                </a:tc>
-                <a:tc>
-                  <a:txBody>
-                    <a:bodyPr/>
-                    <a:lstStyle/>
-                    <a:p>
-                      <a:pPr marL="0" marR="0">
-                        <a:lnSpc>
-                          <a:spcPct val="107000"/>
-                        </a:lnSpc>
-                        <a:spcBef>
-                          <a:spcPts val="300"/>
-                        </a:spcBef>
-                        <a:spcAft>
-                          <a:spcPts val="600"/>
-                        </a:spcAft>
-                        <a:tabLst>
-                          <a:tab pos="720090" algn="dec"/>
-                        </a:tabLst>
-                      </a:pPr>
-                      <a:r>
-                        <a:rPr lang="en-US" sz="2000" dirty="0">
-                          <a:effectLst/>
-                        </a:rPr>
-                        <a:t>To style the UI and maintain consistent look and feel across different browsers</a:t>
-                      </a:r>
-                      <a:endParaRPr lang="en-US" sz="1800" dirty="0">
-                        <a:effectLst/>
-                        <a:latin typeface="Calibri" panose="020F0502020204030204" pitchFamily="34" charset="0"/>
-                        <a:ea typeface="Calibri" panose="020F0502020204030204" pitchFamily="34" charset="0"/>
-                        <a:cs typeface="Times New Roman" panose="02020603050405020304" pitchFamily="18" charset="0"/>
-                      </a:endParaRPr>
-                    </a:p>
-                  </a:txBody>
-                  <a:tcPr marL="39098" marR="39098" marT="0" marB="0"/>
-                </a:tc>
-              </a:tr>
-              <a:tr h="720180">
-                <a:tc>
-                  <a:txBody>
-                    <a:bodyPr/>
-                    <a:lstStyle/>
-                    <a:p>
-                      <a:pPr marL="0" marR="0">
-                        <a:lnSpc>
-                          <a:spcPct val="107000"/>
-                        </a:lnSpc>
-                        <a:spcBef>
-                          <a:spcPts val="300"/>
-                        </a:spcBef>
-                        <a:spcAft>
-                          <a:spcPts val="600"/>
-                        </a:spcAft>
-                        <a:tabLst>
-                          <a:tab pos="720090" algn="dec"/>
-                        </a:tabLst>
-                      </a:pPr>
-                      <a:r>
-                        <a:rPr lang="en-US" sz="2000" dirty="0">
-                          <a:effectLst/>
-                        </a:rPr>
-                        <a:t>JSP/</a:t>
-                      </a:r>
-                      <a:r>
-                        <a:rPr lang="en-US" sz="2000" dirty="0" err="1">
-                          <a:effectLst/>
-                        </a:rPr>
-                        <a:t>Javascript</a:t>
-                      </a:r>
-                      <a:r>
-                        <a:rPr lang="en-US" sz="2000" dirty="0">
-                          <a:effectLst/>
-                        </a:rPr>
-                        <a:t>/jQuery</a:t>
-                      </a:r>
-                      <a:endParaRPr lang="en-US" sz="1800" dirty="0">
-                        <a:effectLst/>
-                        <a:latin typeface="Calibri" panose="020F0502020204030204" pitchFamily="34" charset="0"/>
-                        <a:ea typeface="Calibri" panose="020F0502020204030204" pitchFamily="34" charset="0"/>
-                        <a:cs typeface="Times New Roman" panose="02020603050405020304" pitchFamily="18" charset="0"/>
-                      </a:endParaRPr>
-                    </a:p>
-                  </a:txBody>
-                  <a:tcPr marL="39098" marR="39098" marT="0" marB="0"/>
-                </a:tc>
-                <a:tc>
-                  <a:txBody>
-                    <a:bodyPr/>
-                    <a:lstStyle/>
-                    <a:p>
-                      <a:pPr marL="0" marR="0">
-                        <a:lnSpc>
-                          <a:spcPct val="107000"/>
-                        </a:lnSpc>
-                        <a:spcBef>
-                          <a:spcPts val="300"/>
-                        </a:spcBef>
-                        <a:spcAft>
-                          <a:spcPts val="600"/>
-                        </a:spcAft>
-                        <a:tabLst>
-                          <a:tab pos="720090" algn="dec"/>
-                        </a:tabLst>
-                      </a:pPr>
-                      <a:r>
-                        <a:rPr lang="en-US" sz="2000" dirty="0">
-                          <a:effectLst/>
-                        </a:rPr>
-                        <a:t>To view and modify data from client’s web browser</a:t>
-                      </a:r>
-                      <a:endParaRPr lang="en-US" sz="1800" dirty="0">
-                        <a:effectLst/>
-                        <a:latin typeface="Calibri" panose="020F0502020204030204" pitchFamily="34" charset="0"/>
-                        <a:ea typeface="Calibri" panose="020F0502020204030204" pitchFamily="34" charset="0"/>
-                        <a:cs typeface="Times New Roman" panose="02020603050405020304" pitchFamily="18" charset="0"/>
-                      </a:endParaRPr>
-                    </a:p>
-                  </a:txBody>
-                  <a:tcPr marL="39098" marR="39098" marT="0" marB="0"/>
-                </a:tc>
-              </a:tr>
-              <a:tr h="351916">
-                <a:tc>
-                  <a:txBody>
-                    <a:bodyPr/>
-                    <a:lstStyle/>
-                    <a:p>
-                      <a:pPr marL="0" marR="0">
-                        <a:lnSpc>
-                          <a:spcPct val="107000"/>
-                        </a:lnSpc>
-                        <a:spcBef>
-                          <a:spcPts val="300"/>
-                        </a:spcBef>
-                        <a:spcAft>
-                          <a:spcPts val="600"/>
-                        </a:spcAft>
-                        <a:tabLst>
-                          <a:tab pos="720090" algn="dec"/>
-                        </a:tabLst>
-                      </a:pPr>
-                      <a:r>
-                        <a:rPr lang="en-US" sz="2000">
-                          <a:effectLst/>
-                        </a:rPr>
-                        <a:t>MySQL</a:t>
-                      </a:r>
-                      <a:endParaRPr lang="en-US" sz="1800">
-                        <a:effectLst/>
-                        <a:latin typeface="Calibri" panose="020F0502020204030204" pitchFamily="34" charset="0"/>
-                        <a:ea typeface="Calibri" panose="020F0502020204030204" pitchFamily="34" charset="0"/>
-                        <a:cs typeface="Times New Roman" panose="02020603050405020304" pitchFamily="18" charset="0"/>
-                      </a:endParaRPr>
-                    </a:p>
-                  </a:txBody>
-                  <a:tcPr marL="39098" marR="39098" marT="0" marB="0"/>
-                </a:tc>
-                <a:tc>
-                  <a:txBody>
-                    <a:bodyPr/>
-                    <a:lstStyle/>
-                    <a:p>
-                      <a:pPr marL="0" marR="0">
-                        <a:lnSpc>
-                          <a:spcPct val="107000"/>
-                        </a:lnSpc>
-                        <a:spcBef>
-                          <a:spcPts val="300"/>
-                        </a:spcBef>
-                        <a:spcAft>
-                          <a:spcPts val="600"/>
-                        </a:spcAft>
-                        <a:tabLst>
-                          <a:tab pos="720090" algn="dec"/>
-                        </a:tabLst>
-                      </a:pPr>
-                      <a:r>
-                        <a:rPr lang="en-US" sz="2000" dirty="0">
-                          <a:effectLst/>
-                        </a:rPr>
-                        <a:t>Relational database to store CBTLS data</a:t>
-                      </a:r>
-                      <a:endParaRPr lang="en-US" sz="1800" dirty="0">
-                        <a:effectLst/>
-                        <a:latin typeface="Calibri" panose="020F0502020204030204" pitchFamily="34" charset="0"/>
-                        <a:ea typeface="Calibri" panose="020F0502020204030204" pitchFamily="34" charset="0"/>
-                        <a:cs typeface="Times New Roman" panose="02020603050405020304" pitchFamily="18" charset="0"/>
-                      </a:endParaRPr>
-                    </a:p>
-                  </a:txBody>
-                  <a:tcPr marL="39098" marR="39098" marT="0" marB="0"/>
-                </a:tc>
-              </a:tr>
-            </a:tbl>
-          </a:graphicData>
-        </a:graphic>
-      </p:graphicFrame>
-    </p:spTree>
-    <p:extLst>
-      <p:ext uri="{BB962C8B-B14F-4D97-AF65-F5344CB8AC3E}">
-        <p14:creationId xmlns:p14="http://schemas.microsoft.com/office/powerpoint/2010/main" val="2407011406"/>
-      </p:ext>
-    </p:extLst>
-  </p:cSld>
-  <p:clrMapOvr>
-    <a:masterClrMapping/>
-  </p:clrMapOvr>
-</p:sld>
-</file>
-
-<file path=ppt/slides/slide22.xml><?xml version="1.0" encoding="utf-8"?>
-<p:sld xmlns:a="http://schemas.openxmlformats.org/drawingml/2006/main" xmlns:r="http://schemas.openxmlformats.org/officeDocument/2006/relationships" xmlns:p="http://schemas.openxmlformats.org/presentationml/2006/main">
-  <p:cSld>
-    <p:spTree>
-      <p:nvGrpSpPr>
-        <p:cNvPr id="1" name=""/>
-        <p:cNvGrpSpPr/>
-        <p:nvPr/>
-      </p:nvGrpSpPr>
-      <p:grpSpPr>
-        <a:xfrm>
-          <a:off x="0" y="0"/>
-          <a:ext cx="0" cy="0"/>
-          <a:chOff x="0" y="0"/>
-          <a:chExt cx="0" cy="0"/>
-        </a:xfrm>
-      </p:grpSpPr>
-      <p:sp>
-        <p:nvSpPr>
-          <p:cNvPr id="2" name="Title 1"/>
-          <p:cNvSpPr>
-            <a:spLocks noGrp="1"/>
-          </p:cNvSpPr>
-          <p:nvPr>
-            <p:ph type="title"/>
-          </p:nvPr>
-        </p:nvSpPr>
-        <p:spPr>
-          <a:xfrm>
-            <a:off x="982132" y="88901"/>
-            <a:ext cx="7704667" cy="749299"/>
-          </a:xfrm>
-        </p:spPr>
-        <p:txBody>
-          <a:bodyPr>
-            <a:normAutofit/>
-          </a:bodyPr>
-          <a:lstStyle/>
-          <a:p>
-            <a:r>
-              <a:rPr lang="en-US" dirty="0"/>
-              <a:t>Design </a:t>
-            </a:r>
-            <a:r>
-              <a:rPr lang="en-US" dirty="0" smtClean="0"/>
-              <a:t>Considerations</a:t>
-            </a:r>
-            <a:endParaRPr lang="en-US" dirty="0"/>
-          </a:p>
-        </p:txBody>
-      </p:sp>
-      <p:sp>
-        <p:nvSpPr>
-          <p:cNvPr id="3" name="Content Placeholder 2"/>
-          <p:cNvSpPr>
-            <a:spLocks noGrp="1"/>
-          </p:cNvSpPr>
-          <p:nvPr>
-            <p:ph idx="1"/>
-          </p:nvPr>
-        </p:nvSpPr>
-        <p:spPr>
-          <a:xfrm>
-            <a:off x="982133" y="939800"/>
-            <a:ext cx="8161867" cy="5918200"/>
-          </a:xfrm>
-        </p:spPr>
-        <p:txBody>
-          <a:bodyPr>
-            <a:normAutofit fontScale="92500" lnSpcReduction="20000"/>
-          </a:bodyPr>
-          <a:lstStyle/>
-          <a:p>
-            <a:r>
-              <a:rPr lang="en-US" dirty="0" smtClean="0"/>
-              <a:t>UI </a:t>
-            </a:r>
-            <a:r>
-              <a:rPr lang="en-US" dirty="0"/>
-              <a:t>Considerations</a:t>
-            </a:r>
-          </a:p>
-          <a:p>
-            <a:r>
-              <a:rPr lang="en-US" dirty="0" smtClean="0"/>
-              <a:t>For </a:t>
-            </a:r>
-            <a:r>
-              <a:rPr lang="en-US" dirty="0"/>
-              <a:t>the web application </a:t>
-            </a:r>
-            <a:r>
-              <a:rPr lang="en-US" dirty="0" smtClean="0"/>
-              <a:t>– </a:t>
-            </a:r>
-          </a:p>
-          <a:p>
-            <a:pPr lvl="1"/>
-            <a:r>
-              <a:rPr lang="en-US" dirty="0" smtClean="0"/>
-              <a:t>Model </a:t>
-            </a:r>
-            <a:r>
-              <a:rPr lang="en-US" dirty="0"/>
-              <a:t>View Controller (MVC) Pattern – The Spring MVC </a:t>
-            </a:r>
-            <a:endParaRPr lang="en-US" dirty="0" smtClean="0"/>
-          </a:p>
-          <a:p>
-            <a:pPr lvl="1"/>
-            <a:r>
-              <a:rPr lang="en-US" dirty="0" smtClean="0"/>
-              <a:t>To cater both </a:t>
-            </a:r>
-            <a:r>
-              <a:rPr lang="en-US" dirty="0"/>
-              <a:t>mobile and web </a:t>
-            </a:r>
-            <a:r>
-              <a:rPr lang="en-US" dirty="0" smtClean="0"/>
-              <a:t>clients using </a:t>
-            </a:r>
-            <a:r>
-              <a:rPr lang="en-US" dirty="0"/>
-              <a:t>same </a:t>
-            </a:r>
-            <a:r>
-              <a:rPr lang="en-US" dirty="0" smtClean="0"/>
-              <a:t>services</a:t>
-            </a:r>
-          </a:p>
-          <a:p>
-            <a:r>
-              <a:rPr lang="en-US" dirty="0" smtClean="0"/>
-              <a:t>User </a:t>
-            </a:r>
-            <a:r>
-              <a:rPr lang="en-US" dirty="0"/>
-              <a:t>Language Preference </a:t>
-            </a:r>
-            <a:r>
-              <a:rPr lang="en-US" dirty="0" smtClean="0"/>
-              <a:t>- </a:t>
-            </a:r>
-            <a:r>
-              <a:rPr lang="en-US" dirty="0"/>
-              <a:t>labels shall support all three </a:t>
-            </a:r>
-            <a:r>
-              <a:rPr lang="en-US" dirty="0" smtClean="0"/>
-              <a:t>languages, linguistic </a:t>
-            </a:r>
-            <a:r>
-              <a:rPr lang="en-US" dirty="0"/>
-              <a:t>issues.</a:t>
-            </a:r>
-          </a:p>
-          <a:p>
-            <a:r>
-              <a:rPr lang="en-US" dirty="0" smtClean="0"/>
-              <a:t>Internet </a:t>
-            </a:r>
-            <a:r>
-              <a:rPr lang="en-US" dirty="0"/>
-              <a:t>Browser Support – </a:t>
-            </a:r>
-            <a:r>
-              <a:rPr lang="en-US" dirty="0" smtClean="0"/>
-              <a:t>all </a:t>
-            </a:r>
-            <a:r>
-              <a:rPr lang="en-US" dirty="0"/>
-              <a:t>the main browsers and their latest versions. </a:t>
-            </a:r>
-            <a:endParaRPr lang="en-US" dirty="0" smtClean="0"/>
-          </a:p>
-          <a:p>
-            <a:pPr lvl="1"/>
-            <a:r>
-              <a:rPr lang="en-US" dirty="0" smtClean="0"/>
-              <a:t>UI </a:t>
-            </a:r>
-            <a:r>
-              <a:rPr lang="en-US" dirty="0"/>
-              <a:t>framework </a:t>
-            </a:r>
-            <a:r>
-              <a:rPr lang="en-US" dirty="0" smtClean="0"/>
-              <a:t>bootstrap is </a:t>
-            </a:r>
-            <a:r>
-              <a:rPr lang="en-US" dirty="0"/>
-              <a:t>used.</a:t>
-            </a:r>
-          </a:p>
-          <a:p>
-            <a:r>
-              <a:rPr lang="en-US" dirty="0" smtClean="0"/>
-              <a:t>JQuery </a:t>
-            </a:r>
-            <a:r>
-              <a:rPr lang="en-US" dirty="0"/>
-              <a:t>based AJAX </a:t>
-            </a:r>
-            <a:r>
-              <a:rPr lang="en-US" dirty="0" smtClean="0"/>
-              <a:t>framework – partially update pages</a:t>
-            </a:r>
-            <a:endParaRPr lang="en-US" dirty="0"/>
-          </a:p>
-          <a:p>
-            <a:r>
-              <a:rPr lang="en-US" dirty="0" smtClean="0"/>
-              <a:t>Segregate </a:t>
-            </a:r>
-            <a:r>
-              <a:rPr lang="en-US" dirty="0"/>
-              <a:t>Look and Theme – </a:t>
-            </a:r>
-            <a:r>
-              <a:rPr lang="en-US" dirty="0" smtClean="0"/>
-              <a:t> </a:t>
-            </a:r>
-            <a:r>
-              <a:rPr lang="en-US" dirty="0"/>
-              <a:t>CSS (cascaded style sheet) for storing font, </a:t>
-            </a:r>
-            <a:r>
-              <a:rPr lang="en-US" dirty="0" err="1"/>
-              <a:t>colour</a:t>
-            </a:r>
-            <a:r>
-              <a:rPr lang="en-US" dirty="0"/>
-              <a:t>, table styles etc. </a:t>
-            </a:r>
-            <a:endParaRPr lang="en-US" dirty="0" smtClean="0"/>
-          </a:p>
-          <a:p>
-            <a:r>
-              <a:rPr lang="en-US" dirty="0" smtClean="0"/>
-              <a:t>Mobile application </a:t>
-            </a:r>
-            <a:r>
-              <a:rPr lang="en-US" dirty="0"/>
-              <a:t>– </a:t>
-            </a:r>
-            <a:endParaRPr lang="en-US" dirty="0" smtClean="0"/>
-          </a:p>
-          <a:p>
-            <a:pPr lvl="1"/>
-            <a:r>
-              <a:rPr lang="en-US" dirty="0" smtClean="0"/>
-              <a:t>support </a:t>
-            </a:r>
-            <a:r>
-              <a:rPr lang="en-US" dirty="0"/>
-              <a:t>earliest possible android </a:t>
-            </a:r>
-            <a:r>
-              <a:rPr lang="en-US" dirty="0" smtClean="0"/>
-              <a:t>version</a:t>
-            </a:r>
-          </a:p>
-          <a:p>
-            <a:pPr lvl="1"/>
-            <a:r>
-              <a:rPr lang="en-US" dirty="0" smtClean="0"/>
-              <a:t>Support for standard </a:t>
-            </a:r>
-            <a:r>
-              <a:rPr lang="en-US" dirty="0"/>
-              <a:t>screen sizes </a:t>
-            </a:r>
-          </a:p>
-          <a:p>
-            <a:endParaRPr lang="en-US" dirty="0"/>
-          </a:p>
-        </p:txBody>
-      </p:sp>
-    </p:spTree>
-    <p:extLst>
-      <p:ext uri="{BB962C8B-B14F-4D97-AF65-F5344CB8AC3E}">
-        <p14:creationId xmlns:p14="http://schemas.microsoft.com/office/powerpoint/2010/main" val="826740372"/>
-      </p:ext>
-    </p:extLst>
-  </p:cSld>
-  <p:clrMapOvr>
-    <a:masterClrMapping/>
-  </p:clrMapOvr>
-</p:sld>
-</file>
-
 <file path=ppt/slides/slide23.xml><?xml version="1.0" encoding="utf-8"?>
 <p:sld xmlns:a="http://schemas.openxmlformats.org/drawingml/2006/main" xmlns:r="http://schemas.openxmlformats.org/officeDocument/2006/relationships" xmlns:p="http://schemas.openxmlformats.org/presentationml/2006/main">
   <p:cSld>
@@ -10978,8 +10051,8 @@
         </p:nvSpPr>
         <p:spPr>
           <a:xfrm>
-            <a:off x="982133" y="114301"/>
-            <a:ext cx="7704667" cy="482599"/>
+            <a:off x="982133" y="128789"/>
+            <a:ext cx="7704667" cy="940157"/>
           </a:xfrm>
         </p:spPr>
         <p:txBody>
@@ -10990,13 +10063,8 @@
           <a:p>
             <a:r>
               <a:rPr lang="en-US" dirty="0"/>
-              <a:t>Design </a:t>
-            </a:r>
-            <a:r>
-              <a:rPr lang="en-US" dirty="0" smtClean="0"/>
-              <a:t>Considerations – Cont.</a:t>
-            </a:r>
-            <a:endParaRPr lang="en-US" dirty="0"/>
+              <a:t>Implementing CBTLS for real time information</a:t>
+            </a:r>
           </a:p>
         </p:txBody>
       </p:sp>
@@ -11012,143 +10080,61 @@
         </p:nvSpPr>
         <p:spPr>
           <a:xfrm>
-            <a:off x="982133" y="596900"/>
-            <a:ext cx="8161867" cy="6261100"/>
+            <a:off x="982133" y="1313645"/>
+            <a:ext cx="7704667" cy="5177307"/>
           </a:xfrm>
         </p:spPr>
         <p:txBody>
-          <a:bodyPr>
-            <a:normAutofit fontScale="92500" lnSpcReduction="10000"/>
-          </a:bodyPr>
+          <a:bodyPr/>
           <a:lstStyle/>
           <a:p>
             <a:r>
-              <a:rPr lang="en-US" dirty="0"/>
-              <a:t>Data Model Design</a:t>
+              <a:rPr lang="en-US" dirty="0" smtClean="0"/>
+              <a:t>Implementation </a:t>
+            </a:r>
+            <a:r>
+              <a:rPr lang="en-US" dirty="0"/>
+              <a:t>Plan for demonstration purpose</a:t>
+            </a:r>
+          </a:p>
+          <a:p>
+            <a:r>
+              <a:rPr lang="en-US" dirty="0" smtClean="0"/>
+              <a:t>Master Data Integration – </a:t>
             </a:r>
           </a:p>
           <a:p>
             <a:pPr lvl="1"/>
             <a:r>
               <a:rPr lang="en-US" dirty="0" smtClean="0"/>
-              <a:t>The </a:t>
-            </a:r>
-            <a:r>
-              <a:rPr lang="en-US" dirty="0"/>
-              <a:t>physical data model is done considering MySQL database.</a:t>
+              <a:t>A separate module was added to the system to integrate master data in to the system, by accessing the remote web service provided by ICTA</a:t>
             </a:r>
           </a:p>
           <a:p>
             <a:pPr lvl="1"/>
             <a:r>
               <a:rPr lang="en-US" dirty="0" smtClean="0"/>
-              <a:t>The </a:t>
-            </a:r>
-            <a:r>
-              <a:rPr lang="en-US" dirty="0"/>
-              <a:t>model has assumed soft deletion of entities compared to hard delete.</a:t>
+              <a:t>Periodic synchronization (every Sunday at 12 midnight) is enabled to ensure data remains up to date, using scheduled task</a:t>
+            </a:r>
+          </a:p>
+          <a:p>
+            <a:r>
+              <a:rPr lang="en-US" dirty="0" smtClean="0"/>
+              <a:t>User data generation – </a:t>
             </a:r>
           </a:p>
           <a:p>
             <a:pPr lvl="1"/>
             <a:r>
               <a:rPr lang="en-US" dirty="0" smtClean="0"/>
-              <a:t>Relational database model is selected for the convenient of data analysis using </a:t>
-            </a:r>
-            <a:r>
-              <a:rPr lang="en-US" dirty="0" err="1" smtClean="0"/>
-              <a:t>weka</a:t>
-            </a:r>
-            <a:endParaRPr lang="en-US" dirty="0" smtClean="0"/>
-          </a:p>
-          <a:p>
-            <a:r>
-              <a:rPr lang="en-US" dirty="0"/>
-              <a:t>Transaction and rollback</a:t>
+              <a:t>Since the system is required to be updated by general public, till the system goes online, data is not available</a:t>
             </a:r>
           </a:p>
           <a:p>
             <a:pPr lvl="1"/>
             <a:r>
-              <a:rPr lang="en-US" dirty="0"/>
-              <a:t>Connections will be fetched from connection pool in Business layer and passed as parameter to DAO layer. </a:t>
-            </a:r>
-            <a:endParaRPr lang="en-US" dirty="0" smtClean="0"/>
-          </a:p>
-          <a:p>
-            <a:r>
-              <a:rPr lang="en-US" dirty="0" smtClean="0"/>
-              <a:t>Concurrent access </a:t>
-            </a:r>
-          </a:p>
-          <a:p>
-            <a:pPr lvl="1"/>
-            <a:r>
-              <a:rPr lang="en-US" dirty="0" smtClean="0"/>
-              <a:t>optimistic </a:t>
-            </a:r>
-            <a:r>
-              <a:rPr lang="en-US" dirty="0"/>
-              <a:t>locking of database records.</a:t>
-            </a:r>
-          </a:p>
-          <a:p>
-            <a:r>
-              <a:rPr lang="en-US" dirty="0" smtClean="0"/>
-              <a:t>Clustering </a:t>
-            </a:r>
-            <a:r>
-              <a:rPr lang="en-US" dirty="0"/>
-              <a:t>support</a:t>
-            </a:r>
-          </a:p>
-          <a:p>
-            <a:pPr lvl="1"/>
-            <a:r>
-              <a:rPr lang="en-US" dirty="0"/>
-              <a:t>Business classes are stateless and </a:t>
-            </a:r>
-            <a:r>
-              <a:rPr lang="en-US" dirty="0" smtClean="0"/>
-              <a:t>singleton to support session </a:t>
-            </a:r>
-            <a:r>
-              <a:rPr lang="en-US" dirty="0"/>
-              <a:t>affinity capabilities of the </a:t>
-            </a:r>
-            <a:r>
-              <a:rPr lang="en-US" dirty="0" smtClean="0"/>
-              <a:t>load-balancer.</a:t>
-            </a:r>
-            <a:endParaRPr lang="en-US" dirty="0"/>
-          </a:p>
-          <a:p>
-            <a:r>
-              <a:rPr lang="en-US" dirty="0" smtClean="0"/>
-              <a:t>Logging </a:t>
-            </a:r>
-            <a:r>
-              <a:rPr lang="en-US" dirty="0"/>
-              <a:t>Facilities</a:t>
-            </a:r>
-          </a:p>
-          <a:p>
-            <a:pPr lvl="1"/>
-            <a:r>
-              <a:rPr lang="en-US" dirty="0"/>
-              <a:t>Log4j logging framework </a:t>
-            </a:r>
-            <a:r>
-              <a:rPr lang="en-US" dirty="0" smtClean="0"/>
-              <a:t>is integrated </a:t>
-            </a:r>
-            <a:r>
-              <a:rPr lang="en-US" dirty="0"/>
-              <a:t>to capture log into file </a:t>
-            </a:r>
-            <a:r>
-              <a:rPr lang="en-US" dirty="0" smtClean="0"/>
-              <a:t>system</a:t>
+              <a:rPr lang="en-US" dirty="0" smtClean="0"/>
+              <a:t>For the demonstration purposes, data was generated by the system </a:t>
             </a:r>
             <a:endParaRPr lang="en-US" dirty="0"/>
           </a:p>
@@ -11157,7 +10143,7 @@
     </p:spTree>
     <p:extLst>
       <p:ext uri="{BB962C8B-B14F-4D97-AF65-F5344CB8AC3E}">
-        <p14:creationId xmlns:p14="http://schemas.microsoft.com/office/powerpoint/2010/main" val="2469858711"/>
+        <p14:creationId xmlns:p14="http://schemas.microsoft.com/office/powerpoint/2010/main" val="1523987937"/>
       </p:ext>
     </p:extLst>
   </p:cSld>
@@ -11168,6 +10154,374 @@
 </file>
 
 <file path=ppt/slides/slide24.xml><?xml version="1.0" encoding="utf-8"?>
+<p:sld xmlns:a="http://schemas.openxmlformats.org/drawingml/2006/main" xmlns:r="http://schemas.openxmlformats.org/officeDocument/2006/relationships" xmlns:p="http://schemas.openxmlformats.org/presentationml/2006/main">
+  <p:cSld>
+    <p:spTree>
+      <p:nvGrpSpPr>
+        <p:cNvPr id="1" name=""/>
+        <p:cNvGrpSpPr/>
+        <p:nvPr/>
+      </p:nvGrpSpPr>
+      <p:grpSpPr>
+        <a:xfrm>
+          <a:off x="0" y="0"/>
+          <a:ext cx="0" cy="0"/>
+          <a:chOff x="0" y="0"/>
+          <a:chExt cx="0" cy="0"/>
+        </a:xfrm>
+      </p:grpSpPr>
+      <p:sp>
+        <p:nvSpPr>
+          <p:cNvPr id="2" name="Title 1"/>
+          <p:cNvSpPr>
+            <a:spLocks noGrp="1"/>
+          </p:cNvSpPr>
+          <p:nvPr>
+            <p:ph type="title"/>
+          </p:nvPr>
+        </p:nvSpPr>
+        <p:spPr>
+          <a:xfrm>
+            <a:off x="982133" y="128789"/>
+            <a:ext cx="7704667" cy="940157"/>
+          </a:xfrm>
+        </p:spPr>
+        <p:txBody>
+          <a:bodyPr>
+            <a:normAutofit fontScale="90000"/>
+          </a:bodyPr>
+          <a:lstStyle/>
+          <a:p>
+            <a:r>
+              <a:rPr lang="en-US" dirty="0"/>
+              <a:t>Implementing CBTLS for real time information</a:t>
+            </a:r>
+          </a:p>
+        </p:txBody>
+      </p:sp>
+      <p:sp>
+        <p:nvSpPr>
+          <p:cNvPr id="3" name="Content Placeholder 2"/>
+          <p:cNvSpPr>
+            <a:spLocks noGrp="1"/>
+          </p:cNvSpPr>
+          <p:nvPr>
+            <p:ph idx="1"/>
+          </p:nvPr>
+        </p:nvSpPr>
+        <p:spPr>
+          <a:xfrm>
+            <a:off x="982133" y="1313645"/>
+            <a:ext cx="7704667" cy="5177307"/>
+          </a:xfrm>
+        </p:spPr>
+        <p:txBody>
+          <a:bodyPr/>
+          <a:lstStyle/>
+          <a:p>
+            <a:r>
+              <a:rPr lang="en-US" dirty="0" smtClean="0"/>
+              <a:t>User data generation cont.– </a:t>
+            </a:r>
+          </a:p>
+          <a:p>
+            <a:r>
+              <a:rPr lang="en-US" dirty="0" smtClean="0"/>
+              <a:t>For the demonstration purpose, all train schedules available from Colombo Fort station to Ja-Ela station were selected -  20 available</a:t>
+            </a:r>
+          </a:p>
+          <a:p>
+            <a:r>
+              <a:rPr lang="en-US" dirty="0" smtClean="0"/>
+              <a:t> All the stations in between were taken – 13 stations</a:t>
+            </a:r>
+          </a:p>
+          <a:p>
+            <a:pPr lvl="1"/>
+            <a:r>
+              <a:rPr lang="en-US" dirty="0" smtClean="0"/>
+              <a:t>The geo coordinates of the  stations were taken</a:t>
+            </a:r>
+          </a:p>
+          <a:p>
+            <a:r>
+              <a:rPr lang="en-US" dirty="0" smtClean="0"/>
+              <a:t>The average duration of reaching each station from Colombo Fort Station was taken</a:t>
+            </a:r>
+          </a:p>
+          <a:p>
+            <a:r>
+              <a:rPr lang="en-US" dirty="0" smtClean="0"/>
+              <a:t>Along the rail route, at 6 additional random points, geo coordinates were taken in between each station</a:t>
+            </a:r>
+          </a:p>
+          <a:p>
+            <a:endParaRPr lang="en-US" dirty="0" smtClean="0"/>
+          </a:p>
+        </p:txBody>
+      </p:sp>
+    </p:spTree>
+    <p:extLst>
+      <p:ext uri="{BB962C8B-B14F-4D97-AF65-F5344CB8AC3E}">
+        <p14:creationId xmlns:p14="http://schemas.microsoft.com/office/powerpoint/2010/main" val="2160420713"/>
+      </p:ext>
+    </p:extLst>
+  </p:cSld>
+  <p:clrMapOvr>
+    <a:masterClrMapping/>
+  </p:clrMapOvr>
+  <p:timing>
+    <p:tnLst>
+      <p:par>
+        <p:cTn id="1" dur="indefinite" restart="never" nodeType="tmRoot"/>
+      </p:par>
+    </p:tnLst>
+  </p:timing>
+</p:sld>
+</file>
+
+<file path=ppt/slides/slide25.xml><?xml version="1.0" encoding="utf-8"?>
+<p:sld xmlns:a="http://schemas.openxmlformats.org/drawingml/2006/main" xmlns:r="http://schemas.openxmlformats.org/officeDocument/2006/relationships" xmlns:p="http://schemas.openxmlformats.org/presentationml/2006/main">
+  <p:cSld>
+    <p:spTree>
+      <p:nvGrpSpPr>
+        <p:cNvPr id="1" name=""/>
+        <p:cNvGrpSpPr/>
+        <p:nvPr/>
+      </p:nvGrpSpPr>
+      <p:grpSpPr>
+        <a:xfrm>
+          <a:off x="0" y="0"/>
+          <a:ext cx="0" cy="0"/>
+          <a:chOff x="0" y="0"/>
+          <a:chExt cx="0" cy="0"/>
+        </a:xfrm>
+      </p:grpSpPr>
+      <p:sp>
+        <p:nvSpPr>
+          <p:cNvPr id="2" name="Title 1"/>
+          <p:cNvSpPr>
+            <a:spLocks noGrp="1"/>
+          </p:cNvSpPr>
+          <p:nvPr>
+            <p:ph type="title"/>
+          </p:nvPr>
+        </p:nvSpPr>
+        <p:spPr>
+          <a:xfrm>
+            <a:off x="982133" y="128789"/>
+            <a:ext cx="7704667" cy="940157"/>
+          </a:xfrm>
+        </p:spPr>
+        <p:txBody>
+          <a:bodyPr>
+            <a:normAutofit fontScale="90000"/>
+          </a:bodyPr>
+          <a:lstStyle/>
+          <a:p>
+            <a:r>
+              <a:rPr lang="en-US" dirty="0"/>
+              <a:t>Implementing CBTLS for real time information</a:t>
+            </a:r>
+          </a:p>
+        </p:txBody>
+      </p:sp>
+      <p:pic>
+        <p:nvPicPr>
+          <p:cNvPr id="4" name="Picture 3"/>
+          <p:cNvPicPr>
+            <a:picLocks noChangeAspect="1"/>
+          </p:cNvPicPr>
+          <p:nvPr/>
+        </p:nvPicPr>
+        <p:blipFill>
+          <a:blip r:embed="rId2">
+            <a:extLst>
+              <a:ext uri="{28A0092B-C50C-407E-A947-70E740481C1C}">
+                <a14:useLocalDpi xmlns:a14="http://schemas.microsoft.com/office/drawing/2010/main" val="0"/>
+              </a:ext>
+            </a:extLst>
+          </a:blip>
+          <a:stretch>
+            <a:fillRect/>
+          </a:stretch>
+        </p:blipFill>
+        <p:spPr>
+          <a:xfrm>
+            <a:off x="167424" y="1287887"/>
+            <a:ext cx="8757635" cy="5215943"/>
+          </a:xfrm>
+          <a:prstGeom prst="rect">
+            <a:avLst/>
+          </a:prstGeom>
+        </p:spPr>
+      </p:pic>
+    </p:spTree>
+    <p:extLst>
+      <p:ext uri="{BB962C8B-B14F-4D97-AF65-F5344CB8AC3E}">
+        <p14:creationId xmlns:p14="http://schemas.microsoft.com/office/powerpoint/2010/main" val="3903414789"/>
+      </p:ext>
+    </p:extLst>
+  </p:cSld>
+  <p:clrMapOvr>
+    <a:masterClrMapping/>
+  </p:clrMapOvr>
+  <p:timing>
+    <p:tnLst>
+      <p:par>
+        <p:cTn id="1" dur="indefinite" restart="never" nodeType="tmRoot"/>
+      </p:par>
+    </p:tnLst>
+  </p:timing>
+</p:sld>
+</file>
+
+<file path=ppt/slides/slide26.xml><?xml version="1.0" encoding="utf-8"?>
+<p:sld xmlns:a="http://schemas.openxmlformats.org/drawingml/2006/main" xmlns:r="http://schemas.openxmlformats.org/officeDocument/2006/relationships" xmlns:p="http://schemas.openxmlformats.org/presentationml/2006/main">
+  <p:cSld>
+    <p:spTree>
+      <p:nvGrpSpPr>
+        <p:cNvPr id="1" name=""/>
+        <p:cNvGrpSpPr/>
+        <p:nvPr/>
+      </p:nvGrpSpPr>
+      <p:grpSpPr>
+        <a:xfrm>
+          <a:off x="0" y="0"/>
+          <a:ext cx="0" cy="0"/>
+          <a:chOff x="0" y="0"/>
+          <a:chExt cx="0" cy="0"/>
+        </a:xfrm>
+      </p:grpSpPr>
+      <p:sp>
+        <p:nvSpPr>
+          <p:cNvPr id="2" name="Title 1"/>
+          <p:cNvSpPr>
+            <a:spLocks noGrp="1"/>
+          </p:cNvSpPr>
+          <p:nvPr>
+            <p:ph type="title"/>
+          </p:nvPr>
+        </p:nvSpPr>
+        <p:spPr>
+          <a:xfrm>
+            <a:off x="879102" y="0"/>
+            <a:ext cx="7704667" cy="1191295"/>
+          </a:xfrm>
+        </p:spPr>
+        <p:txBody>
+          <a:bodyPr>
+            <a:normAutofit fontScale="90000"/>
+          </a:bodyPr>
+          <a:lstStyle/>
+          <a:p>
+            <a:r>
+              <a:rPr lang="en-US" dirty="0"/>
+              <a:t>Implementing CBTLS for real time information</a:t>
+            </a:r>
+          </a:p>
+        </p:txBody>
+      </p:sp>
+      <p:sp>
+        <p:nvSpPr>
+          <p:cNvPr id="3" name="Content Placeholder 2"/>
+          <p:cNvSpPr>
+            <a:spLocks noGrp="1"/>
+          </p:cNvSpPr>
+          <p:nvPr>
+            <p:ph idx="1"/>
+          </p:nvPr>
+        </p:nvSpPr>
+        <p:spPr>
+          <a:xfrm>
+            <a:off x="982133" y="1191295"/>
+            <a:ext cx="7704667" cy="5299657"/>
+          </a:xfrm>
+        </p:spPr>
+        <p:txBody>
+          <a:bodyPr>
+            <a:normAutofit lnSpcReduction="10000"/>
+          </a:bodyPr>
+          <a:lstStyle/>
+          <a:p>
+            <a:r>
+              <a:rPr lang="en-US" dirty="0" smtClean="0"/>
+              <a:t>Using above data, for the 20 train schedules available between </a:t>
+            </a:r>
+            <a:r>
+              <a:rPr lang="en-US" dirty="0"/>
+              <a:t>Colombo Fort station to Ja-Ela </a:t>
+            </a:r>
+            <a:r>
+              <a:rPr lang="en-US" dirty="0" smtClean="0"/>
+              <a:t>station, system generated data which should be input by user</a:t>
+            </a:r>
+          </a:p>
+          <a:p>
+            <a:r>
+              <a:rPr lang="en-US" dirty="0" smtClean="0"/>
+              <a:t>To generate information – 156 random user accounts were used</a:t>
+            </a:r>
+          </a:p>
+          <a:p>
+            <a:r>
+              <a:rPr lang="en-US" dirty="0" smtClean="0"/>
+              <a:t>Data was generated </a:t>
+            </a:r>
+            <a:r>
+              <a:rPr lang="en-US" dirty="0"/>
+              <a:t>for period of 2016-03-01  to </a:t>
+            </a:r>
+            <a:r>
+              <a:rPr lang="en-US" dirty="0" smtClean="0"/>
+              <a:t>2016-04-04</a:t>
+            </a:r>
+          </a:p>
+          <a:p>
+            <a:r>
+              <a:rPr lang="en-US" dirty="0" smtClean="0"/>
+              <a:t>Data was generated as if user actively updated train location, for 20 selected schedules for all the selected points of train route</a:t>
+            </a:r>
+          </a:p>
+          <a:p>
+            <a:r>
+              <a:rPr lang="en-US" dirty="0" smtClean="0"/>
+              <a:t>No of train schedule turns generated :- 700</a:t>
+            </a:r>
+          </a:p>
+          <a:p>
+            <a:r>
+              <a:rPr lang="en-US" dirty="0" smtClean="0"/>
+              <a:t>No of train schedule turn location updates generated </a:t>
+            </a:r>
+            <a:r>
+              <a:rPr lang="en-US" dirty="0"/>
+              <a:t>:- 58806</a:t>
+            </a:r>
+          </a:p>
+        </p:txBody>
+      </p:sp>
+    </p:spTree>
+    <p:extLst>
+      <p:ext uri="{BB962C8B-B14F-4D97-AF65-F5344CB8AC3E}">
+        <p14:creationId xmlns:p14="http://schemas.microsoft.com/office/powerpoint/2010/main" val="2402219483"/>
+      </p:ext>
+    </p:extLst>
+  </p:cSld>
+  <p:clrMapOvr>
+    <a:masterClrMapping/>
+  </p:clrMapOvr>
+  <p:timing>
+    <p:tnLst>
+      <p:par>
+        <p:cTn id="1" dur="indefinite" restart="never" nodeType="tmRoot"/>
+      </p:par>
+    </p:tnLst>
+  </p:timing>
+</p:sld>
+</file>
+
+<file path=ppt/slides/slide27.xml><?xml version="1.0" encoding="utf-8"?>
 <p:sld xmlns:a="http://schemas.openxmlformats.org/drawingml/2006/main" xmlns:r="http://schemas.openxmlformats.org/officeDocument/2006/relationships" xmlns:p="http://schemas.openxmlformats.org/presentationml/2006/main" showMasterSp="0">
   <p:cSld>
     <p:bg>
@@ -11226,354 +10580,13 @@
   <p:clrMapOvr>
     <a:masterClrMapping/>
   </p:clrMapOvr>
-</p:sld>
-</file>
-
-<file path=ppt/slides/slide25.xml><?xml version="1.0" encoding="utf-8"?>
-<p:sld xmlns:a="http://schemas.openxmlformats.org/drawingml/2006/main" xmlns:r="http://schemas.openxmlformats.org/officeDocument/2006/relationships" xmlns:p="http://schemas.openxmlformats.org/presentationml/2006/main">
-  <p:cSld>
-    <p:spTree>
-      <p:nvGrpSpPr>
-        <p:cNvPr id="1" name=""/>
-        <p:cNvGrpSpPr/>
-        <p:nvPr/>
-      </p:nvGrpSpPr>
-      <p:grpSpPr>
-        <a:xfrm>
-          <a:off x="0" y="0"/>
-          <a:ext cx="0" cy="0"/>
-          <a:chOff x="0" y="0"/>
-          <a:chExt cx="0" cy="0"/>
-        </a:xfrm>
-      </p:grpSpPr>
-      <p:sp>
-        <p:nvSpPr>
-          <p:cNvPr id="4" name="Content Placeholder 3"/>
-          <p:cNvSpPr>
-            <a:spLocks noGrp="1"/>
-          </p:cNvSpPr>
-          <p:nvPr>
-            <p:ph idx="1"/>
-          </p:nvPr>
-        </p:nvSpPr>
-        <p:spPr>
-          <a:xfrm>
-            <a:off x="1020233" y="1333500"/>
-            <a:ext cx="7704667" cy="3332816"/>
-          </a:xfrm>
-          <a:prstGeom prst="rect">
-            <a:avLst/>
-          </a:prstGeom>
-        </p:spPr>
-        <p:txBody>
-          <a:bodyPr>
-            <a:spAutoFit/>
-          </a:bodyPr>
-          <a:lstStyle/>
-          <a:p>
-            <a:pPr algn="just">
-              <a:lnSpc>
-                <a:spcPct val="150000"/>
-              </a:lnSpc>
-              <a:spcBef>
-                <a:spcPts val="600"/>
-              </a:spcBef>
-              <a:spcAft>
-                <a:spcPts val="600"/>
-              </a:spcAft>
-            </a:pPr>
-            <a:r>
-              <a:rPr lang="en-US" dirty="0">
-                <a:latin typeface="Times New Roman" panose="02020603050405020304" pitchFamily="18" charset="0"/>
-                <a:ea typeface="Calibri" panose="020F0502020204030204" pitchFamily="34" charset="0"/>
-              </a:rPr>
-              <a:t>Apache2  – Proxy Server running as the load balancer</a:t>
-            </a:r>
-          </a:p>
-          <a:p>
-            <a:pPr algn="just">
-              <a:lnSpc>
-                <a:spcPct val="150000"/>
-              </a:lnSpc>
-              <a:spcBef>
-                <a:spcPts val="600"/>
-              </a:spcBef>
-              <a:spcAft>
-                <a:spcPts val="600"/>
-              </a:spcAft>
-            </a:pPr>
-            <a:r>
-              <a:rPr lang="en-US" dirty="0" err="1">
-                <a:latin typeface="Times New Roman" panose="02020603050405020304" pitchFamily="18" charset="0"/>
-                <a:ea typeface="Calibri" panose="020F0502020204030204" pitchFamily="34" charset="0"/>
-              </a:rPr>
-              <a:t>Wildfly</a:t>
-            </a:r>
-            <a:r>
-              <a:rPr lang="en-US" dirty="0">
-                <a:latin typeface="Times New Roman" panose="02020603050405020304" pitchFamily="18" charset="0"/>
-                <a:ea typeface="Calibri" panose="020F0502020204030204" pitchFamily="34" charset="0"/>
-              </a:rPr>
-              <a:t> Application Server – Hosts the CBTLS application </a:t>
-            </a:r>
-          </a:p>
-          <a:p>
-            <a:pPr algn="just">
-              <a:lnSpc>
-                <a:spcPct val="150000"/>
-              </a:lnSpc>
-              <a:spcBef>
-                <a:spcPts val="600"/>
-              </a:spcBef>
-              <a:spcAft>
-                <a:spcPts val="600"/>
-              </a:spcAft>
-            </a:pPr>
-            <a:r>
-              <a:rPr lang="en-US" dirty="0">
-                <a:latin typeface="Times New Roman" panose="02020603050405020304" pitchFamily="18" charset="0"/>
-                <a:ea typeface="Calibri" panose="020F0502020204030204" pitchFamily="34" charset="0"/>
-              </a:rPr>
-              <a:t>MySQL database – Database service which stores the CBTLS application data.</a:t>
-            </a:r>
-            <a:endParaRPr lang="en-US" dirty="0">
-              <a:effectLst/>
-              <a:latin typeface="Times New Roman" panose="02020603050405020304" pitchFamily="18" charset="0"/>
-              <a:ea typeface="Calibri" panose="020F0502020204030204" pitchFamily="34" charset="0"/>
-            </a:endParaRPr>
-          </a:p>
-        </p:txBody>
-      </p:sp>
-      <p:sp>
-        <p:nvSpPr>
-          <p:cNvPr id="5" name="Rectangle 4"/>
-          <p:cNvSpPr/>
-          <p:nvPr/>
-        </p:nvSpPr>
-        <p:spPr>
-          <a:xfrm>
-            <a:off x="1020233" y="272534"/>
-            <a:ext cx="7659789" cy="584775"/>
-          </a:xfrm>
-          <a:prstGeom prst="rect">
-            <a:avLst/>
-          </a:prstGeom>
-        </p:spPr>
-        <p:txBody>
-          <a:bodyPr wrap="none">
-            <a:spAutoFit/>
-          </a:bodyPr>
-          <a:lstStyle/>
-          <a:p>
-            <a:r>
-              <a:rPr lang="en-US" sz="3200" dirty="0">
-                <a:latin typeface="Calibri" panose="020F0502020204030204" pitchFamily="34" charset="0"/>
-                <a:ea typeface="Calibri" panose="020F0502020204030204" pitchFamily="34" charset="0"/>
-                <a:cs typeface="Times New Roman" panose="02020603050405020304" pitchFamily="18" charset="0"/>
-              </a:rPr>
-              <a:t>CBTLS Web Application Deployment Diagram</a:t>
-            </a:r>
-            <a:endParaRPr lang="en-US" sz="3200" dirty="0"/>
-          </a:p>
-        </p:txBody>
-      </p:sp>
-    </p:spTree>
-    <p:extLst>
-      <p:ext uri="{BB962C8B-B14F-4D97-AF65-F5344CB8AC3E}">
-        <p14:creationId xmlns:p14="http://schemas.microsoft.com/office/powerpoint/2010/main" val="1519093270"/>
-      </p:ext>
-    </p:extLst>
-  </p:cSld>
-  <p:clrMapOvr>
-    <a:masterClrMapping/>
-  </p:clrMapOvr>
-</p:sld>
-</file>
-
-<file path=ppt/slides/slide26.xml><?xml version="1.0" encoding="utf-8"?>
-<p:sld xmlns:a="http://schemas.openxmlformats.org/drawingml/2006/main" xmlns:r="http://schemas.openxmlformats.org/officeDocument/2006/relationships" xmlns:p="http://schemas.openxmlformats.org/presentationml/2006/main">
-  <p:cSld>
-    <p:spTree>
-      <p:nvGrpSpPr>
-        <p:cNvPr id="1" name=""/>
-        <p:cNvGrpSpPr/>
-        <p:nvPr/>
-      </p:nvGrpSpPr>
-      <p:grpSpPr>
-        <a:xfrm>
-          <a:off x="0" y="0"/>
-          <a:ext cx="0" cy="0"/>
-          <a:chOff x="0" y="0"/>
-          <a:chExt cx="0" cy="0"/>
-        </a:xfrm>
-      </p:grpSpPr>
-      <p:sp>
-        <p:nvSpPr>
-          <p:cNvPr id="2" name="Title 1"/>
-          <p:cNvSpPr>
-            <a:spLocks noGrp="1"/>
-          </p:cNvSpPr>
-          <p:nvPr>
-            <p:ph type="title"/>
-          </p:nvPr>
-        </p:nvSpPr>
-        <p:spPr>
-          <a:xfrm>
-            <a:off x="982133" y="148108"/>
-            <a:ext cx="7704667" cy="650382"/>
-          </a:xfrm>
-        </p:spPr>
-        <p:txBody>
-          <a:bodyPr>
-            <a:normAutofit fontScale="90000"/>
-          </a:bodyPr>
-          <a:lstStyle/>
-          <a:p>
-            <a:r>
-              <a:rPr lang="en-US" dirty="0" smtClean="0"/>
-              <a:t>Future Work – To be implemented</a:t>
-            </a:r>
-            <a:endParaRPr lang="en-US" dirty="0"/>
-          </a:p>
-        </p:txBody>
-      </p:sp>
-      <p:sp>
-        <p:nvSpPr>
-          <p:cNvPr id="3" name="Content Placeholder 2"/>
-          <p:cNvSpPr>
-            <a:spLocks noGrp="1"/>
-          </p:cNvSpPr>
-          <p:nvPr>
-            <p:ph idx="1"/>
-          </p:nvPr>
-        </p:nvSpPr>
-        <p:spPr>
-          <a:xfrm>
-            <a:off x="982133" y="1017431"/>
-            <a:ext cx="7704667" cy="4353059"/>
-          </a:xfrm>
-        </p:spPr>
-        <p:txBody>
-          <a:bodyPr/>
-          <a:lstStyle/>
-          <a:p>
-            <a:r>
-              <a:rPr lang="en-US" dirty="0" smtClean="0"/>
-              <a:t>Integrate available components with backend service</a:t>
-            </a:r>
-          </a:p>
-          <a:p>
-            <a:r>
-              <a:rPr lang="en-US" dirty="0" smtClean="0"/>
-              <a:t>Design </a:t>
-            </a:r>
-            <a:r>
-              <a:rPr lang="en-US" dirty="0" err="1" smtClean="0"/>
-              <a:t>Andorid</a:t>
-            </a:r>
-            <a:r>
-              <a:rPr lang="en-US" dirty="0" smtClean="0"/>
-              <a:t> Mobile Application </a:t>
-            </a:r>
-            <a:r>
-              <a:rPr lang="en-US" dirty="0" err="1" smtClean="0"/>
-              <a:t>Ui</a:t>
-            </a:r>
-            <a:r>
-              <a:rPr lang="en-US" dirty="0" smtClean="0"/>
-              <a:t> s and connect with Web application REST services</a:t>
-            </a:r>
-          </a:p>
-          <a:p>
-            <a:r>
-              <a:rPr lang="en-US" dirty="0" smtClean="0"/>
-              <a:t>Generate data provided by train passengers for simulation</a:t>
-            </a:r>
-          </a:p>
-          <a:p>
-            <a:r>
-              <a:rPr lang="en-US" dirty="0" smtClean="0"/>
-              <a:t>Use </a:t>
-            </a:r>
-            <a:r>
-              <a:rPr lang="en-US" dirty="0" err="1" smtClean="0"/>
-              <a:t>weka</a:t>
-            </a:r>
-            <a:r>
-              <a:rPr lang="en-US" dirty="0" smtClean="0"/>
-              <a:t> data classification for prediction of train schedules on generated data</a:t>
-            </a:r>
-          </a:p>
-        </p:txBody>
-      </p:sp>
-    </p:spTree>
-    <p:extLst>
-      <p:ext uri="{BB962C8B-B14F-4D97-AF65-F5344CB8AC3E}">
-        <p14:creationId xmlns:p14="http://schemas.microsoft.com/office/powerpoint/2010/main" val="1944030263"/>
-      </p:ext>
-    </p:extLst>
-  </p:cSld>
-  <p:clrMapOvr>
-    <a:masterClrMapping/>
-  </p:clrMapOvr>
-</p:sld>
-</file>
-
-<file path=ppt/slides/slide27.xml><?xml version="1.0" encoding="utf-8"?>
-<p:sld xmlns:a="http://schemas.openxmlformats.org/drawingml/2006/main" xmlns:r="http://schemas.openxmlformats.org/officeDocument/2006/relationships" xmlns:p="http://schemas.openxmlformats.org/presentationml/2006/main">
-  <p:cSld>
-    <p:spTree>
-      <p:nvGrpSpPr>
-        <p:cNvPr id="1" name=""/>
-        <p:cNvGrpSpPr/>
-        <p:nvPr/>
-      </p:nvGrpSpPr>
-      <p:grpSpPr>
-        <a:xfrm>
-          <a:off x="0" y="0"/>
-          <a:ext cx="0" cy="0"/>
-          <a:chOff x="0" y="0"/>
-          <a:chExt cx="0" cy="0"/>
-        </a:xfrm>
-      </p:grpSpPr>
-      <p:sp>
-        <p:nvSpPr>
-          <p:cNvPr id="2" name="Title 1"/>
-          <p:cNvSpPr>
-            <a:spLocks noGrp="1"/>
-          </p:cNvSpPr>
-          <p:nvPr>
-            <p:ph type="title"/>
-          </p:nvPr>
-        </p:nvSpPr>
-        <p:spPr>
-          <a:xfrm>
-            <a:off x="867833" y="2146301"/>
-            <a:ext cx="7704667" cy="1981200"/>
-          </a:xfrm>
-        </p:spPr>
-        <p:txBody>
-          <a:bodyPr/>
-          <a:lstStyle/>
-          <a:p>
-            <a:r>
-              <a:rPr lang="en-US" dirty="0" smtClean="0"/>
-              <a:t>System Demonstration</a:t>
-            </a:r>
-            <a:endParaRPr lang="en-US" dirty="0"/>
-          </a:p>
-        </p:txBody>
-      </p:sp>
-    </p:spTree>
-    <p:extLst>
-      <p:ext uri="{BB962C8B-B14F-4D97-AF65-F5344CB8AC3E}">
-        <p14:creationId xmlns:p14="http://schemas.microsoft.com/office/powerpoint/2010/main" val="2946199976"/>
-      </p:ext>
-    </p:extLst>
-  </p:cSld>
-  <p:clrMapOvr>
-    <a:masterClrMapping/>
-  </p:clrMapOvr>
+  <p:timing>
+    <p:tnLst>
+      <p:par>
+        <p:cTn id="1" dur="indefinite" restart="never" nodeType="tmRoot"/>
+      </p:par>
+    </p:tnLst>
+  </p:timing>
 </p:sld>
 </file>
 
@@ -11596,264 +10609,152 @@
       </p:grpSpPr>
       <p:sp>
         <p:nvSpPr>
-          <p:cNvPr id="2" name="Title 1"/>
-          <p:cNvSpPr>
-            <a:spLocks noGrp="1"/>
-          </p:cNvSpPr>
-          <p:nvPr>
-            <p:ph type="title"/>
+          <p:cNvPr id="4" name="Content Placeholder 3"/>
+          <p:cNvSpPr>
+            <a:spLocks noGrp="1"/>
+          </p:cNvSpPr>
+          <p:nvPr>
+            <p:ph idx="1"/>
           </p:nvPr>
         </p:nvSpPr>
         <p:spPr>
           <a:xfrm>
-            <a:off x="982133" y="0"/>
-            <a:ext cx="7704667" cy="723899"/>
+            <a:off x="1020233" y="1333500"/>
+            <a:ext cx="7704667" cy="3332816"/>
           </a:xfrm>
+          <a:prstGeom prst="rect">
+            <a:avLst/>
+          </a:prstGeom>
         </p:spPr>
         <p:txBody>
-          <a:bodyPr/>
+          <a:bodyPr>
+            <a:spAutoFit/>
+          </a:bodyPr>
           <a:lstStyle/>
           <a:p>
-            <a:r>
-              <a:rPr lang="en-US" dirty="0" smtClean="0"/>
-              <a:t>References - </a:t>
-            </a:r>
-            <a:r>
-              <a:rPr lang="en-US" dirty="0" err="1" smtClean="0"/>
-              <a:t>Cont</a:t>
-            </a:r>
-            <a:endParaRPr lang="en-US" dirty="0"/>
-          </a:p>
-        </p:txBody>
-      </p:sp>
-      <p:sp>
-        <p:nvSpPr>
-          <p:cNvPr id="3" name="Content Placeholder 2"/>
-          <p:cNvSpPr>
-            <a:spLocks noGrp="1"/>
-          </p:cNvSpPr>
-          <p:nvPr>
-            <p:ph idx="1"/>
-          </p:nvPr>
+            <a:pPr algn="just">
+              <a:lnSpc>
+                <a:spcPct val="150000"/>
+              </a:lnSpc>
+              <a:spcBef>
+                <a:spcPts val="600"/>
+              </a:spcBef>
+              <a:spcAft>
+                <a:spcPts val="600"/>
+              </a:spcAft>
+            </a:pPr>
+            <a:r>
+              <a:rPr lang="en-US" dirty="0">
+                <a:latin typeface="Times New Roman" panose="02020603050405020304" pitchFamily="18" charset="0"/>
+                <a:ea typeface="Calibri" panose="020F0502020204030204" pitchFamily="34" charset="0"/>
+              </a:rPr>
+              <a:t>Apache2  – Proxy Server running as the load balancer</a:t>
+            </a:r>
+          </a:p>
+          <a:p>
+            <a:pPr algn="just">
+              <a:lnSpc>
+                <a:spcPct val="150000"/>
+              </a:lnSpc>
+              <a:spcBef>
+                <a:spcPts val="600"/>
+              </a:spcBef>
+              <a:spcAft>
+                <a:spcPts val="600"/>
+              </a:spcAft>
+            </a:pPr>
+            <a:r>
+              <a:rPr lang="en-US" dirty="0" err="1">
+                <a:latin typeface="Times New Roman" panose="02020603050405020304" pitchFamily="18" charset="0"/>
+                <a:ea typeface="Calibri" panose="020F0502020204030204" pitchFamily="34" charset="0"/>
+              </a:rPr>
+              <a:t>Wildfly</a:t>
+            </a:r>
+            <a:r>
+              <a:rPr lang="en-US" dirty="0">
+                <a:latin typeface="Times New Roman" panose="02020603050405020304" pitchFamily="18" charset="0"/>
+                <a:ea typeface="Calibri" panose="020F0502020204030204" pitchFamily="34" charset="0"/>
+              </a:rPr>
+              <a:t> Application Server – Hosts the CBTLS application </a:t>
+            </a:r>
+          </a:p>
+          <a:p>
+            <a:pPr algn="just">
+              <a:lnSpc>
+                <a:spcPct val="150000"/>
+              </a:lnSpc>
+              <a:spcBef>
+                <a:spcPts val="600"/>
+              </a:spcBef>
+              <a:spcAft>
+                <a:spcPts val="600"/>
+              </a:spcAft>
+            </a:pPr>
+            <a:r>
+              <a:rPr lang="en-US" dirty="0">
+                <a:latin typeface="Times New Roman" panose="02020603050405020304" pitchFamily="18" charset="0"/>
+                <a:ea typeface="Calibri" panose="020F0502020204030204" pitchFamily="34" charset="0"/>
+              </a:rPr>
+              <a:t>MySQL database – Database service which stores the CBTLS application data.</a:t>
+            </a:r>
+            <a:endParaRPr lang="en-US" dirty="0">
+              <a:effectLst/>
+              <a:latin typeface="Times New Roman" panose="02020603050405020304" pitchFamily="18" charset="0"/>
+              <a:ea typeface="Calibri" panose="020F0502020204030204" pitchFamily="34" charset="0"/>
+            </a:endParaRPr>
+          </a:p>
+        </p:txBody>
+      </p:sp>
+      <p:sp>
+        <p:nvSpPr>
+          <p:cNvPr id="5" name="Rectangle 4"/>
+          <p:cNvSpPr/>
+          <p:nvPr/>
         </p:nvSpPr>
         <p:spPr>
           <a:xfrm>
-            <a:off x="982133" y="723899"/>
-            <a:ext cx="8060267" cy="6019801"/>
+            <a:off x="1020233" y="272534"/>
+            <a:ext cx="7659789" cy="584775"/>
           </a:xfrm>
+          <a:prstGeom prst="rect">
+            <a:avLst/>
+          </a:prstGeom>
         </p:spPr>
         <p:txBody>
-          <a:bodyPr>
-            <a:normAutofit fontScale="62500" lnSpcReduction="20000"/>
+          <a:bodyPr wrap="none">
+            <a:spAutoFit/>
           </a:bodyPr>
           <a:lstStyle/>
           <a:p>
             <a:r>
-              <a:rPr lang="en-US" dirty="0"/>
-              <a:t>[1]	A. </a:t>
-            </a:r>
-            <a:r>
-              <a:rPr lang="en-US" dirty="0" err="1"/>
-              <a:t>Kumarage</a:t>
-            </a:r>
-            <a:r>
-              <a:rPr lang="en-US" dirty="0"/>
-              <a:t>, “Urban traffic congestion. the problem and its solutions,” 2002.</a:t>
-            </a:r>
-          </a:p>
-          <a:p>
-            <a:r>
-              <a:rPr lang="en-US" dirty="0"/>
-              <a:t>[2]	A. B. </a:t>
-            </a:r>
-            <a:r>
-              <a:rPr lang="en-US" dirty="0" err="1"/>
-              <a:t>Jayasinghe</a:t>
-            </a:r>
-            <a:r>
-              <a:rPr lang="en-US" dirty="0"/>
-              <a:t> and N. </a:t>
-            </a:r>
-            <a:r>
-              <a:rPr lang="en-US" dirty="0" err="1"/>
-              <a:t>Pathiranage</a:t>
-            </a:r>
-            <a:r>
-              <a:rPr lang="en-US" dirty="0"/>
-              <a:t>, “Centrality measures’ as a tool to identify the </a:t>
-            </a:r>
-            <a:r>
-              <a:rPr lang="en-US" dirty="0" err="1"/>
-              <a:t>transist</a:t>
-            </a:r>
-            <a:r>
-              <a:rPr lang="en-US" dirty="0"/>
-              <a:t> demand at railway stations: the case of railway network, Sri Lanka,” 2015.</a:t>
-            </a:r>
-          </a:p>
-          <a:p>
-            <a:r>
-              <a:rPr lang="en-US" dirty="0"/>
-              <a:t>[3]	“Economic and social infrastructure - Central Bank of Sri Lanka - ANNUAL REPORT 2012,” CENTRAL BANK OF SRI LANKA, ANNUAL REPORT 2012, Mar. 2013.</a:t>
-            </a:r>
-          </a:p>
-          <a:p>
-            <a:r>
-              <a:rPr lang="en-US" dirty="0"/>
-              <a:t>[4]	“Statistics, Ministry of Internal Transport,” </a:t>
-            </a:r>
-            <a:r>
-              <a:rPr lang="en-US" i="1" dirty="0"/>
-              <a:t>Ministry of Transport and Civil Aviation - Sri Lanka</a:t>
-            </a:r>
-            <a:r>
-              <a:rPr lang="en-US" dirty="0"/>
-              <a:t>, 28-Oct-2015. [Online]. Available: http://www.transport.gov.lk/web/index.php?option=com_content&amp;view=article&amp;id=141&amp;Itemid=113&amp;lang=en. [Accessed: 13-Mar-2016].</a:t>
-            </a:r>
-          </a:p>
-          <a:p>
-            <a:r>
-              <a:rPr lang="en-US" dirty="0"/>
-              <a:t>[5]	G. Bradley, International Association for Development of the Information Society, and Albert-</a:t>
-            </a:r>
-            <a:r>
-              <a:rPr lang="en-US" dirty="0" err="1"/>
-              <a:t>Ludwigs</a:t>
-            </a:r>
-            <a:r>
-              <a:rPr lang="en-US" dirty="0"/>
-              <a:t>-</a:t>
-            </a:r>
-            <a:r>
-              <a:rPr lang="en-US" dirty="0" err="1"/>
-              <a:t>Universität</a:t>
-            </a:r>
-            <a:r>
-              <a:rPr lang="en-US" dirty="0"/>
-              <a:t> Freiburg, Eds., </a:t>
-            </a:r>
-            <a:r>
-              <a:rPr lang="en-US" i="1" dirty="0"/>
-              <a:t>Proceedings of the IADIS International Conference ICT, Society and Human Beings 2010: part of the IADIS Multi Conference on Computer Science and Information Systems 2010 ; Freiburg, Germany, July 29 - 31, 2010</a:t>
-            </a:r>
-            <a:r>
-              <a:rPr lang="en-US" dirty="0"/>
-              <a:t>. </a:t>
-            </a:r>
-            <a:r>
-              <a:rPr lang="en-US" dirty="0" err="1"/>
-              <a:t>Lisboa</a:t>
-            </a:r>
-            <a:r>
-              <a:rPr lang="en-US" dirty="0"/>
-              <a:t>: IADIS Press, 2010.</a:t>
-            </a:r>
-          </a:p>
-          <a:p>
-            <a:r>
-              <a:rPr lang="en-US" dirty="0"/>
-              <a:t>[6]	S. </a:t>
-            </a:r>
-            <a:r>
-              <a:rPr lang="en-US" dirty="0" err="1"/>
-              <a:t>Rainford</a:t>
-            </a:r>
-            <a:r>
-              <a:rPr lang="en-US" dirty="0"/>
-              <a:t>, “e-Sri Lanka: An integrated approach to e-government case study,” </a:t>
-            </a:r>
-            <a:r>
-              <a:rPr lang="en-US" i="1" dirty="0"/>
-              <a:t>Reg. Dev. Dialogue</a:t>
-            </a:r>
-            <a:r>
-              <a:rPr lang="en-US" dirty="0"/>
-              <a:t>, vol. 27, no. 2, pp. 209–218, 2006.</a:t>
-            </a:r>
-          </a:p>
-          <a:p>
-            <a:r>
-              <a:rPr lang="en-US" dirty="0"/>
-              <a:t>[7]	ICTA, “Sri Lanka Railways - Train Schedule,” </a:t>
-            </a:r>
-            <a:r>
-              <a:rPr lang="en-US" i="1" dirty="0"/>
-              <a:t>Sri Lanka Railways</a:t>
-            </a:r>
-            <a:r>
-              <a:rPr lang="en-US" dirty="0"/>
-              <a:t>, 2011. [Online]. Available: http://eservices.railway.gov.lk/schedule. [Accessed: 13-Mar-2016].</a:t>
-            </a:r>
-          </a:p>
-          <a:p>
-            <a:r>
-              <a:rPr lang="en-US" dirty="0"/>
-              <a:t>[8]	G. </a:t>
-            </a:r>
-            <a:r>
-              <a:rPr lang="en-US" dirty="0" err="1"/>
-              <a:t>Bhashitha</a:t>
-            </a:r>
-            <a:r>
-              <a:rPr lang="en-US" dirty="0"/>
-              <a:t> </a:t>
-            </a:r>
-            <a:r>
-              <a:rPr lang="en-US" dirty="0" err="1"/>
-              <a:t>Nadun</a:t>
-            </a:r>
-            <a:r>
-              <a:rPr lang="en-US" dirty="0"/>
-              <a:t>, “Sri Lanka Train Schedule - Android Apps on Google Play,” </a:t>
-            </a:r>
-            <a:r>
-              <a:rPr lang="en-US" i="1" dirty="0"/>
-              <a:t>Google Play</a:t>
-            </a:r>
-            <a:r>
-              <a:rPr lang="en-US" dirty="0"/>
-              <a:t>, 04-Mar-2014. [Online]. Available: https://play.google.com/store/apps/details?id=lk.icta.mobile.apps.railway. [Accessed: 13-Mar-2016].</a:t>
-            </a:r>
-          </a:p>
-          <a:p>
-            <a:r>
-              <a:rPr lang="en-US" dirty="0"/>
-              <a:t>[9]	</a:t>
-            </a:r>
-            <a:r>
-              <a:rPr lang="en-US" dirty="0" err="1"/>
-              <a:t>Leelaratne</a:t>
-            </a:r>
-            <a:r>
-              <a:rPr lang="en-US" dirty="0"/>
-              <a:t>, “Train Schedules of Sri Lanka - Android Apps on Google Play,” </a:t>
-            </a:r>
-            <a:r>
-              <a:rPr lang="en-US" i="1" dirty="0"/>
-              <a:t>Google Play</a:t>
-            </a:r>
-            <a:r>
-              <a:rPr lang="en-US" dirty="0"/>
-              <a:t>, 14-Oct-2014. [Online]. Available: https://play.google.com/store/apps/details?id=com.aselalee.trainschedule. [Accessed: 13-Mar-2016</a:t>
-            </a:r>
-            <a:r>
-              <a:rPr lang="en-US" dirty="0" smtClean="0"/>
-              <a:t>].</a:t>
-            </a:r>
-            <a:endParaRPr lang="en-US" dirty="0"/>
+              <a:rPr lang="en-US" sz="3200" dirty="0">
+                <a:latin typeface="Calibri" panose="020F0502020204030204" pitchFamily="34" charset="0"/>
+                <a:ea typeface="Calibri" panose="020F0502020204030204" pitchFamily="34" charset="0"/>
+                <a:cs typeface="Times New Roman" panose="02020603050405020304" pitchFamily="18" charset="0"/>
+              </a:rPr>
+              <a:t>CBTLS Web Application Deployment Diagram</a:t>
+            </a:r>
+            <a:endParaRPr lang="en-US" sz="3200" dirty="0"/>
           </a:p>
         </p:txBody>
       </p:sp>
     </p:spTree>
     <p:extLst>
       <p:ext uri="{BB962C8B-B14F-4D97-AF65-F5344CB8AC3E}">
-        <p14:creationId xmlns:p14="http://schemas.microsoft.com/office/powerpoint/2010/main" val="3530061171"/>
+        <p14:creationId xmlns:p14="http://schemas.microsoft.com/office/powerpoint/2010/main" val="1519093270"/>
       </p:ext>
     </p:extLst>
   </p:cSld>
   <p:clrMapOvr>
     <a:masterClrMapping/>
   </p:clrMapOvr>
+  <p:timing>
+    <p:tnLst>
+      <p:par>
+        <p:cTn id="1" dur="indefinite" restart="never" nodeType="tmRoot"/>
+      </p:par>
+    </p:tnLst>
+  </p:timing>
 </p:sld>
 </file>
 
@@ -11886,17 +10787,19 @@
         </p:nvSpPr>
         <p:spPr>
           <a:xfrm>
-            <a:off x="982133" y="0"/>
-            <a:ext cx="7704667" cy="723899"/>
+            <a:off x="982132" y="135230"/>
+            <a:ext cx="7704667" cy="624624"/>
           </a:xfrm>
         </p:spPr>
         <p:txBody>
-          <a:bodyPr/>
+          <a:bodyPr>
+            <a:normAutofit fontScale="90000"/>
+          </a:bodyPr>
           <a:lstStyle/>
           <a:p>
             <a:r>
               <a:rPr lang="en-US" dirty="0" smtClean="0"/>
-              <a:t>References</a:t>
+              <a:t>System Evaluation</a:t>
             </a:r>
             <a:endParaRPr lang="en-US" dirty="0"/>
           </a:p>
@@ -11914,231 +10817,145 @@
         </p:nvSpPr>
         <p:spPr>
           <a:xfrm>
-            <a:off x="982133" y="723899"/>
-            <a:ext cx="8060267" cy="6019801"/>
+            <a:off x="982133" y="875763"/>
+            <a:ext cx="8161867" cy="5769736"/>
           </a:xfrm>
         </p:spPr>
         <p:txBody>
           <a:bodyPr>
-            <a:normAutofit fontScale="70000" lnSpcReduction="20000"/>
+            <a:normAutofit fontScale="85000" lnSpcReduction="20000"/>
           </a:bodyPr>
           <a:lstStyle/>
           <a:p>
             <a:r>
               <a:rPr lang="en-US" dirty="0" smtClean="0"/>
-              <a:t>[</a:t>
-            </a:r>
-            <a:r>
-              <a:rPr lang="en-US" dirty="0"/>
-              <a:t>10]	K. Mobiles, “Train Guide - Sri Lanka,” </a:t>
-            </a:r>
-            <a:r>
-              <a:rPr lang="en-US" i="1" dirty="0"/>
-              <a:t>Google Play</a:t>
-            </a:r>
-            <a:r>
-              <a:rPr lang="en-US" dirty="0"/>
-              <a:t>, 30-Jul-2014. [Online]. Available: https://play.google.com/store/apps/details?id=k.dw.timetable. [Accessed: 13-Mar-2016].</a:t>
-            </a:r>
-          </a:p>
-          <a:p>
-            <a:r>
-              <a:rPr lang="en-US" dirty="0"/>
-              <a:t>[11]	“Railway Traffic Optimisation System,” </a:t>
-            </a:r>
-            <a:r>
-              <a:rPr lang="en-US" i="1" dirty="0"/>
-              <a:t>Sri Lanka Railways</a:t>
-            </a:r>
-            <a:r>
-              <a:rPr lang="en-US" dirty="0"/>
-              <a:t>, 01-Aug-2014. [Online]. Available: www.slrail.info/tracking/timetable.php. [Accessed: 22-Nov-2015].</a:t>
-            </a:r>
-          </a:p>
-          <a:p>
-            <a:r>
-              <a:rPr lang="en-US" dirty="0"/>
-              <a:t>[12]	</a:t>
-            </a:r>
-            <a:r>
-              <a:rPr lang="en-US" dirty="0" err="1"/>
-              <a:t>Prasanna</a:t>
-            </a:r>
-            <a:r>
-              <a:rPr lang="en-US" dirty="0"/>
-              <a:t>, “How to search where the train is in Sri </a:t>
-            </a:r>
-            <a:r>
-              <a:rPr lang="en-US" dirty="0" err="1"/>
-              <a:t>lanka</a:t>
-            </a:r>
-            <a:r>
-              <a:rPr lang="en-US" dirty="0"/>
-              <a:t> (system to keep track of trains),” </a:t>
-            </a:r>
-            <a:r>
-              <a:rPr lang="en-US" i="1" dirty="0"/>
-              <a:t>Synergy Y</a:t>
-            </a:r>
-            <a:r>
-              <a:rPr lang="en-US" dirty="0"/>
-              <a:t>, 17-Jul-2014.</a:t>
-            </a:r>
-          </a:p>
-          <a:p>
-            <a:r>
-              <a:rPr lang="en-US" dirty="0"/>
-              <a:t>[13]	D. </a:t>
-            </a:r>
-            <a:r>
-              <a:rPr lang="en-US" dirty="0" err="1"/>
-              <a:t>Jayakody</a:t>
-            </a:r>
-            <a:r>
-              <a:rPr lang="en-US" dirty="0"/>
-              <a:t>, M. </a:t>
-            </a:r>
-            <a:r>
-              <a:rPr lang="en-US" dirty="0" err="1"/>
-              <a:t>Gunawardana</a:t>
-            </a:r>
-            <a:r>
-              <a:rPr lang="en-US" dirty="0"/>
-              <a:t>, N. W. </a:t>
-            </a:r>
-            <a:r>
-              <a:rPr lang="en-US" dirty="0" err="1"/>
-              <a:t>Surendra</a:t>
-            </a:r>
-            <a:r>
-              <a:rPr lang="en-US" dirty="0"/>
-              <a:t>, D. G. </a:t>
-            </a:r>
-            <a:r>
-              <a:rPr lang="en-US" dirty="0" err="1"/>
-              <a:t>Jayasekara</a:t>
-            </a:r>
-            <a:r>
-              <a:rPr lang="en-US" dirty="0"/>
-              <a:t>, C. </a:t>
-            </a:r>
-            <a:r>
-              <a:rPr lang="en-US" dirty="0" err="1"/>
-              <a:t>Upendra</a:t>
-            </a:r>
-            <a:r>
-              <a:rPr lang="en-US" dirty="0"/>
-              <a:t>, and R. De Silva, “GPS/GSM based train tracking system – utilizing mobile networks to support public transportation,” 2011.</a:t>
-            </a:r>
-          </a:p>
-          <a:p>
-            <a:r>
-              <a:rPr lang="en-US" dirty="0"/>
-              <a:t>[14]	N. S. </a:t>
-            </a:r>
-            <a:r>
-              <a:rPr lang="en-US" dirty="0" err="1"/>
-              <a:t>Gunasekara</a:t>
-            </a:r>
-            <a:r>
-              <a:rPr lang="en-US" dirty="0"/>
-              <a:t>, “GPS based tracking system for trains in Sri Lanka.” 07-Jan-2006.</a:t>
-            </a:r>
-          </a:p>
-          <a:p>
-            <a:r>
-              <a:rPr lang="en-US" dirty="0"/>
-              <a:t>[15]	ICTA, “Future Plans -  Information Technology,” </a:t>
-            </a:r>
-            <a:r>
-              <a:rPr lang="en-US" i="1" dirty="0"/>
-              <a:t>Sri Lanka Railways</a:t>
-            </a:r>
-            <a:r>
-              <a:rPr lang="en-US" dirty="0"/>
-              <a:t>, 11-Sep-2011. [Online]. Available: http://www.railway.gov.lk/web/index.php?option=com_content&amp;view=article&amp;id=126&amp;Itemid=180&amp;lang=en#IT. [Accessed: 13-Mar-2016].</a:t>
-            </a:r>
-          </a:p>
-          <a:p>
-            <a:r>
-              <a:rPr lang="en-US" dirty="0"/>
-              <a:t>[16]	B. </a:t>
-            </a:r>
-            <a:r>
-              <a:rPr lang="en-US" dirty="0" err="1"/>
-              <a:t>Coifman</a:t>
-            </a:r>
-            <a:r>
-              <a:rPr lang="en-US" dirty="0"/>
-              <a:t>, D. </a:t>
-            </a:r>
-            <a:r>
-              <a:rPr lang="en-US" dirty="0" err="1"/>
-              <a:t>Beymer</a:t>
-            </a:r>
-            <a:r>
-              <a:rPr lang="en-US" dirty="0"/>
-              <a:t>, P. </a:t>
-            </a:r>
-            <a:r>
-              <a:rPr lang="en-US" dirty="0" err="1"/>
-              <a:t>McLauchlan</a:t>
-            </a:r>
-            <a:r>
-              <a:rPr lang="en-US" dirty="0"/>
-              <a:t>, and J. Malik, “A real-time computer vision system for vehicle tracking and traffic surveillance,” </a:t>
-            </a:r>
-            <a:r>
-              <a:rPr lang="en-US" i="1" dirty="0"/>
-              <a:t>Transp. Res. Part C </a:t>
-            </a:r>
-            <a:r>
-              <a:rPr lang="en-US" i="1" dirty="0" err="1"/>
-              <a:t>Emerg</a:t>
-            </a:r>
-            <a:r>
-              <a:rPr lang="en-US" i="1" dirty="0"/>
-              <a:t>. Technol.</a:t>
-            </a:r>
-            <a:r>
-              <a:rPr lang="en-US" dirty="0"/>
-              <a:t>, vol. 6, no. 4, pp. 271–288, 1998.</a:t>
-            </a:r>
-          </a:p>
-          <a:p>
-            <a:r>
-              <a:rPr lang="en-US" dirty="0"/>
-              <a:t>[17]	D. J. Dailey, L. Li, T. Northwest, and others, “Video image processing to create a speed sensor,” Washington State Department of Transportation, 2000.</a:t>
-            </a:r>
-          </a:p>
-          <a:p>
-            <a:r>
-              <a:rPr lang="en-US" dirty="0"/>
-              <a:t>[18]	N. </a:t>
-            </a:r>
-            <a:r>
-              <a:rPr lang="en-US" dirty="0" err="1"/>
-              <a:t>Chadil</a:t>
-            </a:r>
-            <a:r>
-              <a:rPr lang="en-US" dirty="0"/>
-              <a:t>, A. </a:t>
-            </a:r>
-            <a:r>
-              <a:rPr lang="en-US" dirty="0" err="1"/>
-              <a:t>Russameesawang</a:t>
-            </a:r>
-            <a:r>
-              <a:rPr lang="en-US" dirty="0"/>
-              <a:t>, and P. </a:t>
-            </a:r>
-            <a:r>
-              <a:rPr lang="en-US" dirty="0" err="1"/>
-              <a:t>Keeratiwintakorn</a:t>
-            </a:r>
-            <a:r>
-              <a:rPr lang="en-US" dirty="0"/>
-              <a:t>, “Real-time tracking management system using GPS, GPRS and Google earth,” 2008, pp. 393–396.</a:t>
+              <a:t>The methodology </a:t>
+            </a:r>
+            <a:r>
+              <a:rPr lang="en-US" dirty="0"/>
+              <a:t>used here is to allow a set of selected users to use and give a feedback on system using a predefined set of question in a questionnaire. </a:t>
+            </a:r>
+            <a:endParaRPr lang="en-US" dirty="0" smtClean="0"/>
+          </a:p>
+          <a:p>
+            <a:pPr lvl="1"/>
+            <a:r>
+              <a:rPr lang="en-US" dirty="0"/>
+              <a:t>Total number of users who provided their feedback: - 17</a:t>
+            </a:r>
+            <a:endParaRPr lang="en-US" dirty="0" smtClean="0"/>
+          </a:p>
+          <a:p>
+            <a:r>
+              <a:rPr lang="en-US" dirty="0" smtClean="0"/>
+              <a:t>For </a:t>
+            </a:r>
+            <a:r>
+              <a:rPr lang="en-US" dirty="0"/>
+              <a:t>this evaluation purpose, the system was deployed in a local environment. </a:t>
+            </a:r>
+            <a:endParaRPr lang="en-US" dirty="0" smtClean="0"/>
+          </a:p>
+          <a:p>
+            <a:r>
+              <a:rPr lang="en-US" dirty="0" smtClean="0"/>
+              <a:t>Since </a:t>
+            </a:r>
+            <a:r>
+              <a:rPr lang="en-US" dirty="0"/>
+              <a:t>CBTLS consists of a mobile and a web based application, both systems were evaluated separately, using the same set of questions.</a:t>
+            </a:r>
+          </a:p>
+          <a:p>
+            <a:r>
+              <a:rPr lang="en-US" dirty="0"/>
+              <a:t>The following areas were evaluated in the system evaluation.</a:t>
+            </a:r>
+          </a:p>
+          <a:p>
+            <a:r>
+              <a:rPr lang="en-US" dirty="0" smtClean="0"/>
+              <a:t>Web </a:t>
+            </a:r>
+            <a:r>
+              <a:rPr lang="en-US" dirty="0"/>
+              <a:t>Application Evaluation</a:t>
+            </a:r>
+          </a:p>
+          <a:p>
+            <a:pPr lvl="1"/>
+            <a:r>
+              <a:rPr lang="en-US" dirty="0" smtClean="0"/>
+              <a:t>In </a:t>
+            </a:r>
+            <a:r>
+              <a:rPr lang="en-US" dirty="0"/>
+              <a:t>terms of system functionality (5 questions)</a:t>
+            </a:r>
+          </a:p>
+          <a:p>
+            <a:pPr lvl="1"/>
+            <a:r>
+              <a:rPr lang="en-US" dirty="0" smtClean="0"/>
+              <a:t>In </a:t>
+            </a:r>
+            <a:r>
+              <a:rPr lang="en-US" dirty="0"/>
+              <a:t>terms of Usability (5 questions)</a:t>
+            </a:r>
+          </a:p>
+          <a:p>
+            <a:pPr lvl="1"/>
+            <a:r>
+              <a:rPr lang="en-US" dirty="0" smtClean="0"/>
+              <a:t>In </a:t>
+            </a:r>
+            <a:r>
+              <a:rPr lang="en-US" dirty="0"/>
+              <a:t>terms of Overall Impression (5 questions)</a:t>
+            </a:r>
+          </a:p>
+          <a:p>
+            <a:r>
+              <a:rPr lang="en-US" dirty="0" smtClean="0"/>
+              <a:t>Mobile </a:t>
+            </a:r>
+            <a:r>
+              <a:rPr lang="en-US" dirty="0"/>
+              <a:t>Application Evaluation</a:t>
+            </a:r>
+          </a:p>
+          <a:p>
+            <a:pPr lvl="1"/>
+            <a:r>
+              <a:rPr lang="en-US" dirty="0" smtClean="0"/>
+              <a:t>In </a:t>
+            </a:r>
+            <a:r>
+              <a:rPr lang="en-US" dirty="0"/>
+              <a:t>terms of system functionality (5 questions)</a:t>
+            </a:r>
+          </a:p>
+          <a:p>
+            <a:pPr lvl="1"/>
+            <a:r>
+              <a:rPr lang="en-US" dirty="0" smtClean="0"/>
+              <a:t>In </a:t>
+            </a:r>
+            <a:r>
+              <a:rPr lang="en-US" dirty="0"/>
+              <a:t>terms of Usability (5 questions)</a:t>
+            </a:r>
+          </a:p>
+          <a:p>
+            <a:pPr lvl="1"/>
+            <a:r>
+              <a:rPr lang="en-US" dirty="0" smtClean="0"/>
+              <a:t>In </a:t>
+            </a:r>
+            <a:r>
+              <a:rPr lang="en-US" dirty="0"/>
+              <a:t>terms of Overall Impression (5 questions)</a:t>
             </a:r>
           </a:p>
           <a:p>
@@ -12149,13 +10966,20 @@
     </p:spTree>
     <p:extLst>
       <p:ext uri="{BB962C8B-B14F-4D97-AF65-F5344CB8AC3E}">
-        <p14:creationId xmlns:p14="http://schemas.microsoft.com/office/powerpoint/2010/main" val="427727617"/>
+        <p14:creationId xmlns:p14="http://schemas.microsoft.com/office/powerpoint/2010/main" val="2288147174"/>
       </p:ext>
     </p:extLst>
   </p:cSld>
   <p:clrMapOvr>
     <a:masterClrMapping/>
   </p:clrMapOvr>
+  <p:timing>
+    <p:tnLst>
+      <p:par>
+        <p:cTn id="1" dur="indefinite" restart="never" nodeType="tmRoot"/>
+      </p:par>
+    </p:tnLst>
+  </p:timing>
 </p:sld>
 </file>
 
@@ -12326,6 +11150,1633 @@
         </p:nvSpPr>
         <p:spPr>
           <a:xfrm>
+            <a:off x="982132" y="135230"/>
+            <a:ext cx="7704667" cy="624624"/>
+          </a:xfrm>
+        </p:spPr>
+        <p:txBody>
+          <a:bodyPr>
+            <a:normAutofit fontScale="90000"/>
+          </a:bodyPr>
+          <a:lstStyle/>
+          <a:p>
+            <a:r>
+              <a:rPr lang="en-US" dirty="0" smtClean="0"/>
+              <a:t>System Evaluation</a:t>
+            </a:r>
+            <a:endParaRPr lang="en-US" dirty="0"/>
+          </a:p>
+        </p:txBody>
+      </p:sp>
+      <p:sp>
+        <p:nvSpPr>
+          <p:cNvPr id="3" name="Content Placeholder 2"/>
+          <p:cNvSpPr>
+            <a:spLocks noGrp="1"/>
+          </p:cNvSpPr>
+          <p:nvPr>
+            <p:ph idx="1"/>
+          </p:nvPr>
+        </p:nvSpPr>
+        <p:spPr>
+          <a:xfrm>
+            <a:off x="982133" y="875763"/>
+            <a:ext cx="8161867" cy="2421229"/>
+          </a:xfrm>
+        </p:spPr>
+        <p:txBody>
+          <a:bodyPr>
+            <a:normAutofit/>
+          </a:bodyPr>
+          <a:lstStyle/>
+          <a:p>
+            <a:r>
+              <a:rPr lang="en-US" dirty="0" smtClean="0"/>
+              <a:t>For </a:t>
+            </a:r>
+            <a:r>
+              <a:rPr lang="en-US" dirty="0"/>
+              <a:t>each question on system evaluation sections, following evaluation factors were assigned.</a:t>
+            </a:r>
+          </a:p>
+          <a:p>
+            <a:pPr lvl="1"/>
+            <a:r>
+              <a:rPr lang="en-US" dirty="0"/>
+              <a:t> 1 - Very poor (1), 2 – Poor (3), 3 – Average (6), 4 - Good (8), 5 - Excellent (10</a:t>
+            </a:r>
+            <a:r>
+              <a:rPr lang="en-US" dirty="0" smtClean="0"/>
+              <a:t>)</a:t>
+            </a:r>
+          </a:p>
+          <a:p>
+            <a:pPr lvl="1"/>
+            <a:r>
+              <a:rPr lang="en-US" dirty="0"/>
+              <a:t>The critical line = 40%</a:t>
+            </a:r>
+          </a:p>
+          <a:p>
+            <a:endParaRPr lang="en-US" dirty="0"/>
+          </a:p>
+        </p:txBody>
+      </p:sp>
+      <p:pic>
+        <p:nvPicPr>
+          <p:cNvPr id="4" name="Picture 3"/>
+          <p:cNvPicPr>
+            <a:picLocks noChangeAspect="1"/>
+          </p:cNvPicPr>
+          <p:nvPr/>
+        </p:nvPicPr>
+        <p:blipFill>
+          <a:blip r:embed="rId2"/>
+          <a:stretch>
+            <a:fillRect/>
+          </a:stretch>
+        </p:blipFill>
+        <p:spPr>
+          <a:xfrm>
+            <a:off x="1859590" y="2811037"/>
+            <a:ext cx="5700309" cy="3426250"/>
+          </a:xfrm>
+          <a:prstGeom prst="rect">
+            <a:avLst/>
+          </a:prstGeom>
+        </p:spPr>
+      </p:pic>
+      <p:sp>
+        <p:nvSpPr>
+          <p:cNvPr id="5" name="Rectangle 4"/>
+          <p:cNvSpPr/>
+          <p:nvPr/>
+        </p:nvSpPr>
+        <p:spPr>
+          <a:xfrm>
+            <a:off x="3157008" y="6237287"/>
+            <a:ext cx="2847896" cy="507831"/>
+          </a:xfrm>
+          <a:prstGeom prst="rect">
+            <a:avLst/>
+          </a:prstGeom>
+        </p:spPr>
+        <p:txBody>
+          <a:bodyPr wrap="none">
+            <a:spAutoFit/>
+          </a:bodyPr>
+          <a:lstStyle/>
+          <a:p>
+            <a:pPr algn="ctr">
+              <a:lnSpc>
+                <a:spcPct val="150000"/>
+              </a:lnSpc>
+              <a:spcBef>
+                <a:spcPts val="600"/>
+              </a:spcBef>
+              <a:spcAft>
+                <a:spcPts val="1200"/>
+              </a:spcAft>
+            </a:pPr>
+            <a:r>
+              <a:rPr lang="en-US" b="1" dirty="0" smtClean="0">
+                <a:latin typeface="Times New Roman" panose="02020603050405020304" pitchFamily="18" charset="0"/>
+                <a:ea typeface="Calibri" panose="020F0502020204030204" pitchFamily="34" charset="0"/>
+              </a:rPr>
+              <a:t>Figure </a:t>
+            </a:r>
+            <a:r>
+              <a:rPr lang="en-US" b="1" dirty="0">
+                <a:latin typeface="Times New Roman" panose="02020603050405020304" pitchFamily="18" charset="0"/>
+                <a:ea typeface="Calibri" panose="020F0502020204030204" pitchFamily="34" charset="0"/>
+              </a:rPr>
+              <a:t>– Evaluation Chart</a:t>
+            </a:r>
+            <a:endParaRPr lang="en-US" b="1" dirty="0">
+              <a:effectLst/>
+              <a:latin typeface="Times New Roman" panose="02020603050405020304" pitchFamily="18" charset="0"/>
+              <a:ea typeface="Calibri" panose="020F0502020204030204" pitchFamily="34" charset="0"/>
+            </a:endParaRPr>
+          </a:p>
+        </p:txBody>
+      </p:sp>
+    </p:spTree>
+    <p:extLst>
+      <p:ext uri="{BB962C8B-B14F-4D97-AF65-F5344CB8AC3E}">
+        <p14:creationId xmlns:p14="http://schemas.microsoft.com/office/powerpoint/2010/main" val="86477827"/>
+      </p:ext>
+    </p:extLst>
+  </p:cSld>
+  <p:clrMapOvr>
+    <a:masterClrMapping/>
+  </p:clrMapOvr>
+  <p:timing>
+    <p:tnLst>
+      <p:par>
+        <p:cTn id="1" dur="indefinite" restart="never" nodeType="tmRoot"/>
+      </p:par>
+    </p:tnLst>
+  </p:timing>
+</p:sld>
+</file>
+
+<file path=ppt/slides/slide31.xml><?xml version="1.0" encoding="utf-8"?>
+<p:sld xmlns:a="http://schemas.openxmlformats.org/drawingml/2006/main" xmlns:r="http://schemas.openxmlformats.org/officeDocument/2006/relationships" xmlns:p="http://schemas.openxmlformats.org/presentationml/2006/main">
+  <p:cSld>
+    <p:spTree>
+      <p:nvGrpSpPr>
+        <p:cNvPr id="1" name=""/>
+        <p:cNvGrpSpPr/>
+        <p:nvPr/>
+      </p:nvGrpSpPr>
+      <p:grpSpPr>
+        <a:xfrm>
+          <a:off x="0" y="0"/>
+          <a:ext cx="0" cy="0"/>
+          <a:chOff x="0" y="0"/>
+          <a:chExt cx="0" cy="0"/>
+        </a:xfrm>
+      </p:grpSpPr>
+      <p:sp>
+        <p:nvSpPr>
+          <p:cNvPr id="2" name="Title 1"/>
+          <p:cNvSpPr>
+            <a:spLocks noGrp="1"/>
+          </p:cNvSpPr>
+          <p:nvPr>
+            <p:ph type="title"/>
+          </p:nvPr>
+        </p:nvSpPr>
+        <p:spPr>
+          <a:xfrm>
+            <a:off x="982133" y="0"/>
+            <a:ext cx="7704667" cy="753413"/>
+          </a:xfrm>
+        </p:spPr>
+        <p:txBody>
+          <a:bodyPr>
+            <a:normAutofit/>
+          </a:bodyPr>
+          <a:lstStyle/>
+          <a:p>
+            <a:r>
+              <a:rPr lang="en-US" dirty="0"/>
+              <a:t>Conclusion and further work</a:t>
+            </a:r>
+            <a:endParaRPr lang="en-US" dirty="0"/>
+          </a:p>
+        </p:txBody>
+      </p:sp>
+      <p:sp>
+        <p:nvSpPr>
+          <p:cNvPr id="4" name="Content Placeholder 3"/>
+          <p:cNvSpPr>
+            <a:spLocks noGrp="1"/>
+          </p:cNvSpPr>
+          <p:nvPr>
+            <p:ph idx="1"/>
+          </p:nvPr>
+        </p:nvSpPr>
+        <p:spPr>
+          <a:xfrm>
+            <a:off x="982133" y="940157"/>
+            <a:ext cx="7704667" cy="5499279"/>
+          </a:xfrm>
+        </p:spPr>
+        <p:txBody>
+          <a:bodyPr>
+            <a:normAutofit/>
+          </a:bodyPr>
+          <a:lstStyle/>
+          <a:p>
+            <a:r>
+              <a:rPr lang="en-US" dirty="0"/>
+              <a:t>This new system will provide the following information to a passenger, regarding a selected train.</a:t>
+            </a:r>
+          </a:p>
+          <a:p>
+            <a:pPr lvl="1"/>
+            <a:r>
+              <a:rPr lang="en-US" dirty="0"/>
+              <a:t>Indication if the train is available or not.</a:t>
+            </a:r>
+          </a:p>
+          <a:p>
+            <a:pPr lvl="1"/>
+            <a:r>
+              <a:rPr lang="en-US" dirty="0"/>
+              <a:t>The current position of the desired train.</a:t>
+            </a:r>
+          </a:p>
+          <a:p>
+            <a:pPr lvl="1"/>
+            <a:r>
+              <a:rPr lang="en-US" dirty="0"/>
+              <a:t>The crowd density in each compartment.</a:t>
+            </a:r>
+          </a:p>
+          <a:p>
+            <a:pPr lvl="1"/>
+            <a:r>
+              <a:rPr lang="en-US" dirty="0"/>
+              <a:t>Facility to provide the passenger’s suggestions, comments and criticisms regarding a selected train</a:t>
+            </a:r>
+          </a:p>
+          <a:p>
+            <a:pPr lvl="1"/>
+            <a:r>
+              <a:rPr lang="en-US" dirty="0"/>
+              <a:t>A location aware alarm to indicate when the desired destination is reached</a:t>
+            </a:r>
+          </a:p>
+          <a:p>
+            <a:pPr lvl="1"/>
+            <a:r>
+              <a:rPr lang="en-US" dirty="0"/>
+              <a:t>Facility to add train schedules in to a “Favorites List” for easy access</a:t>
+            </a:r>
+          </a:p>
+          <a:p>
+            <a:r>
+              <a:rPr lang="en-US" dirty="0"/>
+              <a:t>Analysis of a train schedule for administrators</a:t>
+            </a:r>
+          </a:p>
+          <a:p>
+            <a:endParaRPr lang="en-US" dirty="0"/>
+          </a:p>
+        </p:txBody>
+      </p:sp>
+    </p:spTree>
+    <p:extLst>
+      <p:ext uri="{BB962C8B-B14F-4D97-AF65-F5344CB8AC3E}">
+        <p14:creationId xmlns:p14="http://schemas.microsoft.com/office/powerpoint/2010/main" val="1944030263"/>
+      </p:ext>
+    </p:extLst>
+  </p:cSld>
+  <p:clrMapOvr>
+    <a:masterClrMapping/>
+  </p:clrMapOvr>
+  <p:timing>
+    <p:tnLst>
+      <p:par>
+        <p:cTn id="1" dur="indefinite" restart="never" nodeType="tmRoot"/>
+      </p:par>
+    </p:tnLst>
+  </p:timing>
+</p:sld>
+</file>
+
+<file path=ppt/slides/slide32.xml><?xml version="1.0" encoding="utf-8"?>
+<p:sld xmlns:a="http://schemas.openxmlformats.org/drawingml/2006/main" xmlns:r="http://schemas.openxmlformats.org/officeDocument/2006/relationships" xmlns:p="http://schemas.openxmlformats.org/presentationml/2006/main">
+  <p:cSld>
+    <p:spTree>
+      <p:nvGrpSpPr>
+        <p:cNvPr id="1" name=""/>
+        <p:cNvGrpSpPr/>
+        <p:nvPr/>
+      </p:nvGrpSpPr>
+      <p:grpSpPr>
+        <a:xfrm>
+          <a:off x="0" y="0"/>
+          <a:ext cx="0" cy="0"/>
+          <a:chOff x="0" y="0"/>
+          <a:chExt cx="0" cy="0"/>
+        </a:xfrm>
+      </p:grpSpPr>
+      <p:sp>
+        <p:nvSpPr>
+          <p:cNvPr id="2" name="Title 1"/>
+          <p:cNvSpPr>
+            <a:spLocks noGrp="1"/>
+          </p:cNvSpPr>
+          <p:nvPr>
+            <p:ph type="title"/>
+          </p:nvPr>
+        </p:nvSpPr>
+        <p:spPr>
+          <a:xfrm>
+            <a:off x="982133" y="0"/>
+            <a:ext cx="7704667" cy="740534"/>
+          </a:xfrm>
+        </p:spPr>
+        <p:txBody>
+          <a:bodyPr>
+            <a:normAutofit/>
+          </a:bodyPr>
+          <a:lstStyle/>
+          <a:p>
+            <a:r>
+              <a:rPr lang="en-US" dirty="0"/>
+              <a:t>Conclusion and further work</a:t>
+            </a:r>
+            <a:endParaRPr lang="en-US" dirty="0"/>
+          </a:p>
+        </p:txBody>
+      </p:sp>
+      <p:sp>
+        <p:nvSpPr>
+          <p:cNvPr id="4" name="Content Placeholder 3"/>
+          <p:cNvSpPr>
+            <a:spLocks noGrp="1"/>
+          </p:cNvSpPr>
+          <p:nvPr>
+            <p:ph idx="1"/>
+          </p:nvPr>
+        </p:nvSpPr>
+        <p:spPr>
+          <a:xfrm>
+            <a:off x="982133" y="740533"/>
+            <a:ext cx="7704667" cy="5853449"/>
+          </a:xfrm>
+        </p:spPr>
+        <p:txBody>
+          <a:bodyPr>
+            <a:normAutofit/>
+          </a:bodyPr>
+          <a:lstStyle/>
+          <a:p>
+            <a:r>
+              <a:rPr lang="en-US" dirty="0"/>
+              <a:t>The above features would allow passengers </a:t>
+            </a:r>
+          </a:p>
+          <a:p>
+            <a:pPr lvl="1"/>
+            <a:r>
+              <a:rPr lang="en-US" dirty="0"/>
+              <a:t>to save the waiting time at the stations for a train. </a:t>
+            </a:r>
+          </a:p>
+          <a:p>
+            <a:pPr lvl="1"/>
+            <a:r>
+              <a:rPr lang="en-US" dirty="0"/>
+              <a:t>to select an alternative method of transportation</a:t>
+            </a:r>
+          </a:p>
+          <a:p>
+            <a:pPr lvl="1"/>
+            <a:r>
+              <a:rPr lang="en-US" dirty="0"/>
+              <a:t>to use train service without hesitation – alarm clock</a:t>
+            </a:r>
+          </a:p>
+          <a:p>
+            <a:pPr lvl="1"/>
+            <a:r>
+              <a:rPr lang="en-US" dirty="0"/>
+              <a:t>To conveniently use train service</a:t>
+            </a:r>
+          </a:p>
+          <a:p>
+            <a:r>
+              <a:rPr lang="en-US" dirty="0"/>
+              <a:t>analyzed patterns of train transportation can be used to identify the points where delays </a:t>
+            </a:r>
+            <a:r>
+              <a:rPr lang="en-US" dirty="0" smtClean="0"/>
+              <a:t>occur</a:t>
+            </a:r>
+          </a:p>
+          <a:p>
+            <a:pPr lvl="1"/>
+            <a:r>
+              <a:rPr lang="en-US" dirty="0" smtClean="0"/>
+              <a:t>hence </a:t>
+            </a:r>
+            <a:r>
+              <a:rPr lang="en-US" dirty="0"/>
+              <a:t>to enhance the service</a:t>
+            </a:r>
+          </a:p>
+          <a:p>
+            <a:r>
+              <a:rPr lang="en-US" dirty="0"/>
+              <a:t>This can save many productive man hours for the country. </a:t>
+            </a:r>
+          </a:p>
+          <a:p>
+            <a:endParaRPr lang="en-US" dirty="0"/>
+          </a:p>
+        </p:txBody>
+      </p:sp>
+    </p:spTree>
+    <p:extLst>
+      <p:ext uri="{BB962C8B-B14F-4D97-AF65-F5344CB8AC3E}">
+        <p14:creationId xmlns:p14="http://schemas.microsoft.com/office/powerpoint/2010/main" val="1021770313"/>
+      </p:ext>
+    </p:extLst>
+  </p:cSld>
+  <p:clrMapOvr>
+    <a:masterClrMapping/>
+  </p:clrMapOvr>
+  <p:timing>
+    <p:tnLst>
+      <p:par>
+        <p:cTn id="1" dur="indefinite" restart="never" nodeType="tmRoot"/>
+      </p:par>
+    </p:tnLst>
+  </p:timing>
+</p:sld>
+</file>
+
+<file path=ppt/slides/slide33.xml><?xml version="1.0" encoding="utf-8"?>
+<p:sld xmlns:a="http://schemas.openxmlformats.org/drawingml/2006/main" xmlns:r="http://schemas.openxmlformats.org/officeDocument/2006/relationships" xmlns:p="http://schemas.openxmlformats.org/presentationml/2006/main">
+  <p:cSld>
+    <p:spTree>
+      <p:nvGrpSpPr>
+        <p:cNvPr id="1" name=""/>
+        <p:cNvGrpSpPr/>
+        <p:nvPr/>
+      </p:nvGrpSpPr>
+      <p:grpSpPr>
+        <a:xfrm>
+          <a:off x="0" y="0"/>
+          <a:ext cx="0" cy="0"/>
+          <a:chOff x="0" y="0"/>
+          <a:chExt cx="0" cy="0"/>
+        </a:xfrm>
+      </p:grpSpPr>
+      <p:sp>
+        <p:nvSpPr>
+          <p:cNvPr id="2" name="Title 1"/>
+          <p:cNvSpPr>
+            <a:spLocks noGrp="1"/>
+          </p:cNvSpPr>
+          <p:nvPr>
+            <p:ph type="title"/>
+          </p:nvPr>
+        </p:nvSpPr>
+        <p:spPr>
+          <a:xfrm>
+            <a:off x="982132" y="206062"/>
+            <a:ext cx="7704667" cy="779171"/>
+          </a:xfrm>
+        </p:spPr>
+        <p:txBody>
+          <a:bodyPr>
+            <a:normAutofit/>
+          </a:bodyPr>
+          <a:lstStyle/>
+          <a:p>
+            <a:r>
+              <a:rPr lang="en-US" dirty="0"/>
+              <a:t>Conclusion and further work</a:t>
+            </a:r>
+            <a:endParaRPr lang="en-US" dirty="0"/>
+          </a:p>
+        </p:txBody>
+      </p:sp>
+      <p:sp>
+        <p:nvSpPr>
+          <p:cNvPr id="4" name="Content Placeholder 3"/>
+          <p:cNvSpPr>
+            <a:spLocks noGrp="1"/>
+          </p:cNvSpPr>
+          <p:nvPr>
+            <p:ph idx="1"/>
+          </p:nvPr>
+        </p:nvSpPr>
+        <p:spPr>
+          <a:xfrm>
+            <a:off x="982133" y="779171"/>
+            <a:ext cx="7704667" cy="5904964"/>
+          </a:xfrm>
+        </p:spPr>
+        <p:txBody>
+          <a:bodyPr>
+            <a:normAutofit/>
+          </a:bodyPr>
+          <a:lstStyle/>
+          <a:p>
+            <a:r>
+              <a:rPr lang="en-US" dirty="0"/>
+              <a:t>Concerns of CBTLS </a:t>
+            </a:r>
+          </a:p>
+          <a:p>
+            <a:pPr lvl="1"/>
+            <a:r>
+              <a:rPr lang="en-US" dirty="0"/>
+              <a:t>Reliability of gathered data -  crowdsourced</a:t>
+            </a:r>
+          </a:p>
+          <a:p>
+            <a:pPr lvl="2"/>
+            <a:r>
+              <a:rPr lang="en-US" dirty="0"/>
+              <a:t> eliminated by using feedbacks from other users and data validation.</a:t>
+            </a:r>
+          </a:p>
+          <a:p>
+            <a:pPr lvl="1"/>
+            <a:r>
+              <a:rPr lang="en-US" dirty="0"/>
+              <a:t>Location awareness of the mobile application for passengers require GPS or Android's Network Location Provider activated in the mobile application. </a:t>
+            </a:r>
+          </a:p>
+          <a:p>
+            <a:pPr lvl="2"/>
+            <a:r>
+              <a:rPr lang="en-US" dirty="0"/>
+              <a:t>Both features are power consuming </a:t>
+            </a:r>
+          </a:p>
+          <a:p>
+            <a:pPr lvl="1"/>
+            <a:r>
+              <a:rPr lang="en-US" dirty="0"/>
+              <a:t>An active internet connection is required to use this application. </a:t>
+            </a:r>
+          </a:p>
+          <a:p>
+            <a:pPr lvl="2"/>
+            <a:r>
+              <a:rPr lang="en-US" dirty="0"/>
+              <a:t>Certain parts of Sri Lanka – still no complete coverage</a:t>
+            </a:r>
+          </a:p>
+          <a:p>
+            <a:pPr lvl="1"/>
+            <a:r>
+              <a:rPr lang="en-US" dirty="0"/>
+              <a:t>To cater many simultaneous users, a powerful server infrastructure is required for production deployment</a:t>
+            </a:r>
+          </a:p>
+          <a:p>
+            <a:endParaRPr lang="en-US" dirty="0"/>
+          </a:p>
+        </p:txBody>
+      </p:sp>
+    </p:spTree>
+    <p:extLst>
+      <p:ext uri="{BB962C8B-B14F-4D97-AF65-F5344CB8AC3E}">
+        <p14:creationId xmlns:p14="http://schemas.microsoft.com/office/powerpoint/2010/main" val="3890960499"/>
+      </p:ext>
+    </p:extLst>
+  </p:cSld>
+  <p:clrMapOvr>
+    <a:masterClrMapping/>
+  </p:clrMapOvr>
+  <p:timing>
+    <p:tnLst>
+      <p:par>
+        <p:cTn id="1" dur="indefinite" restart="never" nodeType="tmRoot"/>
+      </p:par>
+    </p:tnLst>
+  </p:timing>
+</p:sld>
+</file>
+
+<file path=ppt/slides/slide34.xml><?xml version="1.0" encoding="utf-8"?>
+<p:sld xmlns:a="http://schemas.openxmlformats.org/drawingml/2006/main" xmlns:r="http://schemas.openxmlformats.org/officeDocument/2006/relationships" xmlns:p="http://schemas.openxmlformats.org/presentationml/2006/main">
+  <p:cSld>
+    <p:spTree>
+      <p:nvGrpSpPr>
+        <p:cNvPr id="1" name=""/>
+        <p:cNvGrpSpPr/>
+        <p:nvPr/>
+      </p:nvGrpSpPr>
+      <p:grpSpPr>
+        <a:xfrm>
+          <a:off x="0" y="0"/>
+          <a:ext cx="0" cy="0"/>
+          <a:chOff x="0" y="0"/>
+          <a:chExt cx="0" cy="0"/>
+        </a:xfrm>
+      </p:grpSpPr>
+      <p:sp>
+        <p:nvSpPr>
+          <p:cNvPr id="2" name="Title 1"/>
+          <p:cNvSpPr>
+            <a:spLocks noGrp="1"/>
+          </p:cNvSpPr>
+          <p:nvPr>
+            <p:ph type="title"/>
+          </p:nvPr>
+        </p:nvSpPr>
+        <p:spPr>
+          <a:xfrm>
+            <a:off x="982133" y="0"/>
+            <a:ext cx="7704667" cy="727655"/>
+          </a:xfrm>
+        </p:spPr>
+        <p:txBody>
+          <a:bodyPr>
+            <a:normAutofit/>
+          </a:bodyPr>
+          <a:lstStyle/>
+          <a:p>
+            <a:r>
+              <a:rPr lang="en-US" dirty="0"/>
+              <a:t>Conclusion and further work</a:t>
+            </a:r>
+            <a:endParaRPr lang="en-US" dirty="0"/>
+          </a:p>
+        </p:txBody>
+      </p:sp>
+      <p:sp>
+        <p:nvSpPr>
+          <p:cNvPr id="4" name="Content Placeholder 3"/>
+          <p:cNvSpPr>
+            <a:spLocks noGrp="1"/>
+          </p:cNvSpPr>
+          <p:nvPr>
+            <p:ph idx="1"/>
+          </p:nvPr>
+        </p:nvSpPr>
+        <p:spPr>
+          <a:xfrm>
+            <a:off x="982133" y="727655"/>
+            <a:ext cx="7704667" cy="5853449"/>
+          </a:xfrm>
+        </p:spPr>
+        <p:txBody>
+          <a:bodyPr>
+            <a:normAutofit/>
+          </a:bodyPr>
+          <a:lstStyle/>
+          <a:p>
+            <a:r>
+              <a:rPr lang="en-US" dirty="0"/>
+              <a:t>Data collected regarding each train daily by CBTLS would be a new set of data</a:t>
+            </a:r>
+          </a:p>
+          <a:p>
+            <a:pPr lvl="1"/>
+            <a:r>
+              <a:rPr lang="en-US" dirty="0"/>
+              <a:t>could be used to generate new knowledge. </a:t>
+            </a:r>
+          </a:p>
+          <a:p>
+            <a:r>
+              <a:rPr lang="en-US" dirty="0"/>
+              <a:t>For an official </a:t>
+            </a:r>
+            <a:r>
+              <a:rPr lang="en-US" dirty="0" smtClean="0"/>
+              <a:t>implementation for Railway Department, </a:t>
+            </a:r>
+            <a:endParaRPr lang="en-US" dirty="0"/>
+          </a:p>
+          <a:p>
+            <a:pPr lvl="1"/>
+            <a:r>
+              <a:rPr lang="en-US" dirty="0"/>
+              <a:t>could be done </a:t>
+            </a:r>
+            <a:r>
+              <a:rPr lang="en-US" dirty="0" smtClean="0"/>
+              <a:t>at </a:t>
+            </a:r>
+            <a:r>
+              <a:rPr lang="en-US" dirty="0"/>
+              <a:t>a minimal </a:t>
+            </a:r>
+            <a:r>
+              <a:rPr lang="en-US" dirty="0" smtClean="0"/>
+              <a:t>cost - only </a:t>
+            </a:r>
+            <a:r>
+              <a:rPr lang="en-US" dirty="0"/>
+              <a:t>requirement would be to place a smart mobile device inside the train.</a:t>
+            </a:r>
+          </a:p>
+          <a:p>
+            <a:r>
+              <a:rPr lang="en-US" dirty="0"/>
+              <a:t>To analyses and study the pattern of train transportation varying with the factor of weather conditions</a:t>
+            </a:r>
+          </a:p>
+          <a:p>
+            <a:pPr lvl="1"/>
+            <a:r>
+              <a:rPr lang="en-US" dirty="0"/>
+              <a:t>another dimension could be integrated in to CBTLS as to collect weather information along with train location updates. </a:t>
+            </a:r>
+          </a:p>
+          <a:p>
+            <a:pPr lvl="1"/>
+            <a:r>
+              <a:rPr lang="en-US" dirty="0"/>
+              <a:t>For this purpose, a third party service could be easily integrated with the system.</a:t>
+            </a:r>
+          </a:p>
+          <a:p>
+            <a:endParaRPr lang="en-US" dirty="0"/>
+          </a:p>
+        </p:txBody>
+      </p:sp>
+    </p:spTree>
+    <p:extLst>
+      <p:ext uri="{BB962C8B-B14F-4D97-AF65-F5344CB8AC3E}">
+        <p14:creationId xmlns:p14="http://schemas.microsoft.com/office/powerpoint/2010/main" val="2256011617"/>
+      </p:ext>
+    </p:extLst>
+  </p:cSld>
+  <p:clrMapOvr>
+    <a:masterClrMapping/>
+  </p:clrMapOvr>
+  <p:timing>
+    <p:tnLst>
+      <p:par>
+        <p:cTn id="1" dur="indefinite" restart="never" nodeType="tmRoot"/>
+      </p:par>
+    </p:tnLst>
+  </p:timing>
+</p:sld>
+</file>
+
+<file path=ppt/slides/slide35.xml><?xml version="1.0" encoding="utf-8"?>
+<p:sld xmlns:a="http://schemas.openxmlformats.org/drawingml/2006/main" xmlns:r="http://schemas.openxmlformats.org/officeDocument/2006/relationships" xmlns:p="http://schemas.openxmlformats.org/presentationml/2006/main">
+  <p:cSld>
+    <p:spTree>
+      <p:nvGrpSpPr>
+        <p:cNvPr id="1" name=""/>
+        <p:cNvGrpSpPr/>
+        <p:nvPr/>
+      </p:nvGrpSpPr>
+      <p:grpSpPr>
+        <a:xfrm>
+          <a:off x="0" y="0"/>
+          <a:ext cx="0" cy="0"/>
+          <a:chOff x="0" y="0"/>
+          <a:chExt cx="0" cy="0"/>
+        </a:xfrm>
+      </p:grpSpPr>
+      <p:sp>
+        <p:nvSpPr>
+          <p:cNvPr id="2" name="Title 1"/>
+          <p:cNvSpPr>
+            <a:spLocks noGrp="1"/>
+          </p:cNvSpPr>
+          <p:nvPr>
+            <p:ph type="title"/>
+          </p:nvPr>
+        </p:nvSpPr>
+        <p:spPr>
+          <a:xfrm>
+            <a:off x="982133" y="0"/>
+            <a:ext cx="7704667" cy="727655"/>
+          </a:xfrm>
+        </p:spPr>
+        <p:txBody>
+          <a:bodyPr>
+            <a:normAutofit/>
+          </a:bodyPr>
+          <a:lstStyle/>
+          <a:p>
+            <a:r>
+              <a:rPr lang="en-US" dirty="0"/>
+              <a:t>Conclusion and further work</a:t>
+            </a:r>
+            <a:endParaRPr lang="en-US" dirty="0"/>
+          </a:p>
+        </p:txBody>
+      </p:sp>
+      <p:sp>
+        <p:nvSpPr>
+          <p:cNvPr id="4" name="Content Placeholder 3"/>
+          <p:cNvSpPr>
+            <a:spLocks noGrp="1"/>
+          </p:cNvSpPr>
+          <p:nvPr>
+            <p:ph idx="1"/>
+          </p:nvPr>
+        </p:nvSpPr>
+        <p:spPr>
+          <a:xfrm>
+            <a:off x="982133" y="727656"/>
+            <a:ext cx="7704667" cy="3561010"/>
+          </a:xfrm>
+        </p:spPr>
+        <p:txBody>
+          <a:bodyPr>
+            <a:normAutofit/>
+          </a:bodyPr>
+          <a:lstStyle/>
+          <a:p>
+            <a:r>
+              <a:rPr lang="en-US" dirty="0" smtClean="0"/>
+              <a:t>Comments </a:t>
+            </a:r>
+            <a:r>
+              <a:rPr lang="en-US" dirty="0"/>
+              <a:t>and feedbacks from passengers could be used by some responsible authority to get to know the feedback of general public on their services</a:t>
+            </a:r>
+            <a:r>
+              <a:rPr lang="en-US" dirty="0" smtClean="0"/>
+              <a:t>.</a:t>
+            </a:r>
+          </a:p>
+          <a:p>
+            <a:r>
+              <a:rPr lang="en-US" dirty="0" smtClean="0"/>
+              <a:t>Use WEKA tool for prediction of train schedules</a:t>
+            </a:r>
+          </a:p>
+          <a:p>
+            <a:pPr lvl="1"/>
+            <a:r>
+              <a:rPr lang="en-US" dirty="0" smtClean="0"/>
+              <a:t>Considering the factors like day of week, if it’s a holiday or not, weather conditions, if it got delayed at start station</a:t>
+            </a:r>
+          </a:p>
+          <a:p>
+            <a:pPr lvl="1"/>
+            <a:r>
+              <a:rPr lang="en-US" dirty="0" smtClean="0"/>
+              <a:t>Using a decision tree like J48, it would be easy to predict if the train will get delayed</a:t>
+            </a:r>
+            <a:endParaRPr lang="en-US" dirty="0"/>
+          </a:p>
+          <a:p>
+            <a:endParaRPr lang="en-US" dirty="0"/>
+          </a:p>
+        </p:txBody>
+      </p:sp>
+      <p:pic>
+        <p:nvPicPr>
+          <p:cNvPr id="3" name="Picture 2"/>
+          <p:cNvPicPr>
+            <a:picLocks noChangeAspect="1"/>
+          </p:cNvPicPr>
+          <p:nvPr/>
+        </p:nvPicPr>
+        <p:blipFill>
+          <a:blip r:embed="rId2">
+            <a:extLst>
+              <a:ext uri="{28A0092B-C50C-407E-A947-70E740481C1C}">
+                <a14:useLocalDpi xmlns:a14="http://schemas.microsoft.com/office/drawing/2010/main" val="0"/>
+              </a:ext>
+            </a:extLst>
+          </a:blip>
+          <a:stretch>
+            <a:fillRect/>
+          </a:stretch>
+        </p:blipFill>
+        <p:spPr>
+          <a:xfrm>
+            <a:off x="3412900" y="3789022"/>
+            <a:ext cx="2785097" cy="3068977"/>
+          </a:xfrm>
+          <a:prstGeom prst="rect">
+            <a:avLst/>
+          </a:prstGeom>
+        </p:spPr>
+      </p:pic>
+    </p:spTree>
+    <p:extLst>
+      <p:ext uri="{BB962C8B-B14F-4D97-AF65-F5344CB8AC3E}">
+        <p14:creationId xmlns:p14="http://schemas.microsoft.com/office/powerpoint/2010/main" val="3168134580"/>
+      </p:ext>
+    </p:extLst>
+  </p:cSld>
+  <p:clrMapOvr>
+    <a:masterClrMapping/>
+  </p:clrMapOvr>
+  <p:timing>
+    <p:tnLst>
+      <p:par>
+        <p:cTn id="1" dur="indefinite" restart="never" nodeType="tmRoot"/>
+      </p:par>
+    </p:tnLst>
+  </p:timing>
+</p:sld>
+</file>
+
+<file path=ppt/slides/slide36.xml><?xml version="1.0" encoding="utf-8"?>
+<p:sld xmlns:a="http://schemas.openxmlformats.org/drawingml/2006/main" xmlns:r="http://schemas.openxmlformats.org/officeDocument/2006/relationships" xmlns:p="http://schemas.openxmlformats.org/presentationml/2006/main">
+  <p:cSld>
+    <p:spTree>
+      <p:nvGrpSpPr>
+        <p:cNvPr id="1" name=""/>
+        <p:cNvGrpSpPr/>
+        <p:nvPr/>
+      </p:nvGrpSpPr>
+      <p:grpSpPr>
+        <a:xfrm>
+          <a:off x="0" y="0"/>
+          <a:ext cx="0" cy="0"/>
+          <a:chOff x="0" y="0"/>
+          <a:chExt cx="0" cy="0"/>
+        </a:xfrm>
+      </p:grpSpPr>
+      <p:sp>
+        <p:nvSpPr>
+          <p:cNvPr id="2" name="Title 1"/>
+          <p:cNvSpPr>
+            <a:spLocks noGrp="1"/>
+          </p:cNvSpPr>
+          <p:nvPr>
+            <p:ph type="title"/>
+          </p:nvPr>
+        </p:nvSpPr>
+        <p:spPr>
+          <a:xfrm>
+            <a:off x="867833" y="2146301"/>
+            <a:ext cx="7704667" cy="1981200"/>
+          </a:xfrm>
+        </p:spPr>
+        <p:txBody>
+          <a:bodyPr/>
+          <a:lstStyle/>
+          <a:p>
+            <a:r>
+              <a:rPr lang="en-US" dirty="0" smtClean="0"/>
+              <a:t>System Demonstration</a:t>
+            </a:r>
+            <a:endParaRPr lang="en-US" dirty="0"/>
+          </a:p>
+        </p:txBody>
+      </p:sp>
+    </p:spTree>
+    <p:extLst>
+      <p:ext uri="{BB962C8B-B14F-4D97-AF65-F5344CB8AC3E}">
+        <p14:creationId xmlns:p14="http://schemas.microsoft.com/office/powerpoint/2010/main" val="2946199976"/>
+      </p:ext>
+    </p:extLst>
+  </p:cSld>
+  <p:clrMapOvr>
+    <a:masterClrMapping/>
+  </p:clrMapOvr>
+  <p:timing>
+    <p:tnLst>
+      <p:par>
+        <p:cTn id="1" dur="indefinite" restart="never" nodeType="tmRoot"/>
+      </p:par>
+    </p:tnLst>
+  </p:timing>
+</p:sld>
+</file>
+
+<file path=ppt/slides/slide37.xml><?xml version="1.0" encoding="utf-8"?>
+<p:sld xmlns:a="http://schemas.openxmlformats.org/drawingml/2006/main" xmlns:r="http://schemas.openxmlformats.org/officeDocument/2006/relationships" xmlns:p="http://schemas.openxmlformats.org/presentationml/2006/main">
+  <p:cSld>
+    <p:spTree>
+      <p:nvGrpSpPr>
+        <p:cNvPr id="1" name=""/>
+        <p:cNvGrpSpPr/>
+        <p:nvPr/>
+      </p:nvGrpSpPr>
+      <p:grpSpPr>
+        <a:xfrm>
+          <a:off x="0" y="0"/>
+          <a:ext cx="0" cy="0"/>
+          <a:chOff x="0" y="0"/>
+          <a:chExt cx="0" cy="0"/>
+        </a:xfrm>
+      </p:grpSpPr>
+      <p:sp>
+        <p:nvSpPr>
+          <p:cNvPr id="2" name="Title 1"/>
+          <p:cNvSpPr>
+            <a:spLocks noGrp="1"/>
+          </p:cNvSpPr>
+          <p:nvPr>
+            <p:ph type="title"/>
+          </p:nvPr>
+        </p:nvSpPr>
+        <p:spPr>
+          <a:xfrm>
+            <a:off x="982133" y="0"/>
+            <a:ext cx="7704667" cy="723899"/>
+          </a:xfrm>
+        </p:spPr>
+        <p:txBody>
+          <a:bodyPr/>
+          <a:lstStyle/>
+          <a:p>
+            <a:r>
+              <a:rPr lang="en-US" dirty="0" smtClean="0"/>
+              <a:t>References - </a:t>
+            </a:r>
+            <a:r>
+              <a:rPr lang="en-US" dirty="0" err="1" smtClean="0"/>
+              <a:t>Cont</a:t>
+            </a:r>
+            <a:endParaRPr lang="en-US" dirty="0"/>
+          </a:p>
+        </p:txBody>
+      </p:sp>
+      <p:sp>
+        <p:nvSpPr>
+          <p:cNvPr id="3" name="Content Placeholder 2"/>
+          <p:cNvSpPr>
+            <a:spLocks noGrp="1"/>
+          </p:cNvSpPr>
+          <p:nvPr>
+            <p:ph idx="1"/>
+          </p:nvPr>
+        </p:nvSpPr>
+        <p:spPr>
+          <a:xfrm>
+            <a:off x="982133" y="723899"/>
+            <a:ext cx="8060267" cy="6019801"/>
+          </a:xfrm>
+        </p:spPr>
+        <p:txBody>
+          <a:bodyPr>
+            <a:normAutofit fontScale="62500" lnSpcReduction="20000"/>
+          </a:bodyPr>
+          <a:lstStyle/>
+          <a:p>
+            <a:r>
+              <a:rPr lang="en-US" dirty="0"/>
+              <a:t>[1]	A. </a:t>
+            </a:r>
+            <a:r>
+              <a:rPr lang="en-US" dirty="0" err="1"/>
+              <a:t>Kumarage</a:t>
+            </a:r>
+            <a:r>
+              <a:rPr lang="en-US" dirty="0"/>
+              <a:t>, “Urban traffic congestion. the problem and its solutions,” 2002.</a:t>
+            </a:r>
+          </a:p>
+          <a:p>
+            <a:r>
+              <a:rPr lang="en-US" dirty="0"/>
+              <a:t>[2]	A. B. </a:t>
+            </a:r>
+            <a:r>
+              <a:rPr lang="en-US" dirty="0" err="1"/>
+              <a:t>Jayasinghe</a:t>
+            </a:r>
+            <a:r>
+              <a:rPr lang="en-US" dirty="0"/>
+              <a:t> and N. </a:t>
+            </a:r>
+            <a:r>
+              <a:rPr lang="en-US" dirty="0" err="1"/>
+              <a:t>Pathiranage</a:t>
+            </a:r>
+            <a:r>
+              <a:rPr lang="en-US" dirty="0"/>
+              <a:t>, “Centrality measures’ as a tool to identify the </a:t>
+            </a:r>
+            <a:r>
+              <a:rPr lang="en-US" dirty="0" err="1"/>
+              <a:t>transist</a:t>
+            </a:r>
+            <a:r>
+              <a:rPr lang="en-US" dirty="0"/>
+              <a:t> demand at railway stations: the case of railway network, Sri Lanka,” 2015.</a:t>
+            </a:r>
+          </a:p>
+          <a:p>
+            <a:r>
+              <a:rPr lang="en-US" dirty="0"/>
+              <a:t>[3]	“Economic and social infrastructure - Central Bank of Sri Lanka - ANNUAL REPORT 2012,” CENTRAL BANK OF SRI LANKA, ANNUAL REPORT 2012, Mar. 2013.</a:t>
+            </a:r>
+          </a:p>
+          <a:p>
+            <a:r>
+              <a:rPr lang="en-US" dirty="0"/>
+              <a:t>[4]	“Statistics, Ministry of Internal Transport,” </a:t>
+            </a:r>
+            <a:r>
+              <a:rPr lang="en-US" i="1" dirty="0"/>
+              <a:t>Ministry of Transport and Civil Aviation - Sri Lanka</a:t>
+            </a:r>
+            <a:r>
+              <a:rPr lang="en-US" dirty="0"/>
+              <a:t>, 28-Oct-2015. [Online]. Available: http://www.transport.gov.lk/web/index.php?option=com_content&amp;view=article&amp;id=141&amp;Itemid=113&amp;lang=en. [Accessed: 13-Mar-2016].</a:t>
+            </a:r>
+          </a:p>
+          <a:p>
+            <a:r>
+              <a:rPr lang="en-US" dirty="0"/>
+              <a:t>[5]	G. Bradley, International Association for Development of the Information Society, and Albert-</a:t>
+            </a:r>
+            <a:r>
+              <a:rPr lang="en-US" dirty="0" err="1"/>
+              <a:t>Ludwigs</a:t>
+            </a:r>
+            <a:r>
+              <a:rPr lang="en-US" dirty="0"/>
+              <a:t>-</a:t>
+            </a:r>
+            <a:r>
+              <a:rPr lang="en-US" dirty="0" err="1"/>
+              <a:t>Universität</a:t>
+            </a:r>
+            <a:r>
+              <a:rPr lang="en-US" dirty="0"/>
+              <a:t> Freiburg, Eds., </a:t>
+            </a:r>
+            <a:r>
+              <a:rPr lang="en-US" i="1" dirty="0"/>
+              <a:t>Proceedings of the IADIS International Conference ICT, Society and Human Beings 2010: part of the IADIS Multi Conference on Computer Science and Information Systems 2010 ; Freiburg, Germany, July 29 - 31, 2010</a:t>
+            </a:r>
+            <a:r>
+              <a:rPr lang="en-US" dirty="0"/>
+              <a:t>. </a:t>
+            </a:r>
+            <a:r>
+              <a:rPr lang="en-US" dirty="0" err="1"/>
+              <a:t>Lisboa</a:t>
+            </a:r>
+            <a:r>
+              <a:rPr lang="en-US" dirty="0"/>
+              <a:t>: IADIS Press, 2010.</a:t>
+            </a:r>
+          </a:p>
+          <a:p>
+            <a:r>
+              <a:rPr lang="en-US" dirty="0"/>
+              <a:t>[6]	S. </a:t>
+            </a:r>
+            <a:r>
+              <a:rPr lang="en-US" dirty="0" err="1"/>
+              <a:t>Rainford</a:t>
+            </a:r>
+            <a:r>
+              <a:rPr lang="en-US" dirty="0"/>
+              <a:t>, “e-Sri Lanka: An integrated approach to e-government case study,” </a:t>
+            </a:r>
+            <a:r>
+              <a:rPr lang="en-US" i="1" dirty="0"/>
+              <a:t>Reg. Dev. Dialogue</a:t>
+            </a:r>
+            <a:r>
+              <a:rPr lang="en-US" dirty="0"/>
+              <a:t>, vol. 27, no. 2, pp. 209–218, 2006.</a:t>
+            </a:r>
+          </a:p>
+          <a:p>
+            <a:r>
+              <a:rPr lang="en-US" dirty="0"/>
+              <a:t>[7]	ICTA, “Sri Lanka Railways - Train Schedule,” </a:t>
+            </a:r>
+            <a:r>
+              <a:rPr lang="en-US" i="1" dirty="0"/>
+              <a:t>Sri Lanka Railways</a:t>
+            </a:r>
+            <a:r>
+              <a:rPr lang="en-US" dirty="0"/>
+              <a:t>, 2011. [Online]. Available: http://eservices.railway.gov.lk/schedule. [Accessed: 13-Mar-2016].</a:t>
+            </a:r>
+          </a:p>
+          <a:p>
+            <a:r>
+              <a:rPr lang="en-US" dirty="0"/>
+              <a:t>[8]	G. </a:t>
+            </a:r>
+            <a:r>
+              <a:rPr lang="en-US" dirty="0" err="1"/>
+              <a:t>Bhashitha</a:t>
+            </a:r>
+            <a:r>
+              <a:rPr lang="en-US" dirty="0"/>
+              <a:t> </a:t>
+            </a:r>
+            <a:r>
+              <a:rPr lang="en-US" dirty="0" err="1"/>
+              <a:t>Nadun</a:t>
+            </a:r>
+            <a:r>
+              <a:rPr lang="en-US" dirty="0"/>
+              <a:t>, “Sri Lanka Train Schedule - Android Apps on Google Play,” </a:t>
+            </a:r>
+            <a:r>
+              <a:rPr lang="en-US" i="1" dirty="0"/>
+              <a:t>Google Play</a:t>
+            </a:r>
+            <a:r>
+              <a:rPr lang="en-US" dirty="0"/>
+              <a:t>, 04-Mar-2014. [Online]. Available: https://play.google.com/store/apps/details?id=lk.icta.mobile.apps.railway. [Accessed: 13-Mar-2016].</a:t>
+            </a:r>
+          </a:p>
+          <a:p>
+            <a:r>
+              <a:rPr lang="en-US" dirty="0"/>
+              <a:t>[9]	</a:t>
+            </a:r>
+            <a:r>
+              <a:rPr lang="en-US" dirty="0" err="1"/>
+              <a:t>Leelaratne</a:t>
+            </a:r>
+            <a:r>
+              <a:rPr lang="en-US" dirty="0"/>
+              <a:t>, “Train Schedules of Sri Lanka - Android Apps on Google Play,” </a:t>
+            </a:r>
+            <a:r>
+              <a:rPr lang="en-US" i="1" dirty="0"/>
+              <a:t>Google Play</a:t>
+            </a:r>
+            <a:r>
+              <a:rPr lang="en-US" dirty="0"/>
+              <a:t>, 14-Oct-2014. [Online]. Available: https://play.google.com/store/apps/details?id=com.aselalee.trainschedule. [Accessed: 13-Mar-2016</a:t>
+            </a:r>
+            <a:r>
+              <a:rPr lang="en-US" dirty="0" smtClean="0"/>
+              <a:t>].</a:t>
+            </a:r>
+            <a:endParaRPr lang="en-US" dirty="0"/>
+          </a:p>
+        </p:txBody>
+      </p:sp>
+    </p:spTree>
+    <p:extLst>
+      <p:ext uri="{BB962C8B-B14F-4D97-AF65-F5344CB8AC3E}">
+        <p14:creationId xmlns:p14="http://schemas.microsoft.com/office/powerpoint/2010/main" val="3530061171"/>
+      </p:ext>
+    </p:extLst>
+  </p:cSld>
+  <p:clrMapOvr>
+    <a:masterClrMapping/>
+  </p:clrMapOvr>
+  <p:timing>
+    <p:tnLst>
+      <p:par>
+        <p:cTn id="1" dur="indefinite" restart="never" nodeType="tmRoot"/>
+      </p:par>
+    </p:tnLst>
+  </p:timing>
+</p:sld>
+</file>
+
+<file path=ppt/slides/slide38.xml><?xml version="1.0" encoding="utf-8"?>
+<p:sld xmlns:a="http://schemas.openxmlformats.org/drawingml/2006/main" xmlns:r="http://schemas.openxmlformats.org/officeDocument/2006/relationships" xmlns:p="http://schemas.openxmlformats.org/presentationml/2006/main">
+  <p:cSld>
+    <p:spTree>
+      <p:nvGrpSpPr>
+        <p:cNvPr id="1" name=""/>
+        <p:cNvGrpSpPr/>
+        <p:nvPr/>
+      </p:nvGrpSpPr>
+      <p:grpSpPr>
+        <a:xfrm>
+          <a:off x="0" y="0"/>
+          <a:ext cx="0" cy="0"/>
+          <a:chOff x="0" y="0"/>
+          <a:chExt cx="0" cy="0"/>
+        </a:xfrm>
+      </p:grpSpPr>
+      <p:sp>
+        <p:nvSpPr>
+          <p:cNvPr id="2" name="Title 1"/>
+          <p:cNvSpPr>
+            <a:spLocks noGrp="1"/>
+          </p:cNvSpPr>
+          <p:nvPr>
+            <p:ph type="title"/>
+          </p:nvPr>
+        </p:nvSpPr>
+        <p:spPr>
+          <a:xfrm>
+            <a:off x="982133" y="0"/>
+            <a:ext cx="7704667" cy="723899"/>
+          </a:xfrm>
+        </p:spPr>
+        <p:txBody>
+          <a:bodyPr/>
+          <a:lstStyle/>
+          <a:p>
+            <a:r>
+              <a:rPr lang="en-US" dirty="0" smtClean="0"/>
+              <a:t>References</a:t>
+            </a:r>
+            <a:endParaRPr lang="en-US" dirty="0"/>
+          </a:p>
+        </p:txBody>
+      </p:sp>
+      <p:sp>
+        <p:nvSpPr>
+          <p:cNvPr id="3" name="Content Placeholder 2"/>
+          <p:cNvSpPr>
+            <a:spLocks noGrp="1"/>
+          </p:cNvSpPr>
+          <p:nvPr>
+            <p:ph idx="1"/>
+          </p:nvPr>
+        </p:nvSpPr>
+        <p:spPr>
+          <a:xfrm>
+            <a:off x="982133" y="723899"/>
+            <a:ext cx="8060267" cy="6019801"/>
+          </a:xfrm>
+        </p:spPr>
+        <p:txBody>
+          <a:bodyPr>
+            <a:normAutofit fontScale="70000" lnSpcReduction="20000"/>
+          </a:bodyPr>
+          <a:lstStyle/>
+          <a:p>
+            <a:r>
+              <a:rPr lang="en-US" dirty="0" smtClean="0"/>
+              <a:t>[</a:t>
+            </a:r>
+            <a:r>
+              <a:rPr lang="en-US" dirty="0"/>
+              <a:t>10]	K. Mobiles, “Train Guide - Sri Lanka,” </a:t>
+            </a:r>
+            <a:r>
+              <a:rPr lang="en-US" i="1" dirty="0"/>
+              <a:t>Google Play</a:t>
+            </a:r>
+            <a:r>
+              <a:rPr lang="en-US" dirty="0"/>
+              <a:t>, 30-Jul-2014. [Online]. Available: https://play.google.com/store/apps/details?id=k.dw.timetable. [Accessed: 13-Mar-2016].</a:t>
+            </a:r>
+          </a:p>
+          <a:p>
+            <a:r>
+              <a:rPr lang="en-US" dirty="0"/>
+              <a:t>[11]	“Railway Traffic Optimisation System,” </a:t>
+            </a:r>
+            <a:r>
+              <a:rPr lang="en-US" i="1" dirty="0"/>
+              <a:t>Sri Lanka Railways</a:t>
+            </a:r>
+            <a:r>
+              <a:rPr lang="en-US" dirty="0"/>
+              <a:t>, 01-Aug-2014. [Online]. Available: www.slrail.info/tracking/timetable.php. [Accessed: 22-Nov-2015].</a:t>
+            </a:r>
+          </a:p>
+          <a:p>
+            <a:r>
+              <a:rPr lang="en-US" dirty="0"/>
+              <a:t>[12]	</a:t>
+            </a:r>
+            <a:r>
+              <a:rPr lang="en-US" dirty="0" err="1"/>
+              <a:t>Prasanna</a:t>
+            </a:r>
+            <a:r>
+              <a:rPr lang="en-US" dirty="0"/>
+              <a:t>, “How to search where the train is in Sri </a:t>
+            </a:r>
+            <a:r>
+              <a:rPr lang="en-US" dirty="0" err="1"/>
+              <a:t>lanka</a:t>
+            </a:r>
+            <a:r>
+              <a:rPr lang="en-US" dirty="0"/>
+              <a:t> (system to keep track of trains),” </a:t>
+            </a:r>
+            <a:r>
+              <a:rPr lang="en-US" i="1" dirty="0"/>
+              <a:t>Synergy Y</a:t>
+            </a:r>
+            <a:r>
+              <a:rPr lang="en-US" dirty="0"/>
+              <a:t>, 17-Jul-2014.</a:t>
+            </a:r>
+          </a:p>
+          <a:p>
+            <a:r>
+              <a:rPr lang="en-US" dirty="0"/>
+              <a:t>[13]	D. </a:t>
+            </a:r>
+            <a:r>
+              <a:rPr lang="en-US" dirty="0" err="1"/>
+              <a:t>Jayakody</a:t>
+            </a:r>
+            <a:r>
+              <a:rPr lang="en-US" dirty="0"/>
+              <a:t>, M. </a:t>
+            </a:r>
+            <a:r>
+              <a:rPr lang="en-US" dirty="0" err="1"/>
+              <a:t>Gunawardana</a:t>
+            </a:r>
+            <a:r>
+              <a:rPr lang="en-US" dirty="0"/>
+              <a:t>, N. W. </a:t>
+            </a:r>
+            <a:r>
+              <a:rPr lang="en-US" dirty="0" err="1"/>
+              <a:t>Surendra</a:t>
+            </a:r>
+            <a:r>
+              <a:rPr lang="en-US" dirty="0"/>
+              <a:t>, D. G. </a:t>
+            </a:r>
+            <a:r>
+              <a:rPr lang="en-US" dirty="0" err="1"/>
+              <a:t>Jayasekara</a:t>
+            </a:r>
+            <a:r>
+              <a:rPr lang="en-US" dirty="0"/>
+              <a:t>, C. </a:t>
+            </a:r>
+            <a:r>
+              <a:rPr lang="en-US" dirty="0" err="1"/>
+              <a:t>Upendra</a:t>
+            </a:r>
+            <a:r>
+              <a:rPr lang="en-US" dirty="0"/>
+              <a:t>, and R. De Silva, “GPS/GSM based train tracking system – utilizing mobile networks to support public transportation,” 2011.</a:t>
+            </a:r>
+          </a:p>
+          <a:p>
+            <a:r>
+              <a:rPr lang="en-US" dirty="0"/>
+              <a:t>[14]	N. S. </a:t>
+            </a:r>
+            <a:r>
+              <a:rPr lang="en-US" dirty="0" err="1"/>
+              <a:t>Gunasekara</a:t>
+            </a:r>
+            <a:r>
+              <a:rPr lang="en-US" dirty="0"/>
+              <a:t>, “GPS based tracking system for trains in Sri Lanka.” 07-Jan-2006.</a:t>
+            </a:r>
+          </a:p>
+          <a:p>
+            <a:r>
+              <a:rPr lang="en-US" dirty="0"/>
+              <a:t>[15]	ICTA, “Future Plans -  Information Technology,” </a:t>
+            </a:r>
+            <a:r>
+              <a:rPr lang="en-US" i="1" dirty="0"/>
+              <a:t>Sri Lanka Railways</a:t>
+            </a:r>
+            <a:r>
+              <a:rPr lang="en-US" dirty="0"/>
+              <a:t>, 11-Sep-2011. [Online]. Available: http://www.railway.gov.lk/web/index.php?option=com_content&amp;view=article&amp;id=126&amp;Itemid=180&amp;lang=en#IT. [Accessed: 13-Mar-2016].</a:t>
+            </a:r>
+          </a:p>
+          <a:p>
+            <a:r>
+              <a:rPr lang="en-US" dirty="0"/>
+              <a:t>[16]	B. </a:t>
+            </a:r>
+            <a:r>
+              <a:rPr lang="en-US" dirty="0" err="1"/>
+              <a:t>Coifman</a:t>
+            </a:r>
+            <a:r>
+              <a:rPr lang="en-US" dirty="0"/>
+              <a:t>, D. </a:t>
+            </a:r>
+            <a:r>
+              <a:rPr lang="en-US" dirty="0" err="1"/>
+              <a:t>Beymer</a:t>
+            </a:r>
+            <a:r>
+              <a:rPr lang="en-US" dirty="0"/>
+              <a:t>, P. </a:t>
+            </a:r>
+            <a:r>
+              <a:rPr lang="en-US" dirty="0" err="1"/>
+              <a:t>McLauchlan</a:t>
+            </a:r>
+            <a:r>
+              <a:rPr lang="en-US" dirty="0"/>
+              <a:t>, and J. Malik, “A real-time computer vision system for vehicle tracking and traffic surveillance,” </a:t>
+            </a:r>
+            <a:r>
+              <a:rPr lang="en-US" i="1" dirty="0"/>
+              <a:t>Transp. Res. Part C </a:t>
+            </a:r>
+            <a:r>
+              <a:rPr lang="en-US" i="1" dirty="0" err="1"/>
+              <a:t>Emerg</a:t>
+            </a:r>
+            <a:r>
+              <a:rPr lang="en-US" i="1" dirty="0"/>
+              <a:t>. Technol.</a:t>
+            </a:r>
+            <a:r>
+              <a:rPr lang="en-US" dirty="0"/>
+              <a:t>, vol. 6, no. 4, pp. 271–288, 1998.</a:t>
+            </a:r>
+          </a:p>
+          <a:p>
+            <a:r>
+              <a:rPr lang="en-US" dirty="0"/>
+              <a:t>[17]	D. J. Dailey, L. Li, T. Northwest, and others, “Video image processing to create a speed sensor,” Washington State Department of Transportation, 2000.</a:t>
+            </a:r>
+          </a:p>
+          <a:p>
+            <a:r>
+              <a:rPr lang="en-US" dirty="0"/>
+              <a:t>[18]	N. </a:t>
+            </a:r>
+            <a:r>
+              <a:rPr lang="en-US" dirty="0" err="1"/>
+              <a:t>Chadil</a:t>
+            </a:r>
+            <a:r>
+              <a:rPr lang="en-US" dirty="0"/>
+              <a:t>, A. </a:t>
+            </a:r>
+            <a:r>
+              <a:rPr lang="en-US" dirty="0" err="1"/>
+              <a:t>Russameesawang</a:t>
+            </a:r>
+            <a:r>
+              <a:rPr lang="en-US" dirty="0"/>
+              <a:t>, and P. </a:t>
+            </a:r>
+            <a:r>
+              <a:rPr lang="en-US" dirty="0" err="1"/>
+              <a:t>Keeratiwintakorn</a:t>
+            </a:r>
+            <a:r>
+              <a:rPr lang="en-US" dirty="0"/>
+              <a:t>, “Real-time tracking management system using GPS, GPRS and Google earth,” 2008, pp. 393–396.</a:t>
+            </a:r>
+          </a:p>
+          <a:p>
+            <a:endParaRPr lang="en-US" dirty="0"/>
+          </a:p>
+        </p:txBody>
+      </p:sp>
+    </p:spTree>
+    <p:extLst>
+      <p:ext uri="{BB962C8B-B14F-4D97-AF65-F5344CB8AC3E}">
+        <p14:creationId xmlns:p14="http://schemas.microsoft.com/office/powerpoint/2010/main" val="427727617"/>
+      </p:ext>
+    </p:extLst>
+  </p:cSld>
+  <p:clrMapOvr>
+    <a:masterClrMapping/>
+  </p:clrMapOvr>
+  <p:timing>
+    <p:tnLst>
+      <p:par>
+        <p:cTn id="1" dur="indefinite" restart="never" nodeType="tmRoot"/>
+      </p:par>
+    </p:tnLst>
+  </p:timing>
+</p:sld>
+</file>
+
+<file path=ppt/slides/slide39.xml><?xml version="1.0" encoding="utf-8"?>
+<p:sld xmlns:a="http://schemas.openxmlformats.org/drawingml/2006/main" xmlns:r="http://schemas.openxmlformats.org/officeDocument/2006/relationships" xmlns:p="http://schemas.openxmlformats.org/presentationml/2006/main">
+  <p:cSld>
+    <p:spTree>
+      <p:nvGrpSpPr>
+        <p:cNvPr id="1" name=""/>
+        <p:cNvGrpSpPr/>
+        <p:nvPr/>
+      </p:nvGrpSpPr>
+      <p:grpSpPr>
+        <a:xfrm>
+          <a:off x="0" y="0"/>
+          <a:ext cx="0" cy="0"/>
+          <a:chOff x="0" y="0"/>
+          <a:chExt cx="0" cy="0"/>
+        </a:xfrm>
+      </p:grpSpPr>
+      <p:sp>
+        <p:nvSpPr>
+          <p:cNvPr id="2" name="Title 1"/>
+          <p:cNvSpPr>
+            <a:spLocks noGrp="1"/>
+          </p:cNvSpPr>
+          <p:nvPr>
+            <p:ph type="title"/>
+          </p:nvPr>
+        </p:nvSpPr>
+        <p:spPr>
+          <a:xfrm>
             <a:off x="740833" y="2146300"/>
             <a:ext cx="8136467" cy="2489199"/>
           </a:xfrm>
@@ -12352,6 +12803,13 @@
   <p:clrMapOvr>
     <a:masterClrMapping/>
   </p:clrMapOvr>
+  <p:timing>
+    <p:tnLst>
+      <p:par>
+        <p:cTn id="1" dur="indefinite" restart="never" nodeType="tmRoot"/>
+      </p:par>
+    </p:tnLst>
+  </p:timing>
 </p:sld>
 </file>
 
@@ -12426,15 +12884,15 @@
           <a:p>
             <a:r>
               <a:rPr lang="en-US" dirty="0"/>
-              <a:t>update the train locations, compartment details, and view current and/or last known locations of a train, view analysis, </a:t>
-            </a:r>
-            <a:r>
-              <a:rPr lang="en-US" dirty="0" smtClean="0"/>
-              <a:t>predictions </a:t>
-            </a:r>
-            <a:r>
-              <a:rPr lang="en-US" dirty="0"/>
-              <a:t>on train schedules. </a:t>
+              <a:t>update the train locations, compartment details, and view current and/or last known locations of a train, view </a:t>
+            </a:r>
+            <a:r>
+              <a:rPr lang="en-US" dirty="0" smtClean="0"/>
+              <a:t>analysis on </a:t>
+            </a:r>
+            <a:r>
+              <a:rPr lang="en-US" dirty="0"/>
+              <a:t>train schedules. </a:t>
             </a:r>
           </a:p>
           <a:p>
@@ -13348,34 +13806,40 @@
             <a:pPr lvl="1"/>
             <a:r>
               <a:rPr lang="en-US" dirty="0" smtClean="0"/>
-              <a:t>Predicting </a:t>
-            </a:r>
-            <a:r>
-              <a:rPr lang="en-US" dirty="0"/>
-              <a:t>and suggesting most suitable train to take based on destination, and time of arrival at destination desired by the passenger.</a:t>
-            </a:r>
+              <a:t>Analysis </a:t>
+            </a:r>
+            <a:r>
+              <a:rPr lang="en-US" dirty="0"/>
+              <a:t>of data collected over a period on a given </a:t>
+            </a:r>
+            <a:r>
+              <a:rPr lang="en-US" dirty="0" smtClean="0"/>
+              <a:t>train, and indicate more accurate travelling times.</a:t>
+            </a:r>
+            <a:endParaRPr lang="en-US" dirty="0"/>
           </a:p>
           <a:p>
             <a:pPr lvl="1"/>
             <a:r>
               <a:rPr lang="en-US" dirty="0" smtClean="0"/>
-              <a:t>Analysis </a:t>
-            </a:r>
-            <a:r>
-              <a:rPr lang="en-US" dirty="0"/>
-              <a:t>of data collected over a period on a given train, and indicate more accurate travelling times.</a:t>
+              <a:t>Location </a:t>
+            </a:r>
+            <a:r>
+              <a:rPr lang="en-US" dirty="0"/>
+              <a:t>based alarm to indicate if the passenger has reached the destination</a:t>
+            </a:r>
+            <a:r>
+              <a:rPr lang="en-US" dirty="0" smtClean="0"/>
+              <a:t>.</a:t>
             </a:r>
           </a:p>
           <a:p>
             <a:pPr lvl="1"/>
             <a:r>
               <a:rPr lang="en-US" dirty="0" smtClean="0"/>
-              <a:t>Location </a:t>
-            </a:r>
-            <a:r>
-              <a:rPr lang="en-US" dirty="0"/>
-              <a:t>based alarm to indicate if the passenger has reached the destination.</a:t>
-            </a:r>
+              <a:t>Provide feedback on selected train schedules</a:t>
+            </a:r>
+            <a:endParaRPr lang="en-US" dirty="0"/>
           </a:p>
           <a:p>
             <a:endParaRPr lang="en-US" dirty="0"/>
@@ -13515,15 +13979,11 @@
           <a:p>
             <a:r>
               <a:rPr lang="en-US" dirty="0" smtClean="0"/>
-              <a:t>Registered </a:t>
-            </a:r>
-            <a:r>
-              <a:rPr lang="en-US" dirty="0"/>
-              <a:t>users</a:t>
-            </a:r>
-            <a:r>
-              <a:rPr lang="en-US" dirty="0" smtClean="0"/>
-              <a:t> are allowed </a:t>
+              <a:t>Users are </a:t>
+            </a:r>
+            <a:r>
+              <a:rPr lang="en-US" dirty="0" smtClean="0"/>
+              <a:t>allowed </a:t>
             </a:r>
             <a:r>
               <a:rPr lang="en-US" dirty="0"/>
